--- a/CF-Project2.pptx
+++ b/CF-Project2.pptx
@@ -1,34 +1,34 @@
 
 <file path=ppt/presentation.xml><?xml version="1.0" encoding="utf-8"?>
-<p:presentation xmlns:a="http://schemas.openxmlformats.org/drawingml/2006/main" xmlns:r="http://schemas.openxmlformats.org/officeDocument/2006/relationships" xmlns:mc="http://schemas.openxmlformats.org/markup-compatibility/2006" xmlns:mv="urn:schemas-microsoft-com:mac:vml" xmlns:p="http://schemas.openxmlformats.org/presentationml/2006/main" xmlns:c="http://schemas.openxmlformats.org/drawingml/2006/chart" xmlns:dgm="http://schemas.openxmlformats.org/drawingml/2006/diagram" xmlns:o="urn:schemas-microsoft-com:office:office" xmlns:v="urn:schemas-microsoft-com:vml" xmlns:pvml="urn:schemas-microsoft-com:office:powerpoint" xmlns:com="http://schemas.openxmlformats.org/drawingml/2006/compatibility" xmlns:p14="http://schemas.microsoft.com/office/powerpoint/2010/main" xmlns:p15="http://schemas.microsoft.com/office/powerpoint/2012/main" xmlns:ahyp="http://schemas.microsoft.com/office/drawing/2018/hyperlinkcolor" autoCompressPictures="0" strictFirstAndLastChars="0" saveSubsetFonts="1">
+<p:presentation xmlns:a="http://schemas.openxmlformats.org/drawingml/2006/main" xmlns:r="http://schemas.openxmlformats.org/officeDocument/2006/relationships" xmlns:p="http://schemas.openxmlformats.org/presentationml/2006/main" strictFirstAndLastChars="0" saveSubsetFonts="1" autoCompressPictures="0">
   <p:sldMasterIdLst>
-    <p:sldMasterId id="2147483659" r:id="rId4"/>
+    <p:sldMasterId id="2147483659" r:id="rId1"/>
   </p:sldMasterIdLst>
   <p:notesMasterIdLst>
-    <p:notesMasterId r:id="rId5"/>
+    <p:notesMasterId r:id="rId18"/>
   </p:notesMasterIdLst>
   <p:sldIdLst>
-    <p:sldId id="256" r:id="rId6"/>
-    <p:sldId id="257" r:id="rId7"/>
-    <p:sldId id="258" r:id="rId8"/>
-    <p:sldId id="259" r:id="rId9"/>
-    <p:sldId id="260" r:id="rId10"/>
-    <p:sldId id="261" r:id="rId11"/>
-    <p:sldId id="262" r:id="rId12"/>
-    <p:sldId id="263" r:id="rId13"/>
-    <p:sldId id="264" r:id="rId14"/>
-    <p:sldId id="265" r:id="rId15"/>
-    <p:sldId id="266" r:id="rId16"/>
-    <p:sldId id="267" r:id="rId17"/>
-    <p:sldId id="268" r:id="rId18"/>
-    <p:sldId id="269" r:id="rId19"/>
-    <p:sldId id="270" r:id="rId20"/>
-    <p:sldId id="271" r:id="rId21"/>
+    <p:sldId id="256" r:id="rId2"/>
+    <p:sldId id="257" r:id="rId3"/>
+    <p:sldId id="258" r:id="rId4"/>
+    <p:sldId id="259" r:id="rId5"/>
+    <p:sldId id="260" r:id="rId6"/>
+    <p:sldId id="261" r:id="rId7"/>
+    <p:sldId id="262" r:id="rId8"/>
+    <p:sldId id="263" r:id="rId9"/>
+    <p:sldId id="264" r:id="rId10"/>
+    <p:sldId id="265" r:id="rId11"/>
+    <p:sldId id="266" r:id="rId12"/>
+    <p:sldId id="267" r:id="rId13"/>
+    <p:sldId id="268" r:id="rId14"/>
+    <p:sldId id="269" r:id="rId15"/>
+    <p:sldId id="270" r:id="rId16"/>
+    <p:sldId id="271" r:id="rId17"/>
   </p:sldIdLst>
-  <p:sldSz cy="5143500" cx="9144000"/>
+  <p:sldSz cx="9144000" cy="5143500" type="screen16x9"/>
   <p:notesSz cx="6858000" cy="9144000"/>
   <p:defaultTextStyle>
-    <a:defPPr lvl="0" marR="0" rtl="0" algn="l">
+    <a:defPPr marR="0" lvl="0" algn="l" rtl="0">
       <a:lnSpc>
         <a:spcPct val="100000"/>
       </a:lnSpc>
@@ -39,7 +39,7 @@
         <a:spcPts val="0"/>
       </a:spcAft>
     </a:defPPr>
-    <a:lvl1pPr lvl="0" marR="0" rtl="0" algn="l">
+    <a:lvl1pPr marR="0" lvl="0" algn="l" rtl="0">
       <a:lnSpc>
         <a:spcPct val="100000"/>
       </a:lnSpc>
@@ -53,7 +53,7 @@
         <a:srgbClr val="000000"/>
       </a:buClr>
       <a:buFont typeface="Arial"/>
-      <a:defRPr b="0" i="0" sz="1400" u="none" cap="none" strike="noStrike">
+      <a:defRPr sz="1400" b="0" i="0" u="none" strike="noStrike" cap="none">
         <a:solidFill>
           <a:srgbClr val="000000"/>
         </a:solidFill>
@@ -63,7 +63,7 @@
         <a:sym typeface="Arial"/>
       </a:defRPr>
     </a:lvl1pPr>
-    <a:lvl2pPr lvl="1" marR="0" rtl="0" algn="l">
+    <a:lvl2pPr marR="0" lvl="1" algn="l" rtl="0">
       <a:lnSpc>
         <a:spcPct val="100000"/>
       </a:lnSpc>
@@ -77,7 +77,7 @@
         <a:srgbClr val="000000"/>
       </a:buClr>
       <a:buFont typeface="Arial"/>
-      <a:defRPr b="0" i="0" sz="1400" u="none" cap="none" strike="noStrike">
+      <a:defRPr sz="1400" b="0" i="0" u="none" strike="noStrike" cap="none">
         <a:solidFill>
           <a:srgbClr val="000000"/>
         </a:solidFill>
@@ -87,7 +87,7 @@
         <a:sym typeface="Arial"/>
       </a:defRPr>
     </a:lvl2pPr>
-    <a:lvl3pPr lvl="2" marR="0" rtl="0" algn="l">
+    <a:lvl3pPr marR="0" lvl="2" algn="l" rtl="0">
       <a:lnSpc>
         <a:spcPct val="100000"/>
       </a:lnSpc>
@@ -101,7 +101,7 @@
         <a:srgbClr val="000000"/>
       </a:buClr>
       <a:buFont typeface="Arial"/>
-      <a:defRPr b="0" i="0" sz="1400" u="none" cap="none" strike="noStrike">
+      <a:defRPr sz="1400" b="0" i="0" u="none" strike="noStrike" cap="none">
         <a:solidFill>
           <a:srgbClr val="000000"/>
         </a:solidFill>
@@ -111,7 +111,7 @@
         <a:sym typeface="Arial"/>
       </a:defRPr>
     </a:lvl3pPr>
-    <a:lvl4pPr lvl="3" marR="0" rtl="0" algn="l">
+    <a:lvl4pPr marR="0" lvl="3" algn="l" rtl="0">
       <a:lnSpc>
         <a:spcPct val="100000"/>
       </a:lnSpc>
@@ -125,7 +125,7 @@
         <a:srgbClr val="000000"/>
       </a:buClr>
       <a:buFont typeface="Arial"/>
-      <a:defRPr b="0" i="0" sz="1400" u="none" cap="none" strike="noStrike">
+      <a:defRPr sz="1400" b="0" i="0" u="none" strike="noStrike" cap="none">
         <a:solidFill>
           <a:srgbClr val="000000"/>
         </a:solidFill>
@@ -135,7 +135,7 @@
         <a:sym typeface="Arial"/>
       </a:defRPr>
     </a:lvl4pPr>
-    <a:lvl5pPr lvl="4" marR="0" rtl="0" algn="l">
+    <a:lvl5pPr marR="0" lvl="4" algn="l" rtl="0">
       <a:lnSpc>
         <a:spcPct val="100000"/>
       </a:lnSpc>
@@ -149,7 +149,7 @@
         <a:srgbClr val="000000"/>
       </a:buClr>
       <a:buFont typeface="Arial"/>
-      <a:defRPr b="0" i="0" sz="1400" u="none" cap="none" strike="noStrike">
+      <a:defRPr sz="1400" b="0" i="0" u="none" strike="noStrike" cap="none">
         <a:solidFill>
           <a:srgbClr val="000000"/>
         </a:solidFill>
@@ -159,7 +159,7 @@
         <a:sym typeface="Arial"/>
       </a:defRPr>
     </a:lvl5pPr>
-    <a:lvl6pPr lvl="5" marR="0" rtl="0" algn="l">
+    <a:lvl6pPr marR="0" lvl="5" algn="l" rtl="0">
       <a:lnSpc>
         <a:spcPct val="100000"/>
       </a:lnSpc>
@@ -173,7 +173,7 @@
         <a:srgbClr val="000000"/>
       </a:buClr>
       <a:buFont typeface="Arial"/>
-      <a:defRPr b="0" i="0" sz="1400" u="none" cap="none" strike="noStrike">
+      <a:defRPr sz="1400" b="0" i="0" u="none" strike="noStrike" cap="none">
         <a:solidFill>
           <a:srgbClr val="000000"/>
         </a:solidFill>
@@ -183,7 +183,7 @@
         <a:sym typeface="Arial"/>
       </a:defRPr>
     </a:lvl6pPr>
-    <a:lvl7pPr lvl="6" marR="0" rtl="0" algn="l">
+    <a:lvl7pPr marR="0" lvl="6" algn="l" rtl="0">
       <a:lnSpc>
         <a:spcPct val="100000"/>
       </a:lnSpc>
@@ -197,7 +197,7 @@
         <a:srgbClr val="000000"/>
       </a:buClr>
       <a:buFont typeface="Arial"/>
-      <a:defRPr b="0" i="0" sz="1400" u="none" cap="none" strike="noStrike">
+      <a:defRPr sz="1400" b="0" i="0" u="none" strike="noStrike" cap="none">
         <a:solidFill>
           <a:srgbClr val="000000"/>
         </a:solidFill>
@@ -207,7 +207,7 @@
         <a:sym typeface="Arial"/>
       </a:defRPr>
     </a:lvl7pPr>
-    <a:lvl8pPr lvl="7" marR="0" rtl="0" algn="l">
+    <a:lvl8pPr marR="0" lvl="7" algn="l" rtl="0">
       <a:lnSpc>
         <a:spcPct val="100000"/>
       </a:lnSpc>
@@ -221,7 +221,7 @@
         <a:srgbClr val="000000"/>
       </a:buClr>
       <a:buFont typeface="Arial"/>
-      <a:defRPr b="0" i="0" sz="1400" u="none" cap="none" strike="noStrike">
+      <a:defRPr sz="1400" b="0" i="0" u="none" strike="noStrike" cap="none">
         <a:solidFill>
           <a:srgbClr val="000000"/>
         </a:solidFill>
@@ -231,7 +231,7 @@
         <a:sym typeface="Arial"/>
       </a:defRPr>
     </a:lvl8pPr>
-    <a:lvl9pPr lvl="8" marR="0" rtl="0" algn="l">
+    <a:lvl9pPr marR="0" lvl="8" algn="l" rtl="0">
       <a:lnSpc>
         <a:spcPct val="100000"/>
       </a:lnSpc>
@@ -245,7 +245,7 @@
         <a:srgbClr val="000000"/>
       </a:buClr>
       <a:buFont typeface="Arial"/>
-      <a:defRPr b="0" i="0" sz="1400" u="none" cap="none" strike="noStrike">
+      <a:defRPr sz="1400" b="0" i="0" u="none" strike="noStrike" cap="none">
         <a:solidFill>
           <a:srgbClr val="000000"/>
         </a:solidFill>
@@ -258,7 +258,7 @@
   </p:defaultTextStyle>
   <p:extLst>
     <p:ext uri="{EFAFB233-063F-42B5-8137-9DF3F51BA10A}">
-      <p15:sldGuideLst>
+      <p15:sldGuideLst xmlns:ahyp="http://schemas.microsoft.com/office/drawing/2018/hyperlinkcolor" xmlns:p15="http://schemas.microsoft.com/office/powerpoint/2012/main" xmlns:p14="http://schemas.microsoft.com/office/powerpoint/2010/main" xmlns:com="http://schemas.openxmlformats.org/drawingml/2006/compatibility" xmlns:pvml="urn:schemas-microsoft-com:office:powerpoint" xmlns:v="urn:schemas-microsoft-com:vml" xmlns:o="urn:schemas-microsoft-com:office:office" xmlns:dgm="http://schemas.openxmlformats.org/drawingml/2006/diagram" xmlns:c="http://schemas.openxmlformats.org/drawingml/2006/chart" xmlns:mv="urn:schemas-microsoft-com:mac:vml" xmlns:mc="http://schemas.openxmlformats.org/markup-compatibility/2006" xmlns="">
         <p15:guide id="1" orient="horz" pos="1620">
           <p15:clr>
             <a:srgbClr val="A4A3A4"/>
@@ -276,11 +276,16 @@
 </file>
 
 <file path=ppt/notesMasters/notesMaster1.xml><?xml version="1.0" encoding="utf-8"?>
-<p:notesMaster xmlns:a="http://schemas.openxmlformats.org/drawingml/2006/main" xmlns:r="http://schemas.openxmlformats.org/officeDocument/2006/relationships" xmlns:mc="http://schemas.openxmlformats.org/markup-compatibility/2006" xmlns:mv="urn:schemas-microsoft-com:mac:vml" xmlns:p="http://schemas.openxmlformats.org/presentationml/2006/main" xmlns:c="http://schemas.openxmlformats.org/drawingml/2006/chart" xmlns:dgm="http://schemas.openxmlformats.org/drawingml/2006/diagram" xmlns:o="urn:schemas-microsoft-com:office:office" xmlns:v="urn:schemas-microsoft-com:vml" xmlns:pvml="urn:schemas-microsoft-com:office:powerpoint" xmlns:com="http://schemas.openxmlformats.org/drawingml/2006/compatibility" xmlns:p14="http://schemas.microsoft.com/office/powerpoint/2010/main" xmlns:p15="http://schemas.microsoft.com/office/powerpoint/2012/main" xmlns:ahyp="http://schemas.microsoft.com/office/drawing/2018/hyperlinkcolor">
+<p:notesMaster xmlns:a="http://schemas.openxmlformats.org/drawingml/2006/main" xmlns:r="http://schemas.openxmlformats.org/officeDocument/2006/relationships" xmlns:p="http://schemas.openxmlformats.org/presentationml/2006/main">
   <p:cSld>
+    <p:bg>
+      <p:bgRef idx="1001">
+        <a:schemeClr val="bg1"/>
+      </p:bgRef>
+    </p:bg>
     <p:spTree>
       <p:nvGrpSpPr>
-        <p:cNvPr id="2" name="Shape 2"/>
+        <p:cNvPr id="1" name="Shape 2"/>
         <p:cNvGrpSpPr/>
         <p:nvPr/>
       </p:nvGrpSpPr>
@@ -295,9 +300,11 @@
       <p:sp>
         <p:nvSpPr>
           <p:cNvPr id="3" name="Google Shape;3;n"/>
-          <p:cNvSpPr/>
+          <p:cNvSpPr>
+            <a:spLocks noGrp="1" noRot="1" noChangeAspect="1"/>
+          </p:cNvSpPr>
           <p:nvPr>
-            <p:ph idx="2" type="sldImg"/>
+            <p:ph type="sldImg" idx="2"/>
           </p:nvPr>
         </p:nvSpPr>
         <p:spPr>
@@ -306,9 +313,13 @@
             <a:ext cx="6096075" cy="3429000"/>
           </a:xfrm>
           <a:custGeom>
-            <a:rect b="b" l="l" r="r" t="t"/>
+            <a:avLst/>
+            <a:gdLst/>
+            <a:ahLst/>
+            <a:cxnLst/>
+            <a:rect l="l" t="t" r="r" b="b"/>
             <a:pathLst>
-              <a:path extrusionOk="0" h="120000" w="120000">
+              <a:path w="120000" h="120000" extrusionOk="0">
                 <a:moveTo>
                   <a:pt x="0" y="0"/>
                 </a:moveTo>
@@ -326,23 +337,25 @@
             </a:pathLst>
           </a:custGeom>
           <a:noFill/>
-          <a:ln cap="flat" cmpd="sng" w="9525">
+          <a:ln w="9525" cap="flat" cmpd="sng">
             <a:solidFill>
               <a:srgbClr val="000000"/>
             </a:solidFill>
             <a:prstDash val="solid"/>
             <a:round/>
-            <a:headEnd len="sm" w="sm" type="none"/>
-            <a:tailEnd len="sm" w="sm" type="none"/>
+            <a:headEnd type="none" w="sm" len="sm"/>
+            <a:tailEnd type="none" w="sm" len="sm"/>
           </a:ln>
         </p:spPr>
       </p:sp>
       <p:sp>
         <p:nvSpPr>
           <p:cNvPr id="4" name="Google Shape;4;n"/>
-          <p:cNvSpPr txBox="1"/>
+          <p:cNvSpPr txBox="1">
+            <a:spLocks noGrp="1"/>
+          </p:cNvSpPr>
           <p:nvPr>
-            <p:ph idx="1" type="body"/>
+            <p:ph type="body" idx="1"/>
           </p:nvPr>
         </p:nvSpPr>
         <p:spPr>
@@ -359,11 +372,11 @@
           </a:ln>
         </p:spPr>
         <p:txBody>
-          <a:bodyPr anchorCtr="0" anchor="t" bIns="91425" lIns="91425" spcFirstLastPara="1" rIns="91425" wrap="square" tIns="91425">
+          <a:bodyPr spcFirstLastPara="1" wrap="square" lIns="91425" tIns="91425" rIns="91425" bIns="91425" anchor="t" anchorCtr="0">
             <a:noAutofit/>
           </a:bodyPr>
           <a:lstStyle>
-            <a:lvl1pPr indent="-298450" lvl="0" marL="457200">
+            <a:lvl1pPr marL="457200" lvl="0" indent="-298450">
               <a:spcBef>
                 <a:spcPts val="0"/>
               </a:spcBef>
@@ -374,7 +387,7 @@
               <a:buChar char="●"/>
               <a:defRPr sz="1100"/>
             </a:lvl1pPr>
-            <a:lvl2pPr indent="-298450" lvl="1" marL="914400">
+            <a:lvl2pPr marL="914400" lvl="1" indent="-298450">
               <a:spcBef>
                 <a:spcPts val="0"/>
               </a:spcBef>
@@ -385,7 +398,7 @@
               <a:buChar char="○"/>
               <a:defRPr sz="1100"/>
             </a:lvl2pPr>
-            <a:lvl3pPr indent="-298450" lvl="2" marL="1371600">
+            <a:lvl3pPr marL="1371600" lvl="2" indent="-298450">
               <a:spcBef>
                 <a:spcPts val="0"/>
               </a:spcBef>
@@ -396,7 +409,7 @@
               <a:buChar char="■"/>
               <a:defRPr sz="1100"/>
             </a:lvl3pPr>
-            <a:lvl4pPr indent="-298450" lvl="3" marL="1828800">
+            <a:lvl4pPr marL="1828800" lvl="3" indent="-298450">
               <a:spcBef>
                 <a:spcPts val="0"/>
               </a:spcBef>
@@ -407,7 +420,7 @@
               <a:buChar char="●"/>
               <a:defRPr sz="1100"/>
             </a:lvl4pPr>
-            <a:lvl5pPr indent="-298450" lvl="4" marL="2286000">
+            <a:lvl5pPr marL="2286000" lvl="4" indent="-298450">
               <a:spcBef>
                 <a:spcPts val="0"/>
               </a:spcBef>
@@ -418,7 +431,7 @@
               <a:buChar char="○"/>
               <a:defRPr sz="1100"/>
             </a:lvl5pPr>
-            <a:lvl6pPr indent="-298450" lvl="5" marL="2743200">
+            <a:lvl6pPr marL="2743200" lvl="5" indent="-298450">
               <a:spcBef>
                 <a:spcPts val="0"/>
               </a:spcBef>
@@ -429,7 +442,7 @@
               <a:buChar char="■"/>
               <a:defRPr sz="1100"/>
             </a:lvl6pPr>
-            <a:lvl7pPr indent="-298450" lvl="6" marL="3200400">
+            <a:lvl7pPr marL="3200400" lvl="6" indent="-298450">
               <a:spcBef>
                 <a:spcPts val="0"/>
               </a:spcBef>
@@ -440,7 +453,7 @@
               <a:buChar char="●"/>
               <a:defRPr sz="1100"/>
             </a:lvl7pPr>
-            <a:lvl8pPr indent="-298450" lvl="7" marL="3657600">
+            <a:lvl8pPr marL="3657600" lvl="7" indent="-298450">
               <a:spcBef>
                 <a:spcPts val="0"/>
               </a:spcBef>
@@ -451,7 +464,7 @@
               <a:buChar char="○"/>
               <a:defRPr sz="1100"/>
             </a:lvl8pPr>
-            <a:lvl9pPr indent="-298450" lvl="8" marL="4114800">
+            <a:lvl9pPr marL="4114800" lvl="8" indent="-298450">
               <a:spcBef>
                 <a:spcPts val="0"/>
               </a:spcBef>
@@ -463,14 +476,21 @@
               <a:defRPr sz="1100"/>
             </a:lvl9pPr>
           </a:lstStyle>
-          <a:p/>
+          <a:p>
+            <a:endParaRPr/>
+          </a:p>
         </p:txBody>
       </p:sp>
     </p:spTree>
+    <p:extLst>
+      <p:ext uri="{BB962C8B-B14F-4D97-AF65-F5344CB8AC3E}">
+        <p14:creationId xmlns:p14="http://schemas.microsoft.com/office/powerpoint/2010/main" val="259374733"/>
+      </p:ext>
+    </p:extLst>
   </p:cSld>
-  <p:clrMap accent1="accent1" accent2="accent2" accent3="accent3" accent4="accent4" accent5="accent5" accent6="accent6" bg1="lt1" bg2="dk2" tx1="dk1" tx2="lt2" folHlink="folHlink" hlink="hlink"/>
+  <p:clrMap bg1="lt1" tx1="dk1" bg2="dk2" tx2="lt2" accent1="accent1" accent2="accent2" accent3="accent3" accent4="accent4" accent5="accent5" accent6="accent6" hlink="hlink" folHlink="folHlink"/>
   <p:notesStyle>
-    <a:defPPr lvl="0" marR="0" rtl="0" algn="l">
+    <a:defPPr marR="0" lvl="0" algn="l" rtl="0">
       <a:lnSpc>
         <a:spcPct val="100000"/>
       </a:lnSpc>
@@ -481,7 +501,7 @@
         <a:spcPts val="0"/>
       </a:spcAft>
     </a:defPPr>
-    <a:lvl1pPr lvl="0" marR="0" rtl="0" algn="l">
+    <a:lvl1pPr marR="0" lvl="0" algn="l" rtl="0">
       <a:lnSpc>
         <a:spcPct val="100000"/>
       </a:lnSpc>
@@ -495,7 +515,7 @@
         <a:srgbClr val="000000"/>
       </a:buClr>
       <a:buFont typeface="Arial"/>
-      <a:defRPr b="0" i="0" sz="1400" u="none" cap="none" strike="noStrike">
+      <a:defRPr sz="1400" b="0" i="0" u="none" strike="noStrike" cap="none">
         <a:solidFill>
           <a:srgbClr val="000000"/>
         </a:solidFill>
@@ -505,7 +525,7 @@
         <a:sym typeface="Arial"/>
       </a:defRPr>
     </a:lvl1pPr>
-    <a:lvl2pPr lvl="1" marR="0" rtl="0" algn="l">
+    <a:lvl2pPr marR="0" lvl="1" algn="l" rtl="0">
       <a:lnSpc>
         <a:spcPct val="100000"/>
       </a:lnSpc>
@@ -519,7 +539,7 @@
         <a:srgbClr val="000000"/>
       </a:buClr>
       <a:buFont typeface="Arial"/>
-      <a:defRPr b="0" i="0" sz="1400" u="none" cap="none" strike="noStrike">
+      <a:defRPr sz="1400" b="0" i="0" u="none" strike="noStrike" cap="none">
         <a:solidFill>
           <a:srgbClr val="000000"/>
         </a:solidFill>
@@ -529,7 +549,7 @@
         <a:sym typeface="Arial"/>
       </a:defRPr>
     </a:lvl2pPr>
-    <a:lvl3pPr lvl="2" marR="0" rtl="0" algn="l">
+    <a:lvl3pPr marR="0" lvl="2" algn="l" rtl="0">
       <a:lnSpc>
         <a:spcPct val="100000"/>
       </a:lnSpc>
@@ -543,7 +563,7 @@
         <a:srgbClr val="000000"/>
       </a:buClr>
       <a:buFont typeface="Arial"/>
-      <a:defRPr b="0" i="0" sz="1400" u="none" cap="none" strike="noStrike">
+      <a:defRPr sz="1400" b="0" i="0" u="none" strike="noStrike" cap="none">
         <a:solidFill>
           <a:srgbClr val="000000"/>
         </a:solidFill>
@@ -553,7 +573,7 @@
         <a:sym typeface="Arial"/>
       </a:defRPr>
     </a:lvl3pPr>
-    <a:lvl4pPr lvl="3" marR="0" rtl="0" algn="l">
+    <a:lvl4pPr marR="0" lvl="3" algn="l" rtl="0">
       <a:lnSpc>
         <a:spcPct val="100000"/>
       </a:lnSpc>
@@ -567,7 +587,7 @@
         <a:srgbClr val="000000"/>
       </a:buClr>
       <a:buFont typeface="Arial"/>
-      <a:defRPr b="0" i="0" sz="1400" u="none" cap="none" strike="noStrike">
+      <a:defRPr sz="1400" b="0" i="0" u="none" strike="noStrike" cap="none">
         <a:solidFill>
           <a:srgbClr val="000000"/>
         </a:solidFill>
@@ -577,7 +597,7 @@
         <a:sym typeface="Arial"/>
       </a:defRPr>
     </a:lvl4pPr>
-    <a:lvl5pPr lvl="4" marR="0" rtl="0" algn="l">
+    <a:lvl5pPr marR="0" lvl="4" algn="l" rtl="0">
       <a:lnSpc>
         <a:spcPct val="100000"/>
       </a:lnSpc>
@@ -591,7 +611,7 @@
         <a:srgbClr val="000000"/>
       </a:buClr>
       <a:buFont typeface="Arial"/>
-      <a:defRPr b="0" i="0" sz="1400" u="none" cap="none" strike="noStrike">
+      <a:defRPr sz="1400" b="0" i="0" u="none" strike="noStrike" cap="none">
         <a:solidFill>
           <a:srgbClr val="000000"/>
         </a:solidFill>
@@ -601,7 +621,7 @@
         <a:sym typeface="Arial"/>
       </a:defRPr>
     </a:lvl5pPr>
-    <a:lvl6pPr lvl="5" marR="0" rtl="0" algn="l">
+    <a:lvl6pPr marR="0" lvl="5" algn="l" rtl="0">
       <a:lnSpc>
         <a:spcPct val="100000"/>
       </a:lnSpc>
@@ -615,7 +635,7 @@
         <a:srgbClr val="000000"/>
       </a:buClr>
       <a:buFont typeface="Arial"/>
-      <a:defRPr b="0" i="0" sz="1400" u="none" cap="none" strike="noStrike">
+      <a:defRPr sz="1400" b="0" i="0" u="none" strike="noStrike" cap="none">
         <a:solidFill>
           <a:srgbClr val="000000"/>
         </a:solidFill>
@@ -625,7 +645,7 @@
         <a:sym typeface="Arial"/>
       </a:defRPr>
     </a:lvl6pPr>
-    <a:lvl7pPr lvl="6" marR="0" rtl="0" algn="l">
+    <a:lvl7pPr marR="0" lvl="6" algn="l" rtl="0">
       <a:lnSpc>
         <a:spcPct val="100000"/>
       </a:lnSpc>
@@ -639,7 +659,7 @@
         <a:srgbClr val="000000"/>
       </a:buClr>
       <a:buFont typeface="Arial"/>
-      <a:defRPr b="0" i="0" sz="1400" u="none" cap="none" strike="noStrike">
+      <a:defRPr sz="1400" b="0" i="0" u="none" strike="noStrike" cap="none">
         <a:solidFill>
           <a:srgbClr val="000000"/>
         </a:solidFill>
@@ -649,7 +669,7 @@
         <a:sym typeface="Arial"/>
       </a:defRPr>
     </a:lvl7pPr>
-    <a:lvl8pPr lvl="7" marR="0" rtl="0" algn="l">
+    <a:lvl8pPr marR="0" lvl="7" algn="l" rtl="0">
       <a:lnSpc>
         <a:spcPct val="100000"/>
       </a:lnSpc>
@@ -663,7 +683,7 @@
         <a:srgbClr val="000000"/>
       </a:buClr>
       <a:buFont typeface="Arial"/>
-      <a:defRPr b="0" i="0" sz="1400" u="none" cap="none" strike="noStrike">
+      <a:defRPr sz="1400" b="0" i="0" u="none" strike="noStrike" cap="none">
         <a:solidFill>
           <a:srgbClr val="000000"/>
         </a:solidFill>
@@ -673,7 +693,7 @@
         <a:sym typeface="Arial"/>
       </a:defRPr>
     </a:lvl8pPr>
-    <a:lvl9pPr lvl="8" marR="0" rtl="0" algn="l">
+    <a:lvl9pPr marR="0" lvl="8" algn="l" rtl="0">
       <a:lnSpc>
         <a:spcPct val="100000"/>
       </a:lnSpc>
@@ -687,7 +707,7 @@
         <a:srgbClr val="000000"/>
       </a:buClr>
       <a:buFont typeface="Arial"/>
-      <a:defRPr b="0" i="0" sz="1400" u="none" cap="none" strike="noStrike">
+      <a:defRPr sz="1400" b="0" i="0" u="none" strike="noStrike" cap="none">
         <a:solidFill>
           <a:srgbClr val="000000"/>
         </a:solidFill>
@@ -702,11 +722,11 @@
 </file>
 
 <file path=ppt/notesSlides/notesSlide1.xml><?xml version="1.0" encoding="utf-8"?>
-<p:notes xmlns:a="http://schemas.openxmlformats.org/drawingml/2006/main" xmlns:r="http://schemas.openxmlformats.org/officeDocument/2006/relationships" xmlns:mc="http://schemas.openxmlformats.org/markup-compatibility/2006" xmlns:mv="urn:schemas-microsoft-com:mac:vml" xmlns:p="http://schemas.openxmlformats.org/presentationml/2006/main" xmlns:c="http://schemas.openxmlformats.org/drawingml/2006/chart" xmlns:dgm="http://schemas.openxmlformats.org/drawingml/2006/diagram" xmlns:o="urn:schemas-microsoft-com:office:office" xmlns:v="urn:schemas-microsoft-com:vml" xmlns:pvml="urn:schemas-microsoft-com:office:powerpoint" xmlns:com="http://schemas.openxmlformats.org/drawingml/2006/compatibility" xmlns:p14="http://schemas.microsoft.com/office/powerpoint/2010/main" xmlns:p15="http://schemas.microsoft.com/office/powerpoint/2012/main" xmlns:ahyp="http://schemas.microsoft.com/office/drawing/2018/hyperlinkcolor" showMasterPhAnim="0" showMasterSp="0">
+<p:notes xmlns:a="http://schemas.openxmlformats.org/drawingml/2006/main" xmlns:r="http://schemas.openxmlformats.org/officeDocument/2006/relationships" xmlns:p="http://schemas.openxmlformats.org/presentationml/2006/main" showMasterSp="0" showMasterPhAnim="0">
   <p:cSld>
     <p:spTree>
       <p:nvGrpSpPr>
-        <p:cNvPr id="50" name="Shape 50"/>
+        <p:cNvPr id="1" name="Shape 50"/>
         <p:cNvGrpSpPr/>
         <p:nvPr/>
       </p:nvGrpSpPr>
@@ -721,20 +741,26 @@
       <p:sp>
         <p:nvSpPr>
           <p:cNvPr id="51" name="Google Shape;51;p:notes"/>
-          <p:cNvSpPr/>
+          <p:cNvSpPr>
+            <a:spLocks noGrp="1" noRot="1" noChangeAspect="1"/>
+          </p:cNvSpPr>
           <p:nvPr>
-            <p:ph idx="2" type="sldImg"/>
+            <p:ph type="sldImg" idx="2"/>
           </p:nvPr>
         </p:nvSpPr>
         <p:spPr>
           <a:xfrm>
-            <a:off x="381300" y="685800"/>
-            <a:ext cx="6096075" cy="3429000"/>
+            <a:off x="381000" y="685800"/>
+            <a:ext cx="6096000" cy="3429000"/>
           </a:xfrm>
           <a:custGeom>
-            <a:rect b="b" l="l" r="r" t="t"/>
+            <a:avLst/>
+            <a:gdLst/>
+            <a:ahLst/>
+            <a:cxnLst/>
+            <a:rect l="l" t="t" r="r" b="b"/>
             <a:pathLst>
-              <a:path extrusionOk="0" h="120000" w="120000">
+              <a:path w="120000" h="120000" extrusionOk="0">
                 <a:moveTo>
                   <a:pt x="0" y="0"/>
                 </a:moveTo>
@@ -756,9 +782,11 @@
       <p:sp>
         <p:nvSpPr>
           <p:cNvPr id="52" name="Google Shape;52;p:notes"/>
-          <p:cNvSpPr txBox="1"/>
+          <p:cNvSpPr txBox="1">
+            <a:spLocks noGrp="1"/>
+          </p:cNvSpPr>
           <p:nvPr>
-            <p:ph idx="1" type="body"/>
+            <p:ph type="body" idx="1"/>
           </p:nvPr>
         </p:nvSpPr>
         <p:spPr>
@@ -771,12 +799,12 @@
           </a:prstGeom>
         </p:spPr>
         <p:txBody>
-          <a:bodyPr anchorCtr="0" anchor="t" bIns="91425" lIns="91425" spcFirstLastPara="1" rIns="91425" wrap="square" tIns="91425">
+          <a:bodyPr spcFirstLastPara="1" wrap="square" lIns="91425" tIns="91425" rIns="91425" bIns="91425" anchor="t" anchorCtr="0">
             <a:noAutofit/>
           </a:bodyPr>
           <a:lstStyle/>
           <a:p>
-            <a:pPr indent="0" lvl="0" marL="0" rtl="0" algn="l">
+            <a:pPr marL="0" lvl="0" indent="0" algn="l" rtl="0">
               <a:spcBef>
                 <a:spcPts val="0"/>
               </a:spcBef>
@@ -785,9 +813,6 @@
               </a:spcAft>
               <a:buNone/>
             </a:pPr>
-            <a:r>
-              <a:t/>
-            </a:r>
             <a:endParaRPr/>
           </a:p>
         </p:txBody>
@@ -801,11 +826,11 @@
 </file>
 
 <file path=ppt/notesSlides/notesSlide10.xml><?xml version="1.0" encoding="utf-8"?>
-<p:notes xmlns:a="http://schemas.openxmlformats.org/drawingml/2006/main" xmlns:r="http://schemas.openxmlformats.org/officeDocument/2006/relationships" xmlns:mc="http://schemas.openxmlformats.org/markup-compatibility/2006" xmlns:mv="urn:schemas-microsoft-com:mac:vml" xmlns:p="http://schemas.openxmlformats.org/presentationml/2006/main" xmlns:c="http://schemas.openxmlformats.org/drawingml/2006/chart" xmlns:dgm="http://schemas.openxmlformats.org/drawingml/2006/diagram" xmlns:o="urn:schemas-microsoft-com:office:office" xmlns:v="urn:schemas-microsoft-com:vml" xmlns:pvml="urn:schemas-microsoft-com:office:powerpoint" xmlns:com="http://schemas.openxmlformats.org/drawingml/2006/compatibility" xmlns:p14="http://schemas.microsoft.com/office/powerpoint/2010/main" xmlns:p15="http://schemas.microsoft.com/office/powerpoint/2012/main" xmlns:ahyp="http://schemas.microsoft.com/office/drawing/2018/hyperlinkcolor" showMasterPhAnim="0" showMasterSp="0">
+<p:notes xmlns:a="http://schemas.openxmlformats.org/drawingml/2006/main" xmlns:r="http://schemas.openxmlformats.org/officeDocument/2006/relationships" xmlns:p="http://schemas.openxmlformats.org/presentationml/2006/main" showMasterSp="0" showMasterPhAnim="0">
   <p:cSld>
     <p:spTree>
       <p:nvGrpSpPr>
-        <p:cNvPr id="108" name="Shape 108"/>
+        <p:cNvPr id="1" name="Shape 108"/>
         <p:cNvGrpSpPr/>
         <p:nvPr/>
       </p:nvGrpSpPr>
@@ -820,20 +845,26 @@
       <p:sp>
         <p:nvSpPr>
           <p:cNvPr id="109" name="Google Shape;109;gd20d51a75e_0_73:notes"/>
-          <p:cNvSpPr/>
+          <p:cNvSpPr>
+            <a:spLocks noGrp="1" noRot="1" noChangeAspect="1"/>
+          </p:cNvSpPr>
           <p:nvPr>
-            <p:ph idx="2" type="sldImg"/>
+            <p:ph type="sldImg" idx="2"/>
           </p:nvPr>
         </p:nvSpPr>
         <p:spPr>
           <a:xfrm>
-            <a:off x="381300" y="685800"/>
+            <a:off x="381000" y="685800"/>
             <a:ext cx="6096000" cy="3429000"/>
           </a:xfrm>
           <a:custGeom>
-            <a:rect b="b" l="l" r="r" t="t"/>
+            <a:avLst/>
+            <a:gdLst/>
+            <a:ahLst/>
+            <a:cxnLst/>
+            <a:rect l="l" t="t" r="r" b="b"/>
             <a:pathLst>
-              <a:path extrusionOk="0" h="120000" w="120000">
+              <a:path w="120000" h="120000" extrusionOk="0">
                 <a:moveTo>
                   <a:pt x="0" y="0"/>
                 </a:moveTo>
@@ -855,9 +886,11 @@
       <p:sp>
         <p:nvSpPr>
           <p:cNvPr id="110" name="Google Shape;110;gd20d51a75e_0_73:notes"/>
-          <p:cNvSpPr txBox="1"/>
+          <p:cNvSpPr txBox="1">
+            <a:spLocks noGrp="1"/>
+          </p:cNvSpPr>
           <p:nvPr>
-            <p:ph idx="1" type="body"/>
+            <p:ph type="body" idx="1"/>
           </p:nvPr>
         </p:nvSpPr>
         <p:spPr>
@@ -870,12 +903,12 @@
           </a:prstGeom>
         </p:spPr>
         <p:txBody>
-          <a:bodyPr anchorCtr="0" anchor="t" bIns="91425" lIns="91425" spcFirstLastPara="1" rIns="91425" wrap="square" tIns="91425">
+          <a:bodyPr spcFirstLastPara="1" wrap="square" lIns="91425" tIns="91425" rIns="91425" bIns="91425" anchor="t" anchorCtr="0">
             <a:noAutofit/>
           </a:bodyPr>
           <a:lstStyle/>
           <a:p>
-            <a:pPr indent="0" lvl="0" marL="0" rtl="0" algn="l">
+            <a:pPr marL="0" lvl="0" indent="0" algn="l" rtl="0">
               <a:spcBef>
                 <a:spcPts val="0"/>
               </a:spcBef>
@@ -884,9 +917,6 @@
               </a:spcAft>
               <a:buNone/>
             </a:pPr>
-            <a:r>
-              <a:t/>
-            </a:r>
             <a:endParaRPr/>
           </a:p>
         </p:txBody>
@@ -900,11 +930,11 @@
 </file>
 
 <file path=ppt/notesSlides/notesSlide11.xml><?xml version="1.0" encoding="utf-8"?>
-<p:notes xmlns:a="http://schemas.openxmlformats.org/drawingml/2006/main" xmlns:r="http://schemas.openxmlformats.org/officeDocument/2006/relationships" xmlns:mc="http://schemas.openxmlformats.org/markup-compatibility/2006" xmlns:mv="urn:schemas-microsoft-com:mac:vml" xmlns:p="http://schemas.openxmlformats.org/presentationml/2006/main" xmlns:c="http://schemas.openxmlformats.org/drawingml/2006/chart" xmlns:dgm="http://schemas.openxmlformats.org/drawingml/2006/diagram" xmlns:o="urn:schemas-microsoft-com:office:office" xmlns:v="urn:schemas-microsoft-com:vml" xmlns:pvml="urn:schemas-microsoft-com:office:powerpoint" xmlns:com="http://schemas.openxmlformats.org/drawingml/2006/compatibility" xmlns:p14="http://schemas.microsoft.com/office/powerpoint/2010/main" xmlns:p15="http://schemas.microsoft.com/office/powerpoint/2012/main" xmlns:ahyp="http://schemas.microsoft.com/office/drawing/2018/hyperlinkcolor" showMasterPhAnim="0" showMasterSp="0">
+<p:notes xmlns:a="http://schemas.openxmlformats.org/drawingml/2006/main" xmlns:r="http://schemas.openxmlformats.org/officeDocument/2006/relationships" xmlns:p="http://schemas.openxmlformats.org/presentationml/2006/main" showMasterSp="0" showMasterPhAnim="0">
   <p:cSld>
     <p:spTree>
       <p:nvGrpSpPr>
-        <p:cNvPr id="115" name="Shape 115"/>
+        <p:cNvPr id="1" name="Shape 115"/>
         <p:cNvGrpSpPr/>
         <p:nvPr/>
       </p:nvGrpSpPr>
@@ -919,20 +949,26 @@
       <p:sp>
         <p:nvSpPr>
           <p:cNvPr id="116" name="Google Shape;116;gd20d51a75e_0_61:notes"/>
-          <p:cNvSpPr/>
+          <p:cNvSpPr>
+            <a:spLocks noGrp="1" noRot="1" noChangeAspect="1"/>
+          </p:cNvSpPr>
           <p:nvPr>
-            <p:ph idx="2" type="sldImg"/>
+            <p:ph type="sldImg" idx="2"/>
           </p:nvPr>
         </p:nvSpPr>
         <p:spPr>
           <a:xfrm>
-            <a:off x="381300" y="685800"/>
+            <a:off x="381000" y="685800"/>
             <a:ext cx="6096000" cy="3429000"/>
           </a:xfrm>
           <a:custGeom>
-            <a:rect b="b" l="l" r="r" t="t"/>
+            <a:avLst/>
+            <a:gdLst/>
+            <a:ahLst/>
+            <a:cxnLst/>
+            <a:rect l="l" t="t" r="r" b="b"/>
             <a:pathLst>
-              <a:path extrusionOk="0" h="120000" w="120000">
+              <a:path w="120000" h="120000" extrusionOk="0">
                 <a:moveTo>
                   <a:pt x="0" y="0"/>
                 </a:moveTo>
@@ -954,9 +990,11 @@
       <p:sp>
         <p:nvSpPr>
           <p:cNvPr id="117" name="Google Shape;117;gd20d51a75e_0_61:notes"/>
-          <p:cNvSpPr txBox="1"/>
+          <p:cNvSpPr txBox="1">
+            <a:spLocks noGrp="1"/>
+          </p:cNvSpPr>
           <p:nvPr>
-            <p:ph idx="1" type="body"/>
+            <p:ph type="body" idx="1"/>
           </p:nvPr>
         </p:nvSpPr>
         <p:spPr>
@@ -969,12 +1007,12 @@
           </a:prstGeom>
         </p:spPr>
         <p:txBody>
-          <a:bodyPr anchorCtr="0" anchor="t" bIns="91425" lIns="91425" spcFirstLastPara="1" rIns="91425" wrap="square" tIns="91425">
+          <a:bodyPr spcFirstLastPara="1" wrap="square" lIns="91425" tIns="91425" rIns="91425" bIns="91425" anchor="t" anchorCtr="0">
             <a:noAutofit/>
           </a:bodyPr>
           <a:lstStyle/>
           <a:p>
-            <a:pPr indent="0" lvl="0" marL="0" rtl="0" algn="l">
+            <a:pPr marL="0" lvl="0" indent="0" algn="l" rtl="0">
               <a:spcBef>
                 <a:spcPts val="0"/>
               </a:spcBef>
@@ -983,9 +1021,6 @@
               </a:spcAft>
               <a:buNone/>
             </a:pPr>
-            <a:r>
-              <a:t/>
-            </a:r>
             <a:endParaRPr/>
           </a:p>
         </p:txBody>
@@ -999,11 +1034,11 @@
 </file>
 
 <file path=ppt/notesSlides/notesSlide12.xml><?xml version="1.0" encoding="utf-8"?>
-<p:notes xmlns:a="http://schemas.openxmlformats.org/drawingml/2006/main" xmlns:r="http://schemas.openxmlformats.org/officeDocument/2006/relationships" xmlns:mc="http://schemas.openxmlformats.org/markup-compatibility/2006" xmlns:mv="urn:schemas-microsoft-com:mac:vml" xmlns:p="http://schemas.openxmlformats.org/presentationml/2006/main" xmlns:c="http://schemas.openxmlformats.org/drawingml/2006/chart" xmlns:dgm="http://schemas.openxmlformats.org/drawingml/2006/diagram" xmlns:o="urn:schemas-microsoft-com:office:office" xmlns:v="urn:schemas-microsoft-com:vml" xmlns:pvml="urn:schemas-microsoft-com:office:powerpoint" xmlns:com="http://schemas.openxmlformats.org/drawingml/2006/compatibility" xmlns:p14="http://schemas.microsoft.com/office/powerpoint/2010/main" xmlns:p15="http://schemas.microsoft.com/office/powerpoint/2012/main" xmlns:ahyp="http://schemas.microsoft.com/office/drawing/2018/hyperlinkcolor" showMasterPhAnim="0" showMasterSp="0">
+<p:notes xmlns:a="http://schemas.openxmlformats.org/drawingml/2006/main" xmlns:r="http://schemas.openxmlformats.org/officeDocument/2006/relationships" xmlns:p="http://schemas.openxmlformats.org/presentationml/2006/main" showMasterSp="0" showMasterPhAnim="0">
   <p:cSld>
     <p:spTree>
       <p:nvGrpSpPr>
-        <p:cNvPr id="122" name="Shape 122"/>
+        <p:cNvPr id="1" name="Shape 122"/>
         <p:cNvGrpSpPr/>
         <p:nvPr/>
       </p:nvGrpSpPr>
@@ -1018,20 +1053,26 @@
       <p:sp>
         <p:nvSpPr>
           <p:cNvPr id="123" name="Google Shape;123;gd20d51a75e_0_68:notes"/>
-          <p:cNvSpPr/>
+          <p:cNvSpPr>
+            <a:spLocks noGrp="1" noRot="1" noChangeAspect="1"/>
+          </p:cNvSpPr>
           <p:nvPr>
-            <p:ph idx="2" type="sldImg"/>
+            <p:ph type="sldImg" idx="2"/>
           </p:nvPr>
         </p:nvSpPr>
         <p:spPr>
           <a:xfrm>
-            <a:off x="381300" y="685800"/>
+            <a:off x="381000" y="685800"/>
             <a:ext cx="6096000" cy="3429000"/>
           </a:xfrm>
           <a:custGeom>
-            <a:rect b="b" l="l" r="r" t="t"/>
+            <a:avLst/>
+            <a:gdLst/>
+            <a:ahLst/>
+            <a:cxnLst/>
+            <a:rect l="l" t="t" r="r" b="b"/>
             <a:pathLst>
-              <a:path extrusionOk="0" h="120000" w="120000">
+              <a:path w="120000" h="120000" extrusionOk="0">
                 <a:moveTo>
                   <a:pt x="0" y="0"/>
                 </a:moveTo>
@@ -1053,9 +1094,11 @@
       <p:sp>
         <p:nvSpPr>
           <p:cNvPr id="124" name="Google Shape;124;gd20d51a75e_0_68:notes"/>
-          <p:cNvSpPr txBox="1"/>
+          <p:cNvSpPr txBox="1">
+            <a:spLocks noGrp="1"/>
+          </p:cNvSpPr>
           <p:nvPr>
-            <p:ph idx="1" type="body"/>
+            <p:ph type="body" idx="1"/>
           </p:nvPr>
         </p:nvSpPr>
         <p:spPr>
@@ -1068,12 +1111,12 @@
           </a:prstGeom>
         </p:spPr>
         <p:txBody>
-          <a:bodyPr anchorCtr="0" anchor="t" bIns="91425" lIns="91425" spcFirstLastPara="1" rIns="91425" wrap="square" tIns="91425">
+          <a:bodyPr spcFirstLastPara="1" wrap="square" lIns="91425" tIns="91425" rIns="91425" bIns="91425" anchor="t" anchorCtr="0">
             <a:noAutofit/>
           </a:bodyPr>
           <a:lstStyle/>
           <a:p>
-            <a:pPr indent="0" lvl="0" marL="0" rtl="0" algn="l">
+            <a:pPr marL="0" lvl="0" indent="0" algn="l" rtl="0">
               <a:spcBef>
                 <a:spcPts val="0"/>
               </a:spcBef>
@@ -1082,9 +1125,6 @@
               </a:spcAft>
               <a:buNone/>
             </a:pPr>
-            <a:r>
-              <a:t/>
-            </a:r>
             <a:endParaRPr/>
           </a:p>
         </p:txBody>
@@ -1098,11 +1138,11 @@
 </file>
 
 <file path=ppt/notesSlides/notesSlide13.xml><?xml version="1.0" encoding="utf-8"?>
-<p:notes xmlns:a="http://schemas.openxmlformats.org/drawingml/2006/main" xmlns:r="http://schemas.openxmlformats.org/officeDocument/2006/relationships" xmlns:mc="http://schemas.openxmlformats.org/markup-compatibility/2006" xmlns:mv="urn:schemas-microsoft-com:mac:vml" xmlns:p="http://schemas.openxmlformats.org/presentationml/2006/main" xmlns:c="http://schemas.openxmlformats.org/drawingml/2006/chart" xmlns:dgm="http://schemas.openxmlformats.org/drawingml/2006/diagram" xmlns:o="urn:schemas-microsoft-com:office:office" xmlns:v="urn:schemas-microsoft-com:vml" xmlns:pvml="urn:schemas-microsoft-com:office:powerpoint" xmlns:com="http://schemas.openxmlformats.org/drawingml/2006/compatibility" xmlns:p14="http://schemas.microsoft.com/office/powerpoint/2010/main" xmlns:p15="http://schemas.microsoft.com/office/powerpoint/2012/main" xmlns:ahyp="http://schemas.microsoft.com/office/drawing/2018/hyperlinkcolor" showMasterPhAnim="0" showMasterSp="0">
+<p:notes xmlns:a="http://schemas.openxmlformats.org/drawingml/2006/main" xmlns:r="http://schemas.openxmlformats.org/officeDocument/2006/relationships" xmlns:p="http://schemas.openxmlformats.org/presentationml/2006/main" showMasterSp="0" showMasterPhAnim="0">
   <p:cSld>
     <p:spTree>
       <p:nvGrpSpPr>
-        <p:cNvPr id="129" name="Shape 129"/>
+        <p:cNvPr id="1" name="Shape 129"/>
         <p:cNvGrpSpPr/>
         <p:nvPr/>
       </p:nvGrpSpPr>
@@ -1117,20 +1157,26 @@
       <p:sp>
         <p:nvSpPr>
           <p:cNvPr id="130" name="Google Shape;130;gd20d51a75e_0_42:notes"/>
-          <p:cNvSpPr/>
+          <p:cNvSpPr>
+            <a:spLocks noGrp="1" noRot="1" noChangeAspect="1"/>
+          </p:cNvSpPr>
           <p:nvPr>
-            <p:ph idx="2" type="sldImg"/>
+            <p:ph type="sldImg" idx="2"/>
           </p:nvPr>
         </p:nvSpPr>
         <p:spPr>
           <a:xfrm>
-            <a:off x="381300" y="685800"/>
+            <a:off x="381000" y="685800"/>
             <a:ext cx="6096000" cy="3429000"/>
           </a:xfrm>
           <a:custGeom>
-            <a:rect b="b" l="l" r="r" t="t"/>
+            <a:avLst/>
+            <a:gdLst/>
+            <a:ahLst/>
+            <a:cxnLst/>
+            <a:rect l="l" t="t" r="r" b="b"/>
             <a:pathLst>
-              <a:path extrusionOk="0" h="120000" w="120000">
+              <a:path w="120000" h="120000" extrusionOk="0">
                 <a:moveTo>
                   <a:pt x="0" y="0"/>
                 </a:moveTo>
@@ -1152,9 +1198,11 @@
       <p:sp>
         <p:nvSpPr>
           <p:cNvPr id="131" name="Google Shape;131;gd20d51a75e_0_42:notes"/>
-          <p:cNvSpPr txBox="1"/>
+          <p:cNvSpPr txBox="1">
+            <a:spLocks noGrp="1"/>
+          </p:cNvSpPr>
           <p:nvPr>
-            <p:ph idx="1" type="body"/>
+            <p:ph type="body" idx="1"/>
           </p:nvPr>
         </p:nvSpPr>
         <p:spPr>
@@ -1167,12 +1215,12 @@
           </a:prstGeom>
         </p:spPr>
         <p:txBody>
-          <a:bodyPr anchorCtr="0" anchor="t" bIns="91425" lIns="91425" spcFirstLastPara="1" rIns="91425" wrap="square" tIns="91425">
+          <a:bodyPr spcFirstLastPara="1" wrap="square" lIns="91425" tIns="91425" rIns="91425" bIns="91425" anchor="t" anchorCtr="0">
             <a:noAutofit/>
           </a:bodyPr>
           <a:lstStyle/>
           <a:p>
-            <a:pPr indent="0" lvl="0" marL="0" rtl="0" algn="l">
+            <a:pPr marL="0" lvl="0" indent="0" algn="l" rtl="0">
               <a:spcBef>
                 <a:spcPts val="0"/>
               </a:spcBef>
@@ -1181,9 +1229,6 @@
               </a:spcAft>
               <a:buNone/>
             </a:pPr>
-            <a:r>
-              <a:t/>
-            </a:r>
             <a:endParaRPr/>
           </a:p>
         </p:txBody>
@@ -1197,11 +1242,11 @@
 </file>
 
 <file path=ppt/notesSlides/notesSlide14.xml><?xml version="1.0" encoding="utf-8"?>
-<p:notes xmlns:a="http://schemas.openxmlformats.org/drawingml/2006/main" xmlns:r="http://schemas.openxmlformats.org/officeDocument/2006/relationships" xmlns:mc="http://schemas.openxmlformats.org/markup-compatibility/2006" xmlns:mv="urn:schemas-microsoft-com:mac:vml" xmlns:p="http://schemas.openxmlformats.org/presentationml/2006/main" xmlns:c="http://schemas.openxmlformats.org/drawingml/2006/chart" xmlns:dgm="http://schemas.openxmlformats.org/drawingml/2006/diagram" xmlns:o="urn:schemas-microsoft-com:office:office" xmlns:v="urn:schemas-microsoft-com:vml" xmlns:pvml="urn:schemas-microsoft-com:office:powerpoint" xmlns:com="http://schemas.openxmlformats.org/drawingml/2006/compatibility" xmlns:p14="http://schemas.microsoft.com/office/powerpoint/2010/main" xmlns:p15="http://schemas.microsoft.com/office/powerpoint/2012/main" xmlns:ahyp="http://schemas.microsoft.com/office/drawing/2018/hyperlinkcolor" showMasterPhAnim="0" showMasterSp="0">
+<p:notes xmlns:a="http://schemas.openxmlformats.org/drawingml/2006/main" xmlns:r="http://schemas.openxmlformats.org/officeDocument/2006/relationships" xmlns:p="http://schemas.openxmlformats.org/presentationml/2006/main" showMasterSp="0" showMasterPhAnim="0">
   <p:cSld>
     <p:spTree>
       <p:nvGrpSpPr>
-        <p:cNvPr id="136" name="Shape 136"/>
+        <p:cNvPr id="1" name="Shape 136"/>
         <p:cNvGrpSpPr/>
         <p:nvPr/>
       </p:nvGrpSpPr>
@@ -1216,20 +1261,26 @@
       <p:sp>
         <p:nvSpPr>
           <p:cNvPr id="137" name="Google Shape;137;gd20d51a75e_0_80:notes"/>
-          <p:cNvSpPr/>
+          <p:cNvSpPr>
+            <a:spLocks noGrp="1" noRot="1" noChangeAspect="1"/>
+          </p:cNvSpPr>
           <p:nvPr>
-            <p:ph idx="2" type="sldImg"/>
+            <p:ph type="sldImg" idx="2"/>
           </p:nvPr>
         </p:nvSpPr>
         <p:spPr>
           <a:xfrm>
-            <a:off x="381300" y="685800"/>
+            <a:off x="381000" y="685800"/>
             <a:ext cx="6096000" cy="3429000"/>
           </a:xfrm>
           <a:custGeom>
-            <a:rect b="b" l="l" r="r" t="t"/>
+            <a:avLst/>
+            <a:gdLst/>
+            <a:ahLst/>
+            <a:cxnLst/>
+            <a:rect l="l" t="t" r="r" b="b"/>
             <a:pathLst>
-              <a:path extrusionOk="0" h="120000" w="120000">
+              <a:path w="120000" h="120000" extrusionOk="0">
                 <a:moveTo>
                   <a:pt x="0" y="0"/>
                 </a:moveTo>
@@ -1251,9 +1302,11 @@
       <p:sp>
         <p:nvSpPr>
           <p:cNvPr id="138" name="Google Shape;138;gd20d51a75e_0_80:notes"/>
-          <p:cNvSpPr txBox="1"/>
+          <p:cNvSpPr txBox="1">
+            <a:spLocks noGrp="1"/>
+          </p:cNvSpPr>
           <p:nvPr>
-            <p:ph idx="1" type="body"/>
+            <p:ph type="body" idx="1"/>
           </p:nvPr>
         </p:nvSpPr>
         <p:spPr>
@@ -1266,12 +1319,12 @@
           </a:prstGeom>
         </p:spPr>
         <p:txBody>
-          <a:bodyPr anchorCtr="0" anchor="t" bIns="91425" lIns="91425" spcFirstLastPara="1" rIns="91425" wrap="square" tIns="91425">
+          <a:bodyPr spcFirstLastPara="1" wrap="square" lIns="91425" tIns="91425" rIns="91425" bIns="91425" anchor="t" anchorCtr="0">
             <a:noAutofit/>
           </a:bodyPr>
           <a:lstStyle/>
           <a:p>
-            <a:pPr indent="0" lvl="0" marL="0" rtl="0" algn="l">
+            <a:pPr marL="0" lvl="0" indent="0" algn="l" rtl="0">
               <a:spcBef>
                 <a:spcPts val="0"/>
               </a:spcBef>
@@ -1280,9 +1333,6 @@
               </a:spcAft>
               <a:buNone/>
             </a:pPr>
-            <a:r>
-              <a:t/>
-            </a:r>
             <a:endParaRPr/>
           </a:p>
         </p:txBody>
@@ -1296,11 +1346,11 @@
 </file>
 
 <file path=ppt/notesSlides/notesSlide15.xml><?xml version="1.0" encoding="utf-8"?>
-<p:notes xmlns:a="http://schemas.openxmlformats.org/drawingml/2006/main" xmlns:r="http://schemas.openxmlformats.org/officeDocument/2006/relationships" xmlns:mc="http://schemas.openxmlformats.org/markup-compatibility/2006" xmlns:mv="urn:schemas-microsoft-com:mac:vml" xmlns:p="http://schemas.openxmlformats.org/presentationml/2006/main" xmlns:c="http://schemas.openxmlformats.org/drawingml/2006/chart" xmlns:dgm="http://schemas.openxmlformats.org/drawingml/2006/diagram" xmlns:o="urn:schemas-microsoft-com:office:office" xmlns:v="urn:schemas-microsoft-com:vml" xmlns:pvml="urn:schemas-microsoft-com:office:powerpoint" xmlns:com="http://schemas.openxmlformats.org/drawingml/2006/compatibility" xmlns:p14="http://schemas.microsoft.com/office/powerpoint/2010/main" xmlns:p15="http://schemas.microsoft.com/office/powerpoint/2012/main" xmlns:ahyp="http://schemas.microsoft.com/office/drawing/2018/hyperlinkcolor" showMasterPhAnim="0" showMasterSp="0">
+<p:notes xmlns:a="http://schemas.openxmlformats.org/drawingml/2006/main" xmlns:r="http://schemas.openxmlformats.org/officeDocument/2006/relationships" xmlns:p="http://schemas.openxmlformats.org/presentationml/2006/main" showMasterSp="0" showMasterPhAnim="0">
   <p:cSld>
     <p:spTree>
       <p:nvGrpSpPr>
-        <p:cNvPr id="143" name="Shape 143"/>
+        <p:cNvPr id="1" name="Shape 143"/>
         <p:cNvGrpSpPr/>
         <p:nvPr/>
       </p:nvGrpSpPr>
@@ -1315,20 +1365,26 @@
       <p:sp>
         <p:nvSpPr>
           <p:cNvPr id="144" name="Google Shape;144;gd20d51a75e_0_52:notes"/>
-          <p:cNvSpPr/>
+          <p:cNvSpPr>
+            <a:spLocks noGrp="1" noRot="1" noChangeAspect="1"/>
+          </p:cNvSpPr>
           <p:nvPr>
-            <p:ph idx="2" type="sldImg"/>
+            <p:ph type="sldImg" idx="2"/>
           </p:nvPr>
         </p:nvSpPr>
         <p:spPr>
           <a:xfrm>
-            <a:off x="381300" y="685800"/>
+            <a:off x="381000" y="685800"/>
             <a:ext cx="6096000" cy="3429000"/>
           </a:xfrm>
           <a:custGeom>
-            <a:rect b="b" l="l" r="r" t="t"/>
+            <a:avLst/>
+            <a:gdLst/>
+            <a:ahLst/>
+            <a:cxnLst/>
+            <a:rect l="l" t="t" r="r" b="b"/>
             <a:pathLst>
-              <a:path extrusionOk="0" h="120000" w="120000">
+              <a:path w="120000" h="120000" extrusionOk="0">
                 <a:moveTo>
                   <a:pt x="0" y="0"/>
                 </a:moveTo>
@@ -1350,9 +1406,11 @@
       <p:sp>
         <p:nvSpPr>
           <p:cNvPr id="145" name="Google Shape;145;gd20d51a75e_0_52:notes"/>
-          <p:cNvSpPr txBox="1"/>
+          <p:cNvSpPr txBox="1">
+            <a:spLocks noGrp="1"/>
+          </p:cNvSpPr>
           <p:nvPr>
-            <p:ph idx="1" type="body"/>
+            <p:ph type="body" idx="1"/>
           </p:nvPr>
         </p:nvSpPr>
         <p:spPr>
@@ -1365,12 +1423,12 @@
           </a:prstGeom>
         </p:spPr>
         <p:txBody>
-          <a:bodyPr anchorCtr="0" anchor="t" bIns="91425" lIns="91425" spcFirstLastPara="1" rIns="91425" wrap="square" tIns="91425">
+          <a:bodyPr spcFirstLastPara="1" wrap="square" lIns="91425" tIns="91425" rIns="91425" bIns="91425" anchor="t" anchorCtr="0">
             <a:noAutofit/>
           </a:bodyPr>
           <a:lstStyle/>
           <a:p>
-            <a:pPr indent="0" lvl="0" marL="0" rtl="0" algn="l">
+            <a:pPr marL="0" lvl="0" indent="0" algn="l" rtl="0">
               <a:spcBef>
                 <a:spcPts val="0"/>
               </a:spcBef>
@@ -1379,9 +1437,6 @@
               </a:spcAft>
               <a:buNone/>
             </a:pPr>
-            <a:r>
-              <a:t/>
-            </a:r>
             <a:endParaRPr/>
           </a:p>
         </p:txBody>
@@ -1395,11 +1450,11 @@
 </file>
 
 <file path=ppt/notesSlides/notesSlide16.xml><?xml version="1.0" encoding="utf-8"?>
-<p:notes xmlns:a="http://schemas.openxmlformats.org/drawingml/2006/main" xmlns:r="http://schemas.openxmlformats.org/officeDocument/2006/relationships" xmlns:mc="http://schemas.openxmlformats.org/markup-compatibility/2006" xmlns:mv="urn:schemas-microsoft-com:mac:vml" xmlns:p="http://schemas.openxmlformats.org/presentationml/2006/main" xmlns:c="http://schemas.openxmlformats.org/drawingml/2006/chart" xmlns:dgm="http://schemas.openxmlformats.org/drawingml/2006/diagram" xmlns:o="urn:schemas-microsoft-com:office:office" xmlns:v="urn:schemas-microsoft-com:vml" xmlns:pvml="urn:schemas-microsoft-com:office:powerpoint" xmlns:com="http://schemas.openxmlformats.org/drawingml/2006/compatibility" xmlns:p14="http://schemas.microsoft.com/office/powerpoint/2010/main" xmlns:p15="http://schemas.microsoft.com/office/powerpoint/2012/main" xmlns:ahyp="http://schemas.microsoft.com/office/drawing/2018/hyperlinkcolor" showMasterPhAnim="0" showMasterSp="0">
+<p:notes xmlns:a="http://schemas.openxmlformats.org/drawingml/2006/main" xmlns:r="http://schemas.openxmlformats.org/officeDocument/2006/relationships" xmlns:p="http://schemas.openxmlformats.org/presentationml/2006/main" showMasterSp="0" showMasterPhAnim="0">
   <p:cSld>
     <p:spTree>
       <p:nvGrpSpPr>
-        <p:cNvPr id="149" name="Shape 149"/>
+        <p:cNvPr id="1" name="Shape 149"/>
         <p:cNvGrpSpPr/>
         <p:nvPr/>
       </p:nvGrpSpPr>
@@ -1414,20 +1469,26 @@
       <p:sp>
         <p:nvSpPr>
           <p:cNvPr id="150" name="Google Shape;150;gd20d51a75e_0_101:notes"/>
-          <p:cNvSpPr/>
+          <p:cNvSpPr>
+            <a:spLocks noGrp="1" noRot="1" noChangeAspect="1"/>
+          </p:cNvSpPr>
           <p:nvPr>
-            <p:ph idx="2" type="sldImg"/>
+            <p:ph type="sldImg" idx="2"/>
           </p:nvPr>
         </p:nvSpPr>
         <p:spPr>
           <a:xfrm>
-            <a:off x="381300" y="685800"/>
+            <a:off x="381000" y="685800"/>
             <a:ext cx="6096000" cy="3429000"/>
           </a:xfrm>
           <a:custGeom>
-            <a:rect b="b" l="l" r="r" t="t"/>
+            <a:avLst/>
+            <a:gdLst/>
+            <a:ahLst/>
+            <a:cxnLst/>
+            <a:rect l="l" t="t" r="r" b="b"/>
             <a:pathLst>
-              <a:path extrusionOk="0" h="120000" w="120000">
+              <a:path w="120000" h="120000" extrusionOk="0">
                 <a:moveTo>
                   <a:pt x="0" y="0"/>
                 </a:moveTo>
@@ -1449,9 +1510,11 @@
       <p:sp>
         <p:nvSpPr>
           <p:cNvPr id="151" name="Google Shape;151;gd20d51a75e_0_101:notes"/>
-          <p:cNvSpPr txBox="1"/>
+          <p:cNvSpPr txBox="1">
+            <a:spLocks noGrp="1"/>
+          </p:cNvSpPr>
           <p:nvPr>
-            <p:ph idx="1" type="body"/>
+            <p:ph type="body" idx="1"/>
           </p:nvPr>
         </p:nvSpPr>
         <p:spPr>
@@ -1464,12 +1527,12 @@
           </a:prstGeom>
         </p:spPr>
         <p:txBody>
-          <a:bodyPr anchorCtr="0" anchor="t" bIns="91425" lIns="91425" spcFirstLastPara="1" rIns="91425" wrap="square" tIns="91425">
+          <a:bodyPr spcFirstLastPara="1" wrap="square" lIns="91425" tIns="91425" rIns="91425" bIns="91425" anchor="t" anchorCtr="0">
             <a:noAutofit/>
           </a:bodyPr>
           <a:lstStyle/>
           <a:p>
-            <a:pPr indent="0" lvl="0" marL="0" rtl="0" algn="l">
+            <a:pPr marL="0" lvl="0" indent="0" algn="l" rtl="0">
               <a:spcBef>
                 <a:spcPts val="0"/>
               </a:spcBef>
@@ -1478,9 +1541,6 @@
               </a:spcAft>
               <a:buNone/>
             </a:pPr>
-            <a:r>
-              <a:t/>
-            </a:r>
             <a:endParaRPr/>
           </a:p>
         </p:txBody>
@@ -1494,11 +1554,11 @@
 </file>
 
 <file path=ppt/notesSlides/notesSlide2.xml><?xml version="1.0" encoding="utf-8"?>
-<p:notes xmlns:a="http://schemas.openxmlformats.org/drawingml/2006/main" xmlns:r="http://schemas.openxmlformats.org/officeDocument/2006/relationships" xmlns:mc="http://schemas.openxmlformats.org/markup-compatibility/2006" xmlns:mv="urn:schemas-microsoft-com:mac:vml" xmlns:p="http://schemas.openxmlformats.org/presentationml/2006/main" xmlns:c="http://schemas.openxmlformats.org/drawingml/2006/chart" xmlns:dgm="http://schemas.openxmlformats.org/drawingml/2006/diagram" xmlns:o="urn:schemas-microsoft-com:office:office" xmlns:v="urn:schemas-microsoft-com:vml" xmlns:pvml="urn:schemas-microsoft-com:office:powerpoint" xmlns:com="http://schemas.openxmlformats.org/drawingml/2006/compatibility" xmlns:p14="http://schemas.microsoft.com/office/powerpoint/2010/main" xmlns:p15="http://schemas.microsoft.com/office/powerpoint/2012/main" xmlns:ahyp="http://schemas.microsoft.com/office/drawing/2018/hyperlinkcolor" showMasterPhAnim="0" showMasterSp="0">
+<p:notes xmlns:a="http://schemas.openxmlformats.org/drawingml/2006/main" xmlns:r="http://schemas.openxmlformats.org/officeDocument/2006/relationships" xmlns:p="http://schemas.openxmlformats.org/presentationml/2006/main" showMasterSp="0" showMasterPhAnim="0">
   <p:cSld>
     <p:spTree>
       <p:nvGrpSpPr>
-        <p:cNvPr id="56" name="Shape 56"/>
+        <p:cNvPr id="1" name="Shape 56"/>
         <p:cNvGrpSpPr/>
         <p:nvPr/>
       </p:nvGrpSpPr>
@@ -1513,20 +1573,26 @@
       <p:sp>
         <p:nvSpPr>
           <p:cNvPr id="57" name="Google Shape;57;gd20d51a75e_0_15:notes"/>
-          <p:cNvSpPr/>
+          <p:cNvSpPr>
+            <a:spLocks noGrp="1" noRot="1" noChangeAspect="1"/>
+          </p:cNvSpPr>
           <p:nvPr>
-            <p:ph idx="2" type="sldImg"/>
+            <p:ph type="sldImg" idx="2"/>
           </p:nvPr>
         </p:nvSpPr>
         <p:spPr>
           <a:xfrm>
-            <a:off x="381300" y="685800"/>
+            <a:off x="381000" y="685800"/>
             <a:ext cx="6096000" cy="3429000"/>
           </a:xfrm>
           <a:custGeom>
-            <a:rect b="b" l="l" r="r" t="t"/>
+            <a:avLst/>
+            <a:gdLst/>
+            <a:ahLst/>
+            <a:cxnLst/>
+            <a:rect l="l" t="t" r="r" b="b"/>
             <a:pathLst>
-              <a:path extrusionOk="0" h="120000" w="120000">
+              <a:path w="120000" h="120000" extrusionOk="0">
                 <a:moveTo>
                   <a:pt x="0" y="0"/>
                 </a:moveTo>
@@ -1548,9 +1614,11 @@
       <p:sp>
         <p:nvSpPr>
           <p:cNvPr id="58" name="Google Shape;58;gd20d51a75e_0_15:notes"/>
-          <p:cNvSpPr txBox="1"/>
+          <p:cNvSpPr txBox="1">
+            <a:spLocks noGrp="1"/>
+          </p:cNvSpPr>
           <p:nvPr>
-            <p:ph idx="1" type="body"/>
+            <p:ph type="body" idx="1"/>
           </p:nvPr>
         </p:nvSpPr>
         <p:spPr>
@@ -1563,12 +1631,12 @@
           </a:prstGeom>
         </p:spPr>
         <p:txBody>
-          <a:bodyPr anchorCtr="0" anchor="t" bIns="91425" lIns="91425" spcFirstLastPara="1" rIns="91425" wrap="square" tIns="91425">
+          <a:bodyPr spcFirstLastPara="1" wrap="square" lIns="91425" tIns="91425" rIns="91425" bIns="91425" anchor="t" anchorCtr="0">
             <a:noAutofit/>
           </a:bodyPr>
           <a:lstStyle/>
           <a:p>
-            <a:pPr indent="0" lvl="0" marL="0" rtl="0" algn="l">
+            <a:pPr marL="0" lvl="0" indent="0" algn="l" rtl="0">
               <a:spcBef>
                 <a:spcPts val="0"/>
               </a:spcBef>
@@ -1577,9 +1645,6 @@
               </a:spcAft>
               <a:buNone/>
             </a:pPr>
-            <a:r>
-              <a:t/>
-            </a:r>
             <a:endParaRPr/>
           </a:p>
         </p:txBody>
@@ -1593,11 +1658,11 @@
 </file>
 
 <file path=ppt/notesSlides/notesSlide3.xml><?xml version="1.0" encoding="utf-8"?>
-<p:notes xmlns:a="http://schemas.openxmlformats.org/drawingml/2006/main" xmlns:r="http://schemas.openxmlformats.org/officeDocument/2006/relationships" xmlns:mc="http://schemas.openxmlformats.org/markup-compatibility/2006" xmlns:mv="urn:schemas-microsoft-com:mac:vml" xmlns:p="http://schemas.openxmlformats.org/presentationml/2006/main" xmlns:c="http://schemas.openxmlformats.org/drawingml/2006/chart" xmlns:dgm="http://schemas.openxmlformats.org/drawingml/2006/diagram" xmlns:o="urn:schemas-microsoft-com:office:office" xmlns:v="urn:schemas-microsoft-com:vml" xmlns:pvml="urn:schemas-microsoft-com:office:powerpoint" xmlns:com="http://schemas.openxmlformats.org/drawingml/2006/compatibility" xmlns:p14="http://schemas.microsoft.com/office/powerpoint/2010/main" xmlns:p15="http://schemas.microsoft.com/office/powerpoint/2012/main" xmlns:ahyp="http://schemas.microsoft.com/office/drawing/2018/hyperlinkcolor" showMasterPhAnim="0" showMasterSp="0">
+<p:notes xmlns:a="http://schemas.openxmlformats.org/drawingml/2006/main" xmlns:r="http://schemas.openxmlformats.org/officeDocument/2006/relationships" xmlns:p="http://schemas.openxmlformats.org/presentationml/2006/main" showMasterSp="0" showMasterPhAnim="0">
   <p:cSld>
     <p:spTree>
       <p:nvGrpSpPr>
-        <p:cNvPr id="62" name="Shape 62"/>
+        <p:cNvPr id="1" name="Shape 62"/>
         <p:cNvGrpSpPr/>
         <p:nvPr/>
       </p:nvGrpSpPr>
@@ -1612,20 +1677,26 @@
       <p:sp>
         <p:nvSpPr>
           <p:cNvPr id="63" name="Google Shape;63;gd20d51a75e_0_21:notes"/>
-          <p:cNvSpPr/>
+          <p:cNvSpPr>
+            <a:spLocks noGrp="1" noRot="1" noChangeAspect="1"/>
+          </p:cNvSpPr>
           <p:nvPr>
-            <p:ph idx="2" type="sldImg"/>
+            <p:ph type="sldImg" idx="2"/>
           </p:nvPr>
         </p:nvSpPr>
         <p:spPr>
           <a:xfrm>
-            <a:off x="381300" y="685800"/>
+            <a:off x="381000" y="685800"/>
             <a:ext cx="6096000" cy="3429000"/>
           </a:xfrm>
           <a:custGeom>
-            <a:rect b="b" l="l" r="r" t="t"/>
+            <a:avLst/>
+            <a:gdLst/>
+            <a:ahLst/>
+            <a:cxnLst/>
+            <a:rect l="l" t="t" r="r" b="b"/>
             <a:pathLst>
-              <a:path extrusionOk="0" h="120000" w="120000">
+              <a:path w="120000" h="120000" extrusionOk="0">
                 <a:moveTo>
                   <a:pt x="0" y="0"/>
                 </a:moveTo>
@@ -1647,9 +1718,11 @@
       <p:sp>
         <p:nvSpPr>
           <p:cNvPr id="64" name="Google Shape;64;gd20d51a75e_0_21:notes"/>
-          <p:cNvSpPr txBox="1"/>
+          <p:cNvSpPr txBox="1">
+            <a:spLocks noGrp="1"/>
+          </p:cNvSpPr>
           <p:nvPr>
-            <p:ph idx="1" type="body"/>
+            <p:ph type="body" idx="1"/>
           </p:nvPr>
         </p:nvSpPr>
         <p:spPr>
@@ -1662,12 +1735,12 @@
           </a:prstGeom>
         </p:spPr>
         <p:txBody>
-          <a:bodyPr anchorCtr="0" anchor="t" bIns="91425" lIns="91425" spcFirstLastPara="1" rIns="91425" wrap="square" tIns="91425">
+          <a:bodyPr spcFirstLastPara="1" wrap="square" lIns="91425" tIns="91425" rIns="91425" bIns="91425" anchor="t" anchorCtr="0">
             <a:noAutofit/>
           </a:bodyPr>
           <a:lstStyle/>
           <a:p>
-            <a:pPr indent="0" lvl="0" marL="0" rtl="0" algn="l">
+            <a:pPr marL="0" lvl="0" indent="0" algn="l" rtl="0">
               <a:spcBef>
                 <a:spcPts val="0"/>
               </a:spcBef>
@@ -1676,9 +1749,6 @@
               </a:spcAft>
               <a:buNone/>
             </a:pPr>
-            <a:r>
-              <a:t/>
-            </a:r>
             <a:endParaRPr/>
           </a:p>
         </p:txBody>
@@ -1692,11 +1762,11 @@
 </file>
 
 <file path=ppt/notesSlides/notesSlide4.xml><?xml version="1.0" encoding="utf-8"?>
-<p:notes xmlns:a="http://schemas.openxmlformats.org/drawingml/2006/main" xmlns:r="http://schemas.openxmlformats.org/officeDocument/2006/relationships" xmlns:mc="http://schemas.openxmlformats.org/markup-compatibility/2006" xmlns:mv="urn:schemas-microsoft-com:mac:vml" xmlns:p="http://schemas.openxmlformats.org/presentationml/2006/main" xmlns:c="http://schemas.openxmlformats.org/drawingml/2006/chart" xmlns:dgm="http://schemas.openxmlformats.org/drawingml/2006/diagram" xmlns:o="urn:schemas-microsoft-com:office:office" xmlns:v="urn:schemas-microsoft-com:vml" xmlns:pvml="urn:schemas-microsoft-com:office:powerpoint" xmlns:com="http://schemas.openxmlformats.org/drawingml/2006/compatibility" xmlns:p14="http://schemas.microsoft.com/office/powerpoint/2010/main" xmlns:p15="http://schemas.microsoft.com/office/powerpoint/2012/main" xmlns:ahyp="http://schemas.microsoft.com/office/drawing/2018/hyperlinkcolor" showMasterPhAnim="0" showMasterSp="0">
+<p:notes xmlns:a="http://schemas.openxmlformats.org/drawingml/2006/main" xmlns:r="http://schemas.openxmlformats.org/officeDocument/2006/relationships" xmlns:p="http://schemas.openxmlformats.org/presentationml/2006/main" showMasterSp="0" showMasterPhAnim="0">
   <p:cSld>
     <p:spTree>
       <p:nvGrpSpPr>
-        <p:cNvPr id="68" name="Shape 68"/>
+        <p:cNvPr id="1" name="Shape 68"/>
         <p:cNvGrpSpPr/>
         <p:nvPr/>
       </p:nvGrpSpPr>
@@ -1711,20 +1781,26 @@
       <p:sp>
         <p:nvSpPr>
           <p:cNvPr id="69" name="Google Shape;69;gd20d51a75e_0_26:notes"/>
-          <p:cNvSpPr/>
+          <p:cNvSpPr>
+            <a:spLocks noGrp="1" noRot="1" noChangeAspect="1"/>
+          </p:cNvSpPr>
           <p:nvPr>
-            <p:ph idx="2" type="sldImg"/>
+            <p:ph type="sldImg" idx="2"/>
           </p:nvPr>
         </p:nvSpPr>
         <p:spPr>
           <a:xfrm>
-            <a:off x="381300" y="685800"/>
+            <a:off x="381000" y="685800"/>
             <a:ext cx="6096000" cy="3429000"/>
           </a:xfrm>
           <a:custGeom>
-            <a:rect b="b" l="l" r="r" t="t"/>
+            <a:avLst/>
+            <a:gdLst/>
+            <a:ahLst/>
+            <a:cxnLst/>
+            <a:rect l="l" t="t" r="r" b="b"/>
             <a:pathLst>
-              <a:path extrusionOk="0" h="120000" w="120000">
+              <a:path w="120000" h="120000" extrusionOk="0">
                 <a:moveTo>
                   <a:pt x="0" y="0"/>
                 </a:moveTo>
@@ -1746,9 +1822,11 @@
       <p:sp>
         <p:nvSpPr>
           <p:cNvPr id="70" name="Google Shape;70;gd20d51a75e_0_26:notes"/>
-          <p:cNvSpPr txBox="1"/>
+          <p:cNvSpPr txBox="1">
+            <a:spLocks noGrp="1"/>
+          </p:cNvSpPr>
           <p:nvPr>
-            <p:ph idx="1" type="body"/>
+            <p:ph type="body" idx="1"/>
           </p:nvPr>
         </p:nvSpPr>
         <p:spPr>
@@ -1761,12 +1839,12 @@
           </a:prstGeom>
         </p:spPr>
         <p:txBody>
-          <a:bodyPr anchorCtr="0" anchor="t" bIns="91425" lIns="91425" spcFirstLastPara="1" rIns="91425" wrap="square" tIns="91425">
+          <a:bodyPr spcFirstLastPara="1" wrap="square" lIns="91425" tIns="91425" rIns="91425" bIns="91425" anchor="t" anchorCtr="0">
             <a:noAutofit/>
           </a:bodyPr>
           <a:lstStyle/>
           <a:p>
-            <a:pPr indent="0" lvl="0" marL="0" rtl="0" algn="l">
+            <a:pPr marL="0" lvl="0" indent="0" algn="l" rtl="0">
               <a:spcBef>
                 <a:spcPts val="0"/>
               </a:spcBef>
@@ -1775,9 +1853,6 @@
               </a:spcAft>
               <a:buNone/>
             </a:pPr>
-            <a:r>
-              <a:t/>
-            </a:r>
             <a:endParaRPr/>
           </a:p>
         </p:txBody>
@@ -1791,11 +1866,11 @@
 </file>
 
 <file path=ppt/notesSlides/notesSlide5.xml><?xml version="1.0" encoding="utf-8"?>
-<p:notes xmlns:a="http://schemas.openxmlformats.org/drawingml/2006/main" xmlns:r="http://schemas.openxmlformats.org/officeDocument/2006/relationships" xmlns:mc="http://schemas.openxmlformats.org/markup-compatibility/2006" xmlns:mv="urn:schemas-microsoft-com:mac:vml" xmlns:p="http://schemas.openxmlformats.org/presentationml/2006/main" xmlns:c="http://schemas.openxmlformats.org/drawingml/2006/chart" xmlns:dgm="http://schemas.openxmlformats.org/drawingml/2006/diagram" xmlns:o="urn:schemas-microsoft-com:office:office" xmlns:v="urn:schemas-microsoft-com:vml" xmlns:pvml="urn:schemas-microsoft-com:office:powerpoint" xmlns:com="http://schemas.openxmlformats.org/drawingml/2006/compatibility" xmlns:p14="http://schemas.microsoft.com/office/powerpoint/2010/main" xmlns:p15="http://schemas.microsoft.com/office/powerpoint/2012/main" xmlns:ahyp="http://schemas.microsoft.com/office/drawing/2018/hyperlinkcolor" showMasterPhAnim="0" showMasterSp="0">
+<p:notes xmlns:a="http://schemas.openxmlformats.org/drawingml/2006/main" xmlns:r="http://schemas.openxmlformats.org/officeDocument/2006/relationships" xmlns:p="http://schemas.openxmlformats.org/presentationml/2006/main" showMasterSp="0" showMasterPhAnim="0">
   <p:cSld>
     <p:spTree>
       <p:nvGrpSpPr>
-        <p:cNvPr id="73" name="Shape 73"/>
+        <p:cNvPr id="1" name="Shape 73"/>
         <p:cNvGrpSpPr/>
         <p:nvPr/>
       </p:nvGrpSpPr>
@@ -1810,20 +1885,26 @@
       <p:sp>
         <p:nvSpPr>
           <p:cNvPr id="74" name="Google Shape;74;gd20d51a75e_0_0:notes"/>
-          <p:cNvSpPr/>
+          <p:cNvSpPr>
+            <a:spLocks noGrp="1" noRot="1" noChangeAspect="1"/>
+          </p:cNvSpPr>
           <p:nvPr>
-            <p:ph idx="2" type="sldImg"/>
+            <p:ph type="sldImg" idx="2"/>
           </p:nvPr>
         </p:nvSpPr>
         <p:spPr>
           <a:xfrm>
-            <a:off x="381300" y="685800"/>
+            <a:off x="381000" y="685800"/>
             <a:ext cx="6096000" cy="3429000"/>
           </a:xfrm>
           <a:custGeom>
-            <a:rect b="b" l="l" r="r" t="t"/>
+            <a:avLst/>
+            <a:gdLst/>
+            <a:ahLst/>
+            <a:cxnLst/>
+            <a:rect l="l" t="t" r="r" b="b"/>
             <a:pathLst>
-              <a:path extrusionOk="0" h="120000" w="120000">
+              <a:path w="120000" h="120000" extrusionOk="0">
                 <a:moveTo>
                   <a:pt x="0" y="0"/>
                 </a:moveTo>
@@ -1845,9 +1926,11 @@
       <p:sp>
         <p:nvSpPr>
           <p:cNvPr id="75" name="Google Shape;75;gd20d51a75e_0_0:notes"/>
-          <p:cNvSpPr txBox="1"/>
+          <p:cNvSpPr txBox="1">
+            <a:spLocks noGrp="1"/>
+          </p:cNvSpPr>
           <p:nvPr>
-            <p:ph idx="1" type="body"/>
+            <p:ph type="body" idx="1"/>
           </p:nvPr>
         </p:nvSpPr>
         <p:spPr>
@@ -1860,12 +1943,12 @@
           </a:prstGeom>
         </p:spPr>
         <p:txBody>
-          <a:bodyPr anchorCtr="0" anchor="t" bIns="91425" lIns="91425" spcFirstLastPara="1" rIns="91425" wrap="square" tIns="91425">
+          <a:bodyPr spcFirstLastPara="1" wrap="square" lIns="91425" tIns="91425" rIns="91425" bIns="91425" anchor="t" anchorCtr="0">
             <a:noAutofit/>
           </a:bodyPr>
           <a:lstStyle/>
           <a:p>
-            <a:pPr indent="0" lvl="0" marL="0" rtl="0" algn="l">
+            <a:pPr marL="0" lvl="0" indent="0" algn="l" rtl="0">
               <a:spcBef>
                 <a:spcPts val="0"/>
               </a:spcBef>
@@ -1874,9 +1957,6 @@
               </a:spcAft>
               <a:buNone/>
             </a:pPr>
-            <a:r>
-              <a:t/>
-            </a:r>
             <a:endParaRPr/>
           </a:p>
         </p:txBody>
@@ -1890,11 +1970,11 @@
 </file>
 
 <file path=ppt/notesSlides/notesSlide6.xml><?xml version="1.0" encoding="utf-8"?>
-<p:notes xmlns:a="http://schemas.openxmlformats.org/drawingml/2006/main" xmlns:r="http://schemas.openxmlformats.org/officeDocument/2006/relationships" xmlns:mc="http://schemas.openxmlformats.org/markup-compatibility/2006" xmlns:mv="urn:schemas-microsoft-com:mac:vml" xmlns:p="http://schemas.openxmlformats.org/presentationml/2006/main" xmlns:c="http://schemas.openxmlformats.org/drawingml/2006/chart" xmlns:dgm="http://schemas.openxmlformats.org/drawingml/2006/diagram" xmlns:o="urn:schemas-microsoft-com:office:office" xmlns:v="urn:schemas-microsoft-com:vml" xmlns:pvml="urn:schemas-microsoft-com:office:powerpoint" xmlns:com="http://schemas.openxmlformats.org/drawingml/2006/compatibility" xmlns:p14="http://schemas.microsoft.com/office/powerpoint/2010/main" xmlns:p15="http://schemas.microsoft.com/office/powerpoint/2012/main" xmlns:ahyp="http://schemas.microsoft.com/office/drawing/2018/hyperlinkcolor" showMasterPhAnim="0" showMasterSp="0">
+<p:notes xmlns:a="http://schemas.openxmlformats.org/drawingml/2006/main" xmlns:r="http://schemas.openxmlformats.org/officeDocument/2006/relationships" xmlns:p="http://schemas.openxmlformats.org/presentationml/2006/main" showMasterSp="0" showMasterPhAnim="0">
   <p:cSld>
     <p:spTree>
       <p:nvGrpSpPr>
-        <p:cNvPr id="80" name="Shape 80"/>
+        <p:cNvPr id="1" name="Shape 80"/>
         <p:cNvGrpSpPr/>
         <p:nvPr/>
       </p:nvGrpSpPr>
@@ -1909,20 +1989,26 @@
       <p:sp>
         <p:nvSpPr>
           <p:cNvPr id="81" name="Google Shape;81;gd20d51a75e_0_31:notes"/>
-          <p:cNvSpPr/>
+          <p:cNvSpPr>
+            <a:spLocks noGrp="1" noRot="1" noChangeAspect="1"/>
+          </p:cNvSpPr>
           <p:nvPr>
-            <p:ph idx="2" type="sldImg"/>
+            <p:ph type="sldImg" idx="2"/>
           </p:nvPr>
         </p:nvSpPr>
         <p:spPr>
           <a:xfrm>
-            <a:off x="381300" y="685800"/>
+            <a:off x="381000" y="685800"/>
             <a:ext cx="6096000" cy="3429000"/>
           </a:xfrm>
           <a:custGeom>
-            <a:rect b="b" l="l" r="r" t="t"/>
+            <a:avLst/>
+            <a:gdLst/>
+            <a:ahLst/>
+            <a:cxnLst/>
+            <a:rect l="l" t="t" r="r" b="b"/>
             <a:pathLst>
-              <a:path extrusionOk="0" h="120000" w="120000">
+              <a:path w="120000" h="120000" extrusionOk="0">
                 <a:moveTo>
                   <a:pt x="0" y="0"/>
                 </a:moveTo>
@@ -1944,9 +2030,11 @@
       <p:sp>
         <p:nvSpPr>
           <p:cNvPr id="82" name="Google Shape;82;gd20d51a75e_0_31:notes"/>
-          <p:cNvSpPr txBox="1"/>
+          <p:cNvSpPr txBox="1">
+            <a:spLocks noGrp="1"/>
+          </p:cNvSpPr>
           <p:nvPr>
-            <p:ph idx="1" type="body"/>
+            <p:ph type="body" idx="1"/>
           </p:nvPr>
         </p:nvSpPr>
         <p:spPr>
@@ -1959,12 +2047,12 @@
           </a:prstGeom>
         </p:spPr>
         <p:txBody>
-          <a:bodyPr anchorCtr="0" anchor="t" bIns="91425" lIns="91425" spcFirstLastPara="1" rIns="91425" wrap="square" tIns="91425">
+          <a:bodyPr spcFirstLastPara="1" wrap="square" lIns="91425" tIns="91425" rIns="91425" bIns="91425" anchor="t" anchorCtr="0">
             <a:noAutofit/>
           </a:bodyPr>
           <a:lstStyle/>
           <a:p>
-            <a:pPr indent="0" lvl="0" marL="0" rtl="0" algn="l">
+            <a:pPr marL="0" lvl="0" indent="0" algn="l" rtl="0">
               <a:spcBef>
                 <a:spcPts val="0"/>
               </a:spcBef>
@@ -1973,9 +2061,6 @@
               </a:spcAft>
               <a:buNone/>
             </a:pPr>
-            <a:r>
-              <a:t/>
-            </a:r>
             <a:endParaRPr/>
           </a:p>
         </p:txBody>
@@ -1989,11 +2074,11 @@
 </file>
 
 <file path=ppt/notesSlides/notesSlide7.xml><?xml version="1.0" encoding="utf-8"?>
-<p:notes xmlns:a="http://schemas.openxmlformats.org/drawingml/2006/main" xmlns:r="http://schemas.openxmlformats.org/officeDocument/2006/relationships" xmlns:mc="http://schemas.openxmlformats.org/markup-compatibility/2006" xmlns:mv="urn:schemas-microsoft-com:mac:vml" xmlns:p="http://schemas.openxmlformats.org/presentationml/2006/main" xmlns:c="http://schemas.openxmlformats.org/drawingml/2006/chart" xmlns:dgm="http://schemas.openxmlformats.org/drawingml/2006/diagram" xmlns:o="urn:schemas-microsoft-com:office:office" xmlns:v="urn:schemas-microsoft-com:vml" xmlns:pvml="urn:schemas-microsoft-com:office:powerpoint" xmlns:com="http://schemas.openxmlformats.org/drawingml/2006/compatibility" xmlns:p14="http://schemas.microsoft.com/office/powerpoint/2010/main" xmlns:p15="http://schemas.microsoft.com/office/powerpoint/2012/main" xmlns:ahyp="http://schemas.microsoft.com/office/drawing/2018/hyperlinkcolor" showMasterPhAnim="0" showMasterSp="0">
+<p:notes xmlns:a="http://schemas.openxmlformats.org/drawingml/2006/main" xmlns:r="http://schemas.openxmlformats.org/officeDocument/2006/relationships" xmlns:p="http://schemas.openxmlformats.org/presentationml/2006/main" showMasterSp="0" showMasterPhAnim="0">
   <p:cSld>
     <p:spTree>
       <p:nvGrpSpPr>
-        <p:cNvPr id="86" name="Shape 86"/>
+        <p:cNvPr id="1" name="Shape 86"/>
         <p:cNvGrpSpPr/>
         <p:nvPr/>
       </p:nvGrpSpPr>
@@ -2008,20 +2093,26 @@
       <p:sp>
         <p:nvSpPr>
           <p:cNvPr id="87" name="Google Shape;87;gd20d51a75e_0_5:notes"/>
-          <p:cNvSpPr/>
+          <p:cNvSpPr>
+            <a:spLocks noGrp="1" noRot="1" noChangeAspect="1"/>
+          </p:cNvSpPr>
           <p:nvPr>
-            <p:ph idx="2" type="sldImg"/>
+            <p:ph type="sldImg" idx="2"/>
           </p:nvPr>
         </p:nvSpPr>
         <p:spPr>
           <a:xfrm>
-            <a:off x="381300" y="685800"/>
+            <a:off x="381000" y="685800"/>
             <a:ext cx="6096000" cy="3429000"/>
           </a:xfrm>
           <a:custGeom>
-            <a:rect b="b" l="l" r="r" t="t"/>
+            <a:avLst/>
+            <a:gdLst/>
+            <a:ahLst/>
+            <a:cxnLst/>
+            <a:rect l="l" t="t" r="r" b="b"/>
             <a:pathLst>
-              <a:path extrusionOk="0" h="120000" w="120000">
+              <a:path w="120000" h="120000" extrusionOk="0">
                 <a:moveTo>
                   <a:pt x="0" y="0"/>
                 </a:moveTo>
@@ -2043,9 +2134,11 @@
       <p:sp>
         <p:nvSpPr>
           <p:cNvPr id="88" name="Google Shape;88;gd20d51a75e_0_5:notes"/>
-          <p:cNvSpPr txBox="1"/>
+          <p:cNvSpPr txBox="1">
+            <a:spLocks noGrp="1"/>
+          </p:cNvSpPr>
           <p:nvPr>
-            <p:ph idx="1" type="body"/>
+            <p:ph type="body" idx="1"/>
           </p:nvPr>
         </p:nvSpPr>
         <p:spPr>
@@ -2058,12 +2151,12 @@
           </a:prstGeom>
         </p:spPr>
         <p:txBody>
-          <a:bodyPr anchorCtr="0" anchor="t" bIns="91425" lIns="91425" spcFirstLastPara="1" rIns="91425" wrap="square" tIns="91425">
+          <a:bodyPr spcFirstLastPara="1" wrap="square" lIns="91425" tIns="91425" rIns="91425" bIns="91425" anchor="t" anchorCtr="0">
             <a:noAutofit/>
           </a:bodyPr>
           <a:lstStyle/>
           <a:p>
-            <a:pPr indent="0" lvl="0" marL="0" rtl="0" algn="l">
+            <a:pPr marL="0" lvl="0" indent="0" algn="l" rtl="0">
               <a:spcBef>
                 <a:spcPts val="0"/>
               </a:spcBef>
@@ -2072,9 +2165,6 @@
               </a:spcAft>
               <a:buNone/>
             </a:pPr>
-            <a:r>
-              <a:t/>
-            </a:r>
             <a:endParaRPr/>
           </a:p>
         </p:txBody>
@@ -2088,11 +2178,11 @@
 </file>
 
 <file path=ppt/notesSlides/notesSlide8.xml><?xml version="1.0" encoding="utf-8"?>
-<p:notes xmlns:a="http://schemas.openxmlformats.org/drawingml/2006/main" xmlns:r="http://schemas.openxmlformats.org/officeDocument/2006/relationships" xmlns:mc="http://schemas.openxmlformats.org/markup-compatibility/2006" xmlns:mv="urn:schemas-microsoft-com:mac:vml" xmlns:p="http://schemas.openxmlformats.org/presentationml/2006/main" xmlns:c="http://schemas.openxmlformats.org/drawingml/2006/chart" xmlns:dgm="http://schemas.openxmlformats.org/drawingml/2006/diagram" xmlns:o="urn:schemas-microsoft-com:office:office" xmlns:v="urn:schemas-microsoft-com:vml" xmlns:pvml="urn:schemas-microsoft-com:office:powerpoint" xmlns:com="http://schemas.openxmlformats.org/drawingml/2006/compatibility" xmlns:p14="http://schemas.microsoft.com/office/powerpoint/2010/main" xmlns:p15="http://schemas.microsoft.com/office/powerpoint/2012/main" xmlns:ahyp="http://schemas.microsoft.com/office/drawing/2018/hyperlinkcolor" showMasterPhAnim="0" showMasterSp="0">
+<p:notes xmlns:a="http://schemas.openxmlformats.org/drawingml/2006/main" xmlns:r="http://schemas.openxmlformats.org/officeDocument/2006/relationships" xmlns:p="http://schemas.openxmlformats.org/presentationml/2006/main" showMasterSp="0" showMasterPhAnim="0">
   <p:cSld>
     <p:spTree>
       <p:nvGrpSpPr>
-        <p:cNvPr id="95" name="Shape 95"/>
+        <p:cNvPr id="1" name="Shape 95"/>
         <p:cNvGrpSpPr/>
         <p:nvPr/>
       </p:nvGrpSpPr>
@@ -2107,20 +2197,26 @@
       <p:sp>
         <p:nvSpPr>
           <p:cNvPr id="96" name="Google Shape;96;gd20d51a75e_0_36:notes"/>
-          <p:cNvSpPr/>
+          <p:cNvSpPr>
+            <a:spLocks noGrp="1" noRot="1" noChangeAspect="1"/>
+          </p:cNvSpPr>
           <p:nvPr>
-            <p:ph idx="2" type="sldImg"/>
+            <p:ph type="sldImg" idx="2"/>
           </p:nvPr>
         </p:nvSpPr>
         <p:spPr>
           <a:xfrm>
-            <a:off x="381300" y="685800"/>
+            <a:off x="381000" y="685800"/>
             <a:ext cx="6096000" cy="3429000"/>
           </a:xfrm>
           <a:custGeom>
-            <a:rect b="b" l="l" r="r" t="t"/>
+            <a:avLst/>
+            <a:gdLst/>
+            <a:ahLst/>
+            <a:cxnLst/>
+            <a:rect l="l" t="t" r="r" b="b"/>
             <a:pathLst>
-              <a:path extrusionOk="0" h="120000" w="120000">
+              <a:path w="120000" h="120000" extrusionOk="0">
                 <a:moveTo>
                   <a:pt x="0" y="0"/>
                 </a:moveTo>
@@ -2142,9 +2238,11 @@
       <p:sp>
         <p:nvSpPr>
           <p:cNvPr id="97" name="Google Shape;97;gd20d51a75e_0_36:notes"/>
-          <p:cNvSpPr txBox="1"/>
+          <p:cNvSpPr txBox="1">
+            <a:spLocks noGrp="1"/>
+          </p:cNvSpPr>
           <p:nvPr>
-            <p:ph idx="1" type="body"/>
+            <p:ph type="body" idx="1"/>
           </p:nvPr>
         </p:nvSpPr>
         <p:spPr>
@@ -2157,12 +2255,12 @@
           </a:prstGeom>
         </p:spPr>
         <p:txBody>
-          <a:bodyPr anchorCtr="0" anchor="t" bIns="91425" lIns="91425" spcFirstLastPara="1" rIns="91425" wrap="square" tIns="91425">
+          <a:bodyPr spcFirstLastPara="1" wrap="square" lIns="91425" tIns="91425" rIns="91425" bIns="91425" anchor="t" anchorCtr="0">
             <a:noAutofit/>
           </a:bodyPr>
           <a:lstStyle/>
           <a:p>
-            <a:pPr indent="0" lvl="0" marL="0" rtl="0" algn="l">
+            <a:pPr marL="0" lvl="0" indent="0" algn="l" rtl="0">
               <a:spcBef>
                 <a:spcPts val="0"/>
               </a:spcBef>
@@ -2171,9 +2269,6 @@
               </a:spcAft>
               <a:buNone/>
             </a:pPr>
-            <a:r>
-              <a:t/>
-            </a:r>
             <a:endParaRPr/>
           </a:p>
         </p:txBody>
@@ -2187,11 +2282,11 @@
 </file>
 
 <file path=ppt/notesSlides/notesSlide9.xml><?xml version="1.0" encoding="utf-8"?>
-<p:notes xmlns:a="http://schemas.openxmlformats.org/drawingml/2006/main" xmlns:r="http://schemas.openxmlformats.org/officeDocument/2006/relationships" xmlns:mc="http://schemas.openxmlformats.org/markup-compatibility/2006" xmlns:mv="urn:schemas-microsoft-com:mac:vml" xmlns:p="http://schemas.openxmlformats.org/presentationml/2006/main" xmlns:c="http://schemas.openxmlformats.org/drawingml/2006/chart" xmlns:dgm="http://schemas.openxmlformats.org/drawingml/2006/diagram" xmlns:o="urn:schemas-microsoft-com:office:office" xmlns:v="urn:schemas-microsoft-com:vml" xmlns:pvml="urn:schemas-microsoft-com:office:powerpoint" xmlns:com="http://schemas.openxmlformats.org/drawingml/2006/compatibility" xmlns:p14="http://schemas.microsoft.com/office/powerpoint/2010/main" xmlns:p15="http://schemas.microsoft.com/office/powerpoint/2012/main" xmlns:ahyp="http://schemas.microsoft.com/office/drawing/2018/hyperlinkcolor" showMasterPhAnim="0" showMasterSp="0">
+<p:notes xmlns:a="http://schemas.openxmlformats.org/drawingml/2006/main" xmlns:r="http://schemas.openxmlformats.org/officeDocument/2006/relationships" xmlns:p="http://schemas.openxmlformats.org/presentationml/2006/main" showMasterSp="0" showMasterPhAnim="0">
   <p:cSld>
     <p:spTree>
       <p:nvGrpSpPr>
-        <p:cNvPr id="102" name="Shape 102"/>
+        <p:cNvPr id="1" name="Shape 102"/>
         <p:cNvGrpSpPr/>
         <p:nvPr/>
       </p:nvGrpSpPr>
@@ -2206,20 +2301,26 @@
       <p:sp>
         <p:nvSpPr>
           <p:cNvPr id="103" name="Google Shape;103;gd20d51a75e_0_96:notes"/>
-          <p:cNvSpPr/>
+          <p:cNvSpPr>
+            <a:spLocks noGrp="1" noRot="1" noChangeAspect="1"/>
+          </p:cNvSpPr>
           <p:nvPr>
-            <p:ph idx="2" type="sldImg"/>
+            <p:ph type="sldImg" idx="2"/>
           </p:nvPr>
         </p:nvSpPr>
         <p:spPr>
           <a:xfrm>
-            <a:off x="381300" y="685800"/>
+            <a:off x="381000" y="685800"/>
             <a:ext cx="6096000" cy="3429000"/>
           </a:xfrm>
           <a:custGeom>
-            <a:rect b="b" l="l" r="r" t="t"/>
+            <a:avLst/>
+            <a:gdLst/>
+            <a:ahLst/>
+            <a:cxnLst/>
+            <a:rect l="l" t="t" r="r" b="b"/>
             <a:pathLst>
-              <a:path extrusionOk="0" h="120000" w="120000">
+              <a:path w="120000" h="120000" extrusionOk="0">
                 <a:moveTo>
                   <a:pt x="0" y="0"/>
                 </a:moveTo>
@@ -2241,9 +2342,11 @@
       <p:sp>
         <p:nvSpPr>
           <p:cNvPr id="104" name="Google Shape;104;gd20d51a75e_0_96:notes"/>
-          <p:cNvSpPr txBox="1"/>
+          <p:cNvSpPr txBox="1">
+            <a:spLocks noGrp="1"/>
+          </p:cNvSpPr>
           <p:nvPr>
-            <p:ph idx="1" type="body"/>
+            <p:ph type="body" idx="1"/>
           </p:nvPr>
         </p:nvSpPr>
         <p:spPr>
@@ -2256,12 +2359,12 @@
           </a:prstGeom>
         </p:spPr>
         <p:txBody>
-          <a:bodyPr anchorCtr="0" anchor="t" bIns="91425" lIns="91425" spcFirstLastPara="1" rIns="91425" wrap="square" tIns="91425">
+          <a:bodyPr spcFirstLastPara="1" wrap="square" lIns="91425" tIns="91425" rIns="91425" bIns="91425" anchor="t" anchorCtr="0">
             <a:noAutofit/>
           </a:bodyPr>
           <a:lstStyle/>
           <a:p>
-            <a:pPr indent="0" lvl="0" marL="0" rtl="0" algn="l">
+            <a:pPr marL="0" lvl="0" indent="0" algn="l" rtl="0">
               <a:spcBef>
                 <a:spcPts val="0"/>
               </a:spcBef>
@@ -2270,9 +2373,6 @@
               </a:spcAft>
               <a:buNone/>
             </a:pPr>
-            <a:r>
-              <a:t/>
-            </a:r>
             <a:endParaRPr/>
           </a:p>
         </p:txBody>
@@ -2286,11 +2386,11 @@
 </file>
 
 <file path=ppt/slideLayouts/slideLayout1.xml><?xml version="1.0" encoding="utf-8"?>
-<p:sldLayout xmlns:a="http://schemas.openxmlformats.org/drawingml/2006/main" xmlns:r="http://schemas.openxmlformats.org/officeDocument/2006/relationships" xmlns:mc="http://schemas.openxmlformats.org/markup-compatibility/2006" xmlns:mv="urn:schemas-microsoft-com:mac:vml" xmlns:p="http://schemas.openxmlformats.org/presentationml/2006/main" xmlns:c="http://schemas.openxmlformats.org/drawingml/2006/chart" xmlns:dgm="http://schemas.openxmlformats.org/drawingml/2006/diagram" xmlns:o="urn:schemas-microsoft-com:office:office" xmlns:v="urn:schemas-microsoft-com:vml" xmlns:pvml="urn:schemas-microsoft-com:office:powerpoint" xmlns:com="http://schemas.openxmlformats.org/drawingml/2006/compatibility" xmlns:p14="http://schemas.microsoft.com/office/powerpoint/2010/main" xmlns:p15="http://schemas.microsoft.com/office/powerpoint/2012/main" xmlns:ahyp="http://schemas.microsoft.com/office/drawing/2018/hyperlinkcolor" matchingName="Title slide" type="title">
+<p:sldLayout xmlns:a="http://schemas.openxmlformats.org/drawingml/2006/main" xmlns:r="http://schemas.openxmlformats.org/officeDocument/2006/relationships" xmlns:p="http://schemas.openxmlformats.org/presentationml/2006/main" matchingName="Title slide" type="title">
   <p:cSld name="TITLE">
     <p:spTree>
       <p:nvGrpSpPr>
-        <p:cNvPr id="9" name="Shape 9"/>
+        <p:cNvPr id="1" name="Shape 9"/>
         <p:cNvGrpSpPr/>
         <p:nvPr/>
       </p:nvGrpSpPr>
@@ -2305,7 +2405,9 @@
       <p:sp>
         <p:nvSpPr>
           <p:cNvPr id="10" name="Google Shape;10;p2"/>
-          <p:cNvSpPr txBox="1"/>
+          <p:cNvSpPr txBox="1">
+            <a:spLocks noGrp="1"/>
+          </p:cNvSpPr>
           <p:nvPr>
             <p:ph type="ctrTitle"/>
           </p:nvPr>
@@ -2320,7 +2422,7 @@
           </a:prstGeom>
         </p:spPr>
         <p:txBody>
-          <a:bodyPr anchorCtr="0" anchor="b" bIns="91425" lIns="91425" spcFirstLastPara="1" rIns="91425" wrap="square" tIns="91425">
+          <a:bodyPr spcFirstLastPara="1" wrap="square" lIns="91425" tIns="91425" rIns="91425" bIns="91425" anchor="b" anchorCtr="0">
             <a:normAutofit/>
           </a:bodyPr>
           <a:lstStyle>
@@ -2424,15 +2526,19 @@
               <a:defRPr sz="5200"/>
             </a:lvl9pPr>
           </a:lstStyle>
-          <a:p/>
+          <a:p>
+            <a:endParaRPr/>
+          </a:p>
         </p:txBody>
       </p:sp>
       <p:sp>
         <p:nvSpPr>
           <p:cNvPr id="11" name="Google Shape;11;p2"/>
-          <p:cNvSpPr txBox="1"/>
+          <p:cNvSpPr txBox="1">
+            <a:spLocks noGrp="1"/>
+          </p:cNvSpPr>
           <p:nvPr>
-            <p:ph idx="1" type="subTitle"/>
+            <p:ph type="subTitle" idx="1"/>
           </p:nvPr>
         </p:nvSpPr>
         <p:spPr>
@@ -2445,7 +2551,7 @@
           </a:prstGeom>
         </p:spPr>
         <p:txBody>
-          <a:bodyPr anchorCtr="0" anchor="t" bIns="91425" lIns="91425" spcFirstLastPara="1" rIns="91425" wrap="square" tIns="91425">
+          <a:bodyPr spcFirstLastPara="1" wrap="square" lIns="91425" tIns="91425" rIns="91425" bIns="91425" anchor="t" anchorCtr="0">
             <a:normAutofit/>
           </a:bodyPr>
           <a:lstStyle>
@@ -2576,15 +2682,19 @@
               <a:defRPr sz="2800"/>
             </a:lvl9pPr>
           </a:lstStyle>
-          <a:p/>
+          <a:p>
+            <a:endParaRPr/>
+          </a:p>
         </p:txBody>
       </p:sp>
       <p:sp>
         <p:nvSpPr>
           <p:cNvPr id="12" name="Google Shape;12;p2"/>
-          <p:cNvSpPr txBox="1"/>
+          <p:cNvSpPr txBox="1">
+            <a:spLocks noGrp="1"/>
+          </p:cNvSpPr>
           <p:nvPr>
-            <p:ph idx="12" type="sldNum"/>
+            <p:ph type="sldNum" idx="12"/>
           </p:nvPr>
         </p:nvSpPr>
         <p:spPr>
@@ -2597,7 +2707,7 @@
           </a:prstGeom>
         </p:spPr>
         <p:txBody>
-          <a:bodyPr anchorCtr="0" anchor="ctr" bIns="91425" lIns="91425" spcFirstLastPara="1" rIns="91425" wrap="square" tIns="91425">
+          <a:bodyPr spcFirstLastPara="1" wrap="square" lIns="91425" tIns="91425" rIns="91425" bIns="91425" anchor="ctr" anchorCtr="0">
             <a:normAutofit/>
           </a:bodyPr>
           <a:lstStyle>
@@ -2639,7 +2749,7 @@
             </a:lvl9pPr>
           </a:lstStyle>
           <a:p>
-            <a:pPr indent="0" lvl="0" marL="0" rtl="0" algn="r">
+            <a:pPr marL="0" lvl="0" indent="0" algn="r" rtl="0">
               <a:spcBef>
                 <a:spcPts val="0"/>
               </a:spcBef>
@@ -2665,11 +2775,11 @@
 </file>
 
 <file path=ppt/slideLayouts/slideLayout10.xml><?xml version="1.0" encoding="utf-8"?>
-<p:sldLayout xmlns:a="http://schemas.openxmlformats.org/drawingml/2006/main" xmlns:r="http://schemas.openxmlformats.org/officeDocument/2006/relationships" xmlns:mc="http://schemas.openxmlformats.org/markup-compatibility/2006" xmlns:mv="urn:schemas-microsoft-com:mac:vml" xmlns:p="http://schemas.openxmlformats.org/presentationml/2006/main" xmlns:c="http://schemas.openxmlformats.org/drawingml/2006/chart" xmlns:dgm="http://schemas.openxmlformats.org/drawingml/2006/diagram" xmlns:o="urn:schemas-microsoft-com:office:office" xmlns:v="urn:schemas-microsoft-com:vml" xmlns:pvml="urn:schemas-microsoft-com:office:powerpoint" xmlns:com="http://schemas.openxmlformats.org/drawingml/2006/compatibility" xmlns:p14="http://schemas.microsoft.com/office/powerpoint/2010/main" xmlns:p15="http://schemas.microsoft.com/office/powerpoint/2012/main" xmlns:ahyp="http://schemas.microsoft.com/office/drawing/2018/hyperlinkcolor" matchingName="Big number">
+<p:sldLayout xmlns:a="http://schemas.openxmlformats.org/drawingml/2006/main" xmlns:r="http://schemas.openxmlformats.org/officeDocument/2006/relationships" xmlns:p="http://schemas.openxmlformats.org/presentationml/2006/main" matchingName="Big number">
   <p:cSld name="BIG_NUMBER">
     <p:spTree>
       <p:nvGrpSpPr>
-        <p:cNvPr id="44" name="Shape 44"/>
+        <p:cNvPr id="1" name="Shape 44"/>
         <p:cNvGrpSpPr/>
         <p:nvPr/>
       </p:nvGrpSpPr>
@@ -2684,9 +2794,11 @@
       <p:sp>
         <p:nvSpPr>
           <p:cNvPr id="45" name="Google Shape;45;p11"/>
-          <p:cNvSpPr txBox="1"/>
+          <p:cNvSpPr txBox="1">
+            <a:spLocks noGrp="1"/>
+          </p:cNvSpPr>
           <p:nvPr>
-            <p:ph hasCustomPrompt="1" type="title"/>
+            <p:ph type="title" hasCustomPrompt="1"/>
           </p:nvPr>
         </p:nvSpPr>
         <p:spPr>
@@ -2699,7 +2811,7 @@
           </a:prstGeom>
         </p:spPr>
         <p:txBody>
-          <a:bodyPr anchorCtr="0" anchor="b" bIns="91425" lIns="91425" spcFirstLastPara="1" rIns="91425" wrap="square" tIns="91425">
+          <a:bodyPr spcFirstLastPara="1" wrap="square" lIns="91425" tIns="91425" rIns="91425" bIns="91425" anchor="b" anchorCtr="0">
             <a:normAutofit/>
           </a:bodyPr>
           <a:lstStyle>
@@ -2813,9 +2925,11 @@
       <p:sp>
         <p:nvSpPr>
           <p:cNvPr id="46" name="Google Shape;46;p11"/>
-          <p:cNvSpPr txBox="1"/>
+          <p:cNvSpPr txBox="1">
+            <a:spLocks noGrp="1"/>
+          </p:cNvSpPr>
           <p:nvPr>
-            <p:ph idx="1" type="body"/>
+            <p:ph type="body" idx="1"/>
           </p:nvPr>
         </p:nvSpPr>
         <p:spPr>
@@ -2828,11 +2942,11 @@
           </a:prstGeom>
         </p:spPr>
         <p:txBody>
-          <a:bodyPr anchorCtr="0" anchor="t" bIns="91425" lIns="91425" spcFirstLastPara="1" rIns="91425" wrap="square" tIns="91425">
+          <a:bodyPr spcFirstLastPara="1" wrap="square" lIns="91425" tIns="91425" rIns="91425" bIns="91425" anchor="t" anchorCtr="0">
             <a:normAutofit/>
           </a:bodyPr>
           <a:lstStyle>
-            <a:lvl1pPr indent="-342900" lvl="0" marL="457200" algn="ctr">
+            <a:lvl1pPr marL="457200" lvl="0" indent="-342900" algn="ctr">
               <a:spcBef>
                 <a:spcPts val="0"/>
               </a:spcBef>
@@ -2843,7 +2957,7 @@
               <a:buChar char="●"/>
               <a:defRPr/>
             </a:lvl1pPr>
-            <a:lvl2pPr indent="-317500" lvl="1" marL="914400" algn="ctr">
+            <a:lvl2pPr marL="914400" lvl="1" indent="-317500" algn="ctr">
               <a:spcBef>
                 <a:spcPts val="0"/>
               </a:spcBef>
@@ -2854,7 +2968,7 @@
               <a:buChar char="○"/>
               <a:defRPr/>
             </a:lvl2pPr>
-            <a:lvl3pPr indent="-317500" lvl="2" marL="1371600" algn="ctr">
+            <a:lvl3pPr marL="1371600" lvl="2" indent="-317500" algn="ctr">
               <a:spcBef>
                 <a:spcPts val="0"/>
               </a:spcBef>
@@ -2865,7 +2979,7 @@
               <a:buChar char="■"/>
               <a:defRPr/>
             </a:lvl3pPr>
-            <a:lvl4pPr indent="-317500" lvl="3" marL="1828800" algn="ctr">
+            <a:lvl4pPr marL="1828800" lvl="3" indent="-317500" algn="ctr">
               <a:spcBef>
                 <a:spcPts val="0"/>
               </a:spcBef>
@@ -2876,7 +2990,7 @@
               <a:buChar char="●"/>
               <a:defRPr/>
             </a:lvl4pPr>
-            <a:lvl5pPr indent="-317500" lvl="4" marL="2286000" algn="ctr">
+            <a:lvl5pPr marL="2286000" lvl="4" indent="-317500" algn="ctr">
               <a:spcBef>
                 <a:spcPts val="0"/>
               </a:spcBef>
@@ -2887,7 +3001,7 @@
               <a:buChar char="○"/>
               <a:defRPr/>
             </a:lvl5pPr>
-            <a:lvl6pPr indent="-317500" lvl="5" marL="2743200" algn="ctr">
+            <a:lvl6pPr marL="2743200" lvl="5" indent="-317500" algn="ctr">
               <a:spcBef>
                 <a:spcPts val="0"/>
               </a:spcBef>
@@ -2898,7 +3012,7 @@
               <a:buChar char="■"/>
               <a:defRPr/>
             </a:lvl6pPr>
-            <a:lvl7pPr indent="-317500" lvl="6" marL="3200400" algn="ctr">
+            <a:lvl7pPr marL="3200400" lvl="6" indent="-317500" algn="ctr">
               <a:spcBef>
                 <a:spcPts val="0"/>
               </a:spcBef>
@@ -2909,7 +3023,7 @@
               <a:buChar char="●"/>
               <a:defRPr/>
             </a:lvl7pPr>
-            <a:lvl8pPr indent="-317500" lvl="7" marL="3657600" algn="ctr">
+            <a:lvl8pPr marL="3657600" lvl="7" indent="-317500" algn="ctr">
               <a:spcBef>
                 <a:spcPts val="0"/>
               </a:spcBef>
@@ -2920,7 +3034,7 @@
               <a:buChar char="○"/>
               <a:defRPr/>
             </a:lvl8pPr>
-            <a:lvl9pPr indent="-317500" lvl="8" marL="4114800" algn="ctr">
+            <a:lvl9pPr marL="4114800" lvl="8" indent="-317500" algn="ctr">
               <a:spcBef>
                 <a:spcPts val="0"/>
               </a:spcBef>
@@ -2932,15 +3046,19 @@
               <a:defRPr/>
             </a:lvl9pPr>
           </a:lstStyle>
-          <a:p/>
+          <a:p>
+            <a:endParaRPr/>
+          </a:p>
         </p:txBody>
       </p:sp>
       <p:sp>
         <p:nvSpPr>
           <p:cNvPr id="47" name="Google Shape;47;p11"/>
-          <p:cNvSpPr txBox="1"/>
+          <p:cNvSpPr txBox="1">
+            <a:spLocks noGrp="1"/>
+          </p:cNvSpPr>
           <p:nvPr>
-            <p:ph idx="12" type="sldNum"/>
+            <p:ph type="sldNum" idx="12"/>
           </p:nvPr>
         </p:nvSpPr>
         <p:spPr>
@@ -2953,7 +3071,7 @@
           </a:prstGeom>
         </p:spPr>
         <p:txBody>
-          <a:bodyPr anchorCtr="0" anchor="ctr" bIns="91425" lIns="91425" spcFirstLastPara="1" rIns="91425" wrap="square" tIns="91425">
+          <a:bodyPr spcFirstLastPara="1" wrap="square" lIns="91425" tIns="91425" rIns="91425" bIns="91425" anchor="ctr" anchorCtr="0">
             <a:normAutofit/>
           </a:bodyPr>
           <a:lstStyle>
@@ -2995,7 +3113,7 @@
             </a:lvl9pPr>
           </a:lstStyle>
           <a:p>
-            <a:pPr indent="0" lvl="0" marL="0" rtl="0" algn="r">
+            <a:pPr marL="0" lvl="0" indent="0" algn="r" rtl="0">
               <a:spcBef>
                 <a:spcPts val="0"/>
               </a:spcBef>
@@ -3021,11 +3139,11 @@
 </file>
 
 <file path=ppt/slideLayouts/slideLayout11.xml><?xml version="1.0" encoding="utf-8"?>
-<p:sldLayout xmlns:a="http://schemas.openxmlformats.org/drawingml/2006/main" xmlns:r="http://schemas.openxmlformats.org/officeDocument/2006/relationships" xmlns:mc="http://schemas.openxmlformats.org/markup-compatibility/2006" xmlns:mv="urn:schemas-microsoft-com:mac:vml" xmlns:p="http://schemas.openxmlformats.org/presentationml/2006/main" xmlns:c="http://schemas.openxmlformats.org/drawingml/2006/chart" xmlns:dgm="http://schemas.openxmlformats.org/drawingml/2006/diagram" xmlns:o="urn:schemas-microsoft-com:office:office" xmlns:v="urn:schemas-microsoft-com:vml" xmlns:pvml="urn:schemas-microsoft-com:office:powerpoint" xmlns:com="http://schemas.openxmlformats.org/drawingml/2006/compatibility" xmlns:p14="http://schemas.microsoft.com/office/powerpoint/2010/main" xmlns:p15="http://schemas.microsoft.com/office/powerpoint/2012/main" xmlns:ahyp="http://schemas.microsoft.com/office/drawing/2018/hyperlinkcolor" matchingName="Blank" type="blank">
+<p:sldLayout xmlns:a="http://schemas.openxmlformats.org/drawingml/2006/main" xmlns:r="http://schemas.openxmlformats.org/officeDocument/2006/relationships" xmlns:p="http://schemas.openxmlformats.org/presentationml/2006/main" matchingName="Blank" type="blank">
   <p:cSld name="BLANK">
     <p:spTree>
       <p:nvGrpSpPr>
-        <p:cNvPr id="48" name="Shape 48"/>
+        <p:cNvPr id="1" name="Shape 48"/>
         <p:cNvGrpSpPr/>
         <p:nvPr/>
       </p:nvGrpSpPr>
@@ -3040,9 +3158,11 @@
       <p:sp>
         <p:nvSpPr>
           <p:cNvPr id="49" name="Google Shape;49;p12"/>
-          <p:cNvSpPr txBox="1"/>
+          <p:cNvSpPr txBox="1">
+            <a:spLocks noGrp="1"/>
+          </p:cNvSpPr>
           <p:nvPr>
-            <p:ph idx="12" type="sldNum"/>
+            <p:ph type="sldNum" idx="12"/>
           </p:nvPr>
         </p:nvSpPr>
         <p:spPr>
@@ -3055,7 +3175,7 @@
           </a:prstGeom>
         </p:spPr>
         <p:txBody>
-          <a:bodyPr anchorCtr="0" anchor="ctr" bIns="91425" lIns="91425" spcFirstLastPara="1" rIns="91425" wrap="square" tIns="91425">
+          <a:bodyPr spcFirstLastPara="1" wrap="square" lIns="91425" tIns="91425" rIns="91425" bIns="91425" anchor="ctr" anchorCtr="0">
             <a:normAutofit/>
           </a:bodyPr>
           <a:lstStyle>
@@ -3097,7 +3217,7 @@
             </a:lvl9pPr>
           </a:lstStyle>
           <a:p>
-            <a:pPr indent="0" lvl="0" marL="0" rtl="0" algn="r">
+            <a:pPr marL="0" lvl="0" indent="0" algn="r" rtl="0">
               <a:spcBef>
                 <a:spcPts val="0"/>
               </a:spcBef>
@@ -3123,11 +3243,11 @@
 </file>
 
 <file path=ppt/slideLayouts/slideLayout2.xml><?xml version="1.0" encoding="utf-8"?>
-<p:sldLayout xmlns:a="http://schemas.openxmlformats.org/drawingml/2006/main" xmlns:r="http://schemas.openxmlformats.org/officeDocument/2006/relationships" xmlns:mc="http://schemas.openxmlformats.org/markup-compatibility/2006" xmlns:mv="urn:schemas-microsoft-com:mac:vml" xmlns:p="http://schemas.openxmlformats.org/presentationml/2006/main" xmlns:c="http://schemas.openxmlformats.org/drawingml/2006/chart" xmlns:dgm="http://schemas.openxmlformats.org/drawingml/2006/diagram" xmlns:o="urn:schemas-microsoft-com:office:office" xmlns:v="urn:schemas-microsoft-com:vml" xmlns:pvml="urn:schemas-microsoft-com:office:powerpoint" xmlns:com="http://schemas.openxmlformats.org/drawingml/2006/compatibility" xmlns:p14="http://schemas.microsoft.com/office/powerpoint/2010/main" xmlns:p15="http://schemas.microsoft.com/office/powerpoint/2012/main" xmlns:ahyp="http://schemas.microsoft.com/office/drawing/2018/hyperlinkcolor" matchingName="Section header" type="secHead">
+<p:sldLayout xmlns:a="http://schemas.openxmlformats.org/drawingml/2006/main" xmlns:r="http://schemas.openxmlformats.org/officeDocument/2006/relationships" xmlns:p="http://schemas.openxmlformats.org/presentationml/2006/main" matchingName="Section header" type="secHead">
   <p:cSld name="SECTION_HEADER">
     <p:spTree>
       <p:nvGrpSpPr>
-        <p:cNvPr id="13" name="Shape 13"/>
+        <p:cNvPr id="1" name="Shape 13"/>
         <p:cNvGrpSpPr/>
         <p:nvPr/>
       </p:nvGrpSpPr>
@@ -3142,7 +3262,9 @@
       <p:sp>
         <p:nvSpPr>
           <p:cNvPr id="14" name="Google Shape;14;p3"/>
-          <p:cNvSpPr txBox="1"/>
+          <p:cNvSpPr txBox="1">
+            <a:spLocks noGrp="1"/>
+          </p:cNvSpPr>
           <p:nvPr>
             <p:ph type="title"/>
           </p:nvPr>
@@ -3157,7 +3279,7 @@
           </a:prstGeom>
         </p:spPr>
         <p:txBody>
-          <a:bodyPr anchorCtr="0" anchor="ctr" bIns="91425" lIns="91425" spcFirstLastPara="1" rIns="91425" wrap="square" tIns="91425">
+          <a:bodyPr spcFirstLastPara="1" wrap="square" lIns="91425" tIns="91425" rIns="91425" bIns="91425" anchor="ctr" anchorCtr="0">
             <a:normAutofit/>
           </a:bodyPr>
           <a:lstStyle>
@@ -3261,15 +3383,19 @@
               <a:defRPr sz="3600"/>
             </a:lvl9pPr>
           </a:lstStyle>
-          <a:p/>
+          <a:p>
+            <a:endParaRPr/>
+          </a:p>
         </p:txBody>
       </p:sp>
       <p:sp>
         <p:nvSpPr>
           <p:cNvPr id="15" name="Google Shape;15;p3"/>
-          <p:cNvSpPr txBox="1"/>
+          <p:cNvSpPr txBox="1">
+            <a:spLocks noGrp="1"/>
+          </p:cNvSpPr>
           <p:nvPr>
-            <p:ph idx="12" type="sldNum"/>
+            <p:ph type="sldNum" idx="12"/>
           </p:nvPr>
         </p:nvSpPr>
         <p:spPr>
@@ -3282,7 +3408,7 @@
           </a:prstGeom>
         </p:spPr>
         <p:txBody>
-          <a:bodyPr anchorCtr="0" anchor="ctr" bIns="91425" lIns="91425" spcFirstLastPara="1" rIns="91425" wrap="square" tIns="91425">
+          <a:bodyPr spcFirstLastPara="1" wrap="square" lIns="91425" tIns="91425" rIns="91425" bIns="91425" anchor="ctr" anchorCtr="0">
             <a:normAutofit/>
           </a:bodyPr>
           <a:lstStyle>
@@ -3324,7 +3450,7 @@
             </a:lvl9pPr>
           </a:lstStyle>
           <a:p>
-            <a:pPr indent="0" lvl="0" marL="0" rtl="0" algn="r">
+            <a:pPr marL="0" lvl="0" indent="0" algn="r" rtl="0">
               <a:spcBef>
                 <a:spcPts val="0"/>
               </a:spcBef>
@@ -3350,11 +3476,11 @@
 </file>
 
 <file path=ppt/slideLayouts/slideLayout3.xml><?xml version="1.0" encoding="utf-8"?>
-<p:sldLayout xmlns:a="http://schemas.openxmlformats.org/drawingml/2006/main" xmlns:r="http://schemas.openxmlformats.org/officeDocument/2006/relationships" xmlns:mc="http://schemas.openxmlformats.org/markup-compatibility/2006" xmlns:mv="urn:schemas-microsoft-com:mac:vml" xmlns:p="http://schemas.openxmlformats.org/presentationml/2006/main" xmlns:c="http://schemas.openxmlformats.org/drawingml/2006/chart" xmlns:dgm="http://schemas.openxmlformats.org/drawingml/2006/diagram" xmlns:o="urn:schemas-microsoft-com:office:office" xmlns:v="urn:schemas-microsoft-com:vml" xmlns:pvml="urn:schemas-microsoft-com:office:powerpoint" xmlns:com="http://schemas.openxmlformats.org/drawingml/2006/compatibility" xmlns:p14="http://schemas.microsoft.com/office/powerpoint/2010/main" xmlns:p15="http://schemas.microsoft.com/office/powerpoint/2012/main" xmlns:ahyp="http://schemas.microsoft.com/office/drawing/2018/hyperlinkcolor" matchingName="Title and body" type="tx">
+<p:sldLayout xmlns:a="http://schemas.openxmlformats.org/drawingml/2006/main" xmlns:r="http://schemas.openxmlformats.org/officeDocument/2006/relationships" xmlns:p="http://schemas.openxmlformats.org/presentationml/2006/main" matchingName="Title and body" type="tx">
   <p:cSld name="TITLE_AND_BODY">
     <p:spTree>
       <p:nvGrpSpPr>
-        <p:cNvPr id="16" name="Shape 16"/>
+        <p:cNvPr id="1" name="Shape 16"/>
         <p:cNvGrpSpPr/>
         <p:nvPr/>
       </p:nvGrpSpPr>
@@ -3369,7 +3495,9 @@
       <p:sp>
         <p:nvSpPr>
           <p:cNvPr id="17" name="Google Shape;17;p4"/>
-          <p:cNvSpPr txBox="1"/>
+          <p:cNvSpPr txBox="1">
+            <a:spLocks noGrp="1"/>
+          </p:cNvSpPr>
           <p:nvPr>
             <p:ph type="title"/>
           </p:nvPr>
@@ -3384,7 +3512,7 @@
           </a:prstGeom>
         </p:spPr>
         <p:txBody>
-          <a:bodyPr anchorCtr="0" anchor="t" bIns="91425" lIns="91425" spcFirstLastPara="1" rIns="91425" wrap="square" tIns="91425">
+          <a:bodyPr spcFirstLastPara="1" wrap="square" lIns="91425" tIns="91425" rIns="91425" bIns="91425" anchor="t" anchorCtr="0">
             <a:normAutofit/>
           </a:bodyPr>
           <a:lstStyle>
@@ -3488,15 +3616,19 @@
               <a:defRPr/>
             </a:lvl9pPr>
           </a:lstStyle>
-          <a:p/>
+          <a:p>
+            <a:endParaRPr/>
+          </a:p>
         </p:txBody>
       </p:sp>
       <p:sp>
         <p:nvSpPr>
           <p:cNvPr id="18" name="Google Shape;18;p4"/>
-          <p:cNvSpPr txBox="1"/>
+          <p:cNvSpPr txBox="1">
+            <a:spLocks noGrp="1"/>
+          </p:cNvSpPr>
           <p:nvPr>
-            <p:ph idx="1" type="body"/>
+            <p:ph type="body" idx="1"/>
           </p:nvPr>
         </p:nvSpPr>
         <p:spPr>
@@ -3509,11 +3641,11 @@
           </a:prstGeom>
         </p:spPr>
         <p:txBody>
-          <a:bodyPr anchorCtr="0" anchor="t" bIns="91425" lIns="91425" spcFirstLastPara="1" rIns="91425" wrap="square" tIns="91425">
+          <a:bodyPr spcFirstLastPara="1" wrap="square" lIns="91425" tIns="91425" rIns="91425" bIns="91425" anchor="t" anchorCtr="0">
             <a:normAutofit/>
           </a:bodyPr>
           <a:lstStyle>
-            <a:lvl1pPr indent="-342900" lvl="0" marL="457200">
+            <a:lvl1pPr marL="457200" lvl="0" indent="-342900">
               <a:spcBef>
                 <a:spcPts val="0"/>
               </a:spcBef>
@@ -3524,7 +3656,7 @@
               <a:buChar char="●"/>
               <a:defRPr/>
             </a:lvl1pPr>
-            <a:lvl2pPr indent="-317500" lvl="1" marL="914400">
+            <a:lvl2pPr marL="914400" lvl="1" indent="-317500">
               <a:spcBef>
                 <a:spcPts val="0"/>
               </a:spcBef>
@@ -3535,7 +3667,7 @@
               <a:buChar char="○"/>
               <a:defRPr/>
             </a:lvl2pPr>
-            <a:lvl3pPr indent="-317500" lvl="2" marL="1371600">
+            <a:lvl3pPr marL="1371600" lvl="2" indent="-317500">
               <a:spcBef>
                 <a:spcPts val="0"/>
               </a:spcBef>
@@ -3546,7 +3678,7 @@
               <a:buChar char="■"/>
               <a:defRPr/>
             </a:lvl3pPr>
-            <a:lvl4pPr indent="-317500" lvl="3" marL="1828800">
+            <a:lvl4pPr marL="1828800" lvl="3" indent="-317500">
               <a:spcBef>
                 <a:spcPts val="0"/>
               </a:spcBef>
@@ -3557,7 +3689,7 @@
               <a:buChar char="●"/>
               <a:defRPr/>
             </a:lvl4pPr>
-            <a:lvl5pPr indent="-317500" lvl="4" marL="2286000">
+            <a:lvl5pPr marL="2286000" lvl="4" indent="-317500">
               <a:spcBef>
                 <a:spcPts val="0"/>
               </a:spcBef>
@@ -3568,7 +3700,7 @@
               <a:buChar char="○"/>
               <a:defRPr/>
             </a:lvl5pPr>
-            <a:lvl6pPr indent="-317500" lvl="5" marL="2743200">
+            <a:lvl6pPr marL="2743200" lvl="5" indent="-317500">
               <a:spcBef>
                 <a:spcPts val="0"/>
               </a:spcBef>
@@ -3579,7 +3711,7 @@
               <a:buChar char="■"/>
               <a:defRPr/>
             </a:lvl6pPr>
-            <a:lvl7pPr indent="-317500" lvl="6" marL="3200400">
+            <a:lvl7pPr marL="3200400" lvl="6" indent="-317500">
               <a:spcBef>
                 <a:spcPts val="0"/>
               </a:spcBef>
@@ -3590,7 +3722,7 @@
               <a:buChar char="●"/>
               <a:defRPr/>
             </a:lvl7pPr>
-            <a:lvl8pPr indent="-317500" lvl="7" marL="3657600">
+            <a:lvl8pPr marL="3657600" lvl="7" indent="-317500">
               <a:spcBef>
                 <a:spcPts val="0"/>
               </a:spcBef>
@@ -3601,7 +3733,7 @@
               <a:buChar char="○"/>
               <a:defRPr/>
             </a:lvl8pPr>
-            <a:lvl9pPr indent="-317500" lvl="8" marL="4114800">
+            <a:lvl9pPr marL="4114800" lvl="8" indent="-317500">
               <a:spcBef>
                 <a:spcPts val="0"/>
               </a:spcBef>
@@ -3613,15 +3745,19 @@
               <a:defRPr/>
             </a:lvl9pPr>
           </a:lstStyle>
-          <a:p/>
+          <a:p>
+            <a:endParaRPr/>
+          </a:p>
         </p:txBody>
       </p:sp>
       <p:sp>
         <p:nvSpPr>
           <p:cNvPr id="19" name="Google Shape;19;p4"/>
-          <p:cNvSpPr txBox="1"/>
+          <p:cNvSpPr txBox="1">
+            <a:spLocks noGrp="1"/>
+          </p:cNvSpPr>
           <p:nvPr>
-            <p:ph idx="12" type="sldNum"/>
+            <p:ph type="sldNum" idx="12"/>
           </p:nvPr>
         </p:nvSpPr>
         <p:spPr>
@@ -3634,7 +3770,7 @@
           </a:prstGeom>
         </p:spPr>
         <p:txBody>
-          <a:bodyPr anchorCtr="0" anchor="ctr" bIns="91425" lIns="91425" spcFirstLastPara="1" rIns="91425" wrap="square" tIns="91425">
+          <a:bodyPr spcFirstLastPara="1" wrap="square" lIns="91425" tIns="91425" rIns="91425" bIns="91425" anchor="ctr" anchorCtr="0">
             <a:normAutofit/>
           </a:bodyPr>
           <a:lstStyle>
@@ -3676,7 +3812,7 @@
             </a:lvl9pPr>
           </a:lstStyle>
           <a:p>
-            <a:pPr indent="0" lvl="0" marL="0" rtl="0" algn="r">
+            <a:pPr marL="0" lvl="0" indent="0" algn="r" rtl="0">
               <a:spcBef>
                 <a:spcPts val="0"/>
               </a:spcBef>
@@ -3702,11 +3838,11 @@
 </file>
 
 <file path=ppt/slideLayouts/slideLayout4.xml><?xml version="1.0" encoding="utf-8"?>
-<p:sldLayout xmlns:a="http://schemas.openxmlformats.org/drawingml/2006/main" xmlns:r="http://schemas.openxmlformats.org/officeDocument/2006/relationships" xmlns:mc="http://schemas.openxmlformats.org/markup-compatibility/2006" xmlns:mv="urn:schemas-microsoft-com:mac:vml" xmlns:p="http://schemas.openxmlformats.org/presentationml/2006/main" xmlns:c="http://schemas.openxmlformats.org/drawingml/2006/chart" xmlns:dgm="http://schemas.openxmlformats.org/drawingml/2006/diagram" xmlns:o="urn:schemas-microsoft-com:office:office" xmlns:v="urn:schemas-microsoft-com:vml" xmlns:pvml="urn:schemas-microsoft-com:office:powerpoint" xmlns:com="http://schemas.openxmlformats.org/drawingml/2006/compatibility" xmlns:p14="http://schemas.microsoft.com/office/powerpoint/2010/main" xmlns:p15="http://schemas.microsoft.com/office/powerpoint/2012/main" xmlns:ahyp="http://schemas.microsoft.com/office/drawing/2018/hyperlinkcolor" matchingName="Title and two columns" type="twoColTx">
+<p:sldLayout xmlns:a="http://schemas.openxmlformats.org/drawingml/2006/main" xmlns:r="http://schemas.openxmlformats.org/officeDocument/2006/relationships" xmlns:p="http://schemas.openxmlformats.org/presentationml/2006/main" matchingName="Title and two columns" type="twoColTx">
   <p:cSld name="TITLE_AND_TWO_COLUMNS">
     <p:spTree>
       <p:nvGrpSpPr>
-        <p:cNvPr id="20" name="Shape 20"/>
+        <p:cNvPr id="1" name="Shape 20"/>
         <p:cNvGrpSpPr/>
         <p:nvPr/>
       </p:nvGrpSpPr>
@@ -3721,7 +3857,9 @@
       <p:sp>
         <p:nvSpPr>
           <p:cNvPr id="21" name="Google Shape;21;p5"/>
-          <p:cNvSpPr txBox="1"/>
+          <p:cNvSpPr txBox="1">
+            <a:spLocks noGrp="1"/>
+          </p:cNvSpPr>
           <p:nvPr>
             <p:ph type="title"/>
           </p:nvPr>
@@ -3736,7 +3874,7 @@
           </a:prstGeom>
         </p:spPr>
         <p:txBody>
-          <a:bodyPr anchorCtr="0" anchor="t" bIns="91425" lIns="91425" spcFirstLastPara="1" rIns="91425" wrap="square" tIns="91425">
+          <a:bodyPr spcFirstLastPara="1" wrap="square" lIns="91425" tIns="91425" rIns="91425" bIns="91425" anchor="t" anchorCtr="0">
             <a:normAutofit/>
           </a:bodyPr>
           <a:lstStyle>
@@ -3840,15 +3978,19 @@
               <a:defRPr/>
             </a:lvl9pPr>
           </a:lstStyle>
-          <a:p/>
+          <a:p>
+            <a:endParaRPr/>
+          </a:p>
         </p:txBody>
       </p:sp>
       <p:sp>
         <p:nvSpPr>
           <p:cNvPr id="22" name="Google Shape;22;p5"/>
-          <p:cNvSpPr txBox="1"/>
+          <p:cNvSpPr txBox="1">
+            <a:spLocks noGrp="1"/>
+          </p:cNvSpPr>
           <p:nvPr>
-            <p:ph idx="1" type="body"/>
+            <p:ph type="body" idx="1"/>
           </p:nvPr>
         </p:nvSpPr>
         <p:spPr>
@@ -3861,11 +4003,11 @@
           </a:prstGeom>
         </p:spPr>
         <p:txBody>
-          <a:bodyPr anchorCtr="0" anchor="t" bIns="91425" lIns="91425" spcFirstLastPara="1" rIns="91425" wrap="square" tIns="91425">
+          <a:bodyPr spcFirstLastPara="1" wrap="square" lIns="91425" tIns="91425" rIns="91425" bIns="91425" anchor="t" anchorCtr="0">
             <a:normAutofit/>
           </a:bodyPr>
           <a:lstStyle>
-            <a:lvl1pPr indent="-317500" lvl="0" marL="457200">
+            <a:lvl1pPr marL="457200" lvl="0" indent="-317500">
               <a:spcBef>
                 <a:spcPts val="0"/>
               </a:spcBef>
@@ -3876,7 +4018,7 @@
               <a:buChar char="●"/>
               <a:defRPr sz="1400"/>
             </a:lvl1pPr>
-            <a:lvl2pPr indent="-304800" lvl="1" marL="914400">
+            <a:lvl2pPr marL="914400" lvl="1" indent="-304800">
               <a:spcBef>
                 <a:spcPts val="0"/>
               </a:spcBef>
@@ -3887,7 +4029,7 @@
               <a:buChar char="○"/>
               <a:defRPr sz="1200"/>
             </a:lvl2pPr>
-            <a:lvl3pPr indent="-304800" lvl="2" marL="1371600">
+            <a:lvl3pPr marL="1371600" lvl="2" indent="-304800">
               <a:spcBef>
                 <a:spcPts val="0"/>
               </a:spcBef>
@@ -3898,7 +4040,7 @@
               <a:buChar char="■"/>
               <a:defRPr sz="1200"/>
             </a:lvl3pPr>
-            <a:lvl4pPr indent="-304800" lvl="3" marL="1828800">
+            <a:lvl4pPr marL="1828800" lvl="3" indent="-304800">
               <a:spcBef>
                 <a:spcPts val="0"/>
               </a:spcBef>
@@ -3909,7 +4051,7 @@
               <a:buChar char="●"/>
               <a:defRPr sz="1200"/>
             </a:lvl4pPr>
-            <a:lvl5pPr indent="-304800" lvl="4" marL="2286000">
+            <a:lvl5pPr marL="2286000" lvl="4" indent="-304800">
               <a:spcBef>
                 <a:spcPts val="0"/>
               </a:spcBef>
@@ -3920,7 +4062,7 @@
               <a:buChar char="○"/>
               <a:defRPr sz="1200"/>
             </a:lvl5pPr>
-            <a:lvl6pPr indent="-304800" lvl="5" marL="2743200">
+            <a:lvl6pPr marL="2743200" lvl="5" indent="-304800">
               <a:spcBef>
                 <a:spcPts val="0"/>
               </a:spcBef>
@@ -3931,7 +4073,7 @@
               <a:buChar char="■"/>
               <a:defRPr sz="1200"/>
             </a:lvl6pPr>
-            <a:lvl7pPr indent="-304800" lvl="6" marL="3200400">
+            <a:lvl7pPr marL="3200400" lvl="6" indent="-304800">
               <a:spcBef>
                 <a:spcPts val="0"/>
               </a:spcBef>
@@ -3942,7 +4084,7 @@
               <a:buChar char="●"/>
               <a:defRPr sz="1200"/>
             </a:lvl7pPr>
-            <a:lvl8pPr indent="-304800" lvl="7" marL="3657600">
+            <a:lvl8pPr marL="3657600" lvl="7" indent="-304800">
               <a:spcBef>
                 <a:spcPts val="0"/>
               </a:spcBef>
@@ -3953,7 +4095,7 @@
               <a:buChar char="○"/>
               <a:defRPr sz="1200"/>
             </a:lvl8pPr>
-            <a:lvl9pPr indent="-304800" lvl="8" marL="4114800">
+            <a:lvl9pPr marL="4114800" lvl="8" indent="-304800">
               <a:spcBef>
                 <a:spcPts val="0"/>
               </a:spcBef>
@@ -3965,15 +4107,19 @@
               <a:defRPr sz="1200"/>
             </a:lvl9pPr>
           </a:lstStyle>
-          <a:p/>
+          <a:p>
+            <a:endParaRPr/>
+          </a:p>
         </p:txBody>
       </p:sp>
       <p:sp>
         <p:nvSpPr>
           <p:cNvPr id="23" name="Google Shape;23;p5"/>
-          <p:cNvSpPr txBox="1"/>
+          <p:cNvSpPr txBox="1">
+            <a:spLocks noGrp="1"/>
+          </p:cNvSpPr>
           <p:nvPr>
-            <p:ph idx="2" type="body"/>
+            <p:ph type="body" idx="2"/>
           </p:nvPr>
         </p:nvSpPr>
         <p:spPr>
@@ -3986,11 +4132,11 @@
           </a:prstGeom>
         </p:spPr>
         <p:txBody>
-          <a:bodyPr anchorCtr="0" anchor="t" bIns="91425" lIns="91425" spcFirstLastPara="1" rIns="91425" wrap="square" tIns="91425">
+          <a:bodyPr spcFirstLastPara="1" wrap="square" lIns="91425" tIns="91425" rIns="91425" bIns="91425" anchor="t" anchorCtr="0">
             <a:normAutofit/>
           </a:bodyPr>
           <a:lstStyle>
-            <a:lvl1pPr indent="-317500" lvl="0" marL="457200">
+            <a:lvl1pPr marL="457200" lvl="0" indent="-317500">
               <a:spcBef>
                 <a:spcPts val="0"/>
               </a:spcBef>
@@ -4001,7 +4147,7 @@
               <a:buChar char="●"/>
               <a:defRPr sz="1400"/>
             </a:lvl1pPr>
-            <a:lvl2pPr indent="-304800" lvl="1" marL="914400">
+            <a:lvl2pPr marL="914400" lvl="1" indent="-304800">
               <a:spcBef>
                 <a:spcPts val="0"/>
               </a:spcBef>
@@ -4012,7 +4158,7 @@
               <a:buChar char="○"/>
               <a:defRPr sz="1200"/>
             </a:lvl2pPr>
-            <a:lvl3pPr indent="-304800" lvl="2" marL="1371600">
+            <a:lvl3pPr marL="1371600" lvl="2" indent="-304800">
               <a:spcBef>
                 <a:spcPts val="0"/>
               </a:spcBef>
@@ -4023,7 +4169,7 @@
               <a:buChar char="■"/>
               <a:defRPr sz="1200"/>
             </a:lvl3pPr>
-            <a:lvl4pPr indent="-304800" lvl="3" marL="1828800">
+            <a:lvl4pPr marL="1828800" lvl="3" indent="-304800">
               <a:spcBef>
                 <a:spcPts val="0"/>
               </a:spcBef>
@@ -4034,7 +4180,7 @@
               <a:buChar char="●"/>
               <a:defRPr sz="1200"/>
             </a:lvl4pPr>
-            <a:lvl5pPr indent="-304800" lvl="4" marL="2286000">
+            <a:lvl5pPr marL="2286000" lvl="4" indent="-304800">
               <a:spcBef>
                 <a:spcPts val="0"/>
               </a:spcBef>
@@ -4045,7 +4191,7 @@
               <a:buChar char="○"/>
               <a:defRPr sz="1200"/>
             </a:lvl5pPr>
-            <a:lvl6pPr indent="-304800" lvl="5" marL="2743200">
+            <a:lvl6pPr marL="2743200" lvl="5" indent="-304800">
               <a:spcBef>
                 <a:spcPts val="0"/>
               </a:spcBef>
@@ -4056,7 +4202,7 @@
               <a:buChar char="■"/>
               <a:defRPr sz="1200"/>
             </a:lvl6pPr>
-            <a:lvl7pPr indent="-304800" lvl="6" marL="3200400">
+            <a:lvl7pPr marL="3200400" lvl="6" indent="-304800">
               <a:spcBef>
                 <a:spcPts val="0"/>
               </a:spcBef>
@@ -4067,7 +4213,7 @@
               <a:buChar char="●"/>
               <a:defRPr sz="1200"/>
             </a:lvl7pPr>
-            <a:lvl8pPr indent="-304800" lvl="7" marL="3657600">
+            <a:lvl8pPr marL="3657600" lvl="7" indent="-304800">
               <a:spcBef>
                 <a:spcPts val="0"/>
               </a:spcBef>
@@ -4078,7 +4224,7 @@
               <a:buChar char="○"/>
               <a:defRPr sz="1200"/>
             </a:lvl8pPr>
-            <a:lvl9pPr indent="-304800" lvl="8" marL="4114800">
+            <a:lvl9pPr marL="4114800" lvl="8" indent="-304800">
               <a:spcBef>
                 <a:spcPts val="0"/>
               </a:spcBef>
@@ -4090,15 +4236,19 @@
               <a:defRPr sz="1200"/>
             </a:lvl9pPr>
           </a:lstStyle>
-          <a:p/>
+          <a:p>
+            <a:endParaRPr/>
+          </a:p>
         </p:txBody>
       </p:sp>
       <p:sp>
         <p:nvSpPr>
           <p:cNvPr id="24" name="Google Shape;24;p5"/>
-          <p:cNvSpPr txBox="1"/>
+          <p:cNvSpPr txBox="1">
+            <a:spLocks noGrp="1"/>
+          </p:cNvSpPr>
           <p:nvPr>
-            <p:ph idx="12" type="sldNum"/>
+            <p:ph type="sldNum" idx="12"/>
           </p:nvPr>
         </p:nvSpPr>
         <p:spPr>
@@ -4111,7 +4261,7 @@
           </a:prstGeom>
         </p:spPr>
         <p:txBody>
-          <a:bodyPr anchorCtr="0" anchor="ctr" bIns="91425" lIns="91425" spcFirstLastPara="1" rIns="91425" wrap="square" tIns="91425">
+          <a:bodyPr spcFirstLastPara="1" wrap="square" lIns="91425" tIns="91425" rIns="91425" bIns="91425" anchor="ctr" anchorCtr="0">
             <a:normAutofit/>
           </a:bodyPr>
           <a:lstStyle>
@@ -4153,7 +4303,7 @@
             </a:lvl9pPr>
           </a:lstStyle>
           <a:p>
-            <a:pPr indent="0" lvl="0" marL="0" rtl="0" algn="r">
+            <a:pPr marL="0" lvl="0" indent="0" algn="r" rtl="0">
               <a:spcBef>
                 <a:spcPts val="0"/>
               </a:spcBef>
@@ -4179,11 +4329,11 @@
 </file>
 
 <file path=ppt/slideLayouts/slideLayout5.xml><?xml version="1.0" encoding="utf-8"?>
-<p:sldLayout xmlns:a="http://schemas.openxmlformats.org/drawingml/2006/main" xmlns:r="http://schemas.openxmlformats.org/officeDocument/2006/relationships" xmlns:mc="http://schemas.openxmlformats.org/markup-compatibility/2006" xmlns:mv="urn:schemas-microsoft-com:mac:vml" xmlns:p="http://schemas.openxmlformats.org/presentationml/2006/main" xmlns:c="http://schemas.openxmlformats.org/drawingml/2006/chart" xmlns:dgm="http://schemas.openxmlformats.org/drawingml/2006/diagram" xmlns:o="urn:schemas-microsoft-com:office:office" xmlns:v="urn:schemas-microsoft-com:vml" xmlns:pvml="urn:schemas-microsoft-com:office:powerpoint" xmlns:com="http://schemas.openxmlformats.org/drawingml/2006/compatibility" xmlns:p14="http://schemas.microsoft.com/office/powerpoint/2010/main" xmlns:p15="http://schemas.microsoft.com/office/powerpoint/2012/main" xmlns:ahyp="http://schemas.microsoft.com/office/drawing/2018/hyperlinkcolor" matchingName="Title only" type="titleOnly">
+<p:sldLayout xmlns:a="http://schemas.openxmlformats.org/drawingml/2006/main" xmlns:r="http://schemas.openxmlformats.org/officeDocument/2006/relationships" xmlns:p="http://schemas.openxmlformats.org/presentationml/2006/main" matchingName="Title only" type="titleOnly">
   <p:cSld name="TITLE_ONLY">
     <p:spTree>
       <p:nvGrpSpPr>
-        <p:cNvPr id="25" name="Shape 25"/>
+        <p:cNvPr id="1" name="Shape 25"/>
         <p:cNvGrpSpPr/>
         <p:nvPr/>
       </p:nvGrpSpPr>
@@ -4198,7 +4348,9 @@
       <p:sp>
         <p:nvSpPr>
           <p:cNvPr id="26" name="Google Shape;26;p6"/>
-          <p:cNvSpPr txBox="1"/>
+          <p:cNvSpPr txBox="1">
+            <a:spLocks noGrp="1"/>
+          </p:cNvSpPr>
           <p:nvPr>
             <p:ph type="title"/>
           </p:nvPr>
@@ -4213,7 +4365,7 @@
           </a:prstGeom>
         </p:spPr>
         <p:txBody>
-          <a:bodyPr anchorCtr="0" anchor="t" bIns="91425" lIns="91425" spcFirstLastPara="1" rIns="91425" wrap="square" tIns="91425">
+          <a:bodyPr spcFirstLastPara="1" wrap="square" lIns="91425" tIns="91425" rIns="91425" bIns="91425" anchor="t" anchorCtr="0">
             <a:normAutofit/>
           </a:bodyPr>
           <a:lstStyle>
@@ -4317,15 +4469,19 @@
               <a:defRPr/>
             </a:lvl9pPr>
           </a:lstStyle>
-          <a:p/>
+          <a:p>
+            <a:endParaRPr/>
+          </a:p>
         </p:txBody>
       </p:sp>
       <p:sp>
         <p:nvSpPr>
           <p:cNvPr id="27" name="Google Shape;27;p6"/>
-          <p:cNvSpPr txBox="1"/>
+          <p:cNvSpPr txBox="1">
+            <a:spLocks noGrp="1"/>
+          </p:cNvSpPr>
           <p:nvPr>
-            <p:ph idx="12" type="sldNum"/>
+            <p:ph type="sldNum" idx="12"/>
           </p:nvPr>
         </p:nvSpPr>
         <p:spPr>
@@ -4338,7 +4494,7 @@
           </a:prstGeom>
         </p:spPr>
         <p:txBody>
-          <a:bodyPr anchorCtr="0" anchor="ctr" bIns="91425" lIns="91425" spcFirstLastPara="1" rIns="91425" wrap="square" tIns="91425">
+          <a:bodyPr spcFirstLastPara="1" wrap="square" lIns="91425" tIns="91425" rIns="91425" bIns="91425" anchor="ctr" anchorCtr="0">
             <a:normAutofit/>
           </a:bodyPr>
           <a:lstStyle>
@@ -4380,7 +4536,7 @@
             </a:lvl9pPr>
           </a:lstStyle>
           <a:p>
-            <a:pPr indent="0" lvl="0" marL="0" rtl="0" algn="r">
+            <a:pPr marL="0" lvl="0" indent="0" algn="r" rtl="0">
               <a:spcBef>
                 <a:spcPts val="0"/>
               </a:spcBef>
@@ -4406,11 +4562,11 @@
 </file>
 
 <file path=ppt/slideLayouts/slideLayout6.xml><?xml version="1.0" encoding="utf-8"?>
-<p:sldLayout xmlns:a="http://schemas.openxmlformats.org/drawingml/2006/main" xmlns:r="http://schemas.openxmlformats.org/officeDocument/2006/relationships" xmlns:mc="http://schemas.openxmlformats.org/markup-compatibility/2006" xmlns:mv="urn:schemas-microsoft-com:mac:vml" xmlns:p="http://schemas.openxmlformats.org/presentationml/2006/main" xmlns:c="http://schemas.openxmlformats.org/drawingml/2006/chart" xmlns:dgm="http://schemas.openxmlformats.org/drawingml/2006/diagram" xmlns:o="urn:schemas-microsoft-com:office:office" xmlns:v="urn:schemas-microsoft-com:vml" xmlns:pvml="urn:schemas-microsoft-com:office:powerpoint" xmlns:com="http://schemas.openxmlformats.org/drawingml/2006/compatibility" xmlns:p14="http://schemas.microsoft.com/office/powerpoint/2010/main" xmlns:p15="http://schemas.microsoft.com/office/powerpoint/2012/main" xmlns:ahyp="http://schemas.microsoft.com/office/drawing/2018/hyperlinkcolor" matchingName="One column text">
+<p:sldLayout xmlns:a="http://schemas.openxmlformats.org/drawingml/2006/main" xmlns:r="http://schemas.openxmlformats.org/officeDocument/2006/relationships" xmlns:p="http://schemas.openxmlformats.org/presentationml/2006/main" matchingName="One column text">
   <p:cSld name="ONE_COLUMN_TEXT">
     <p:spTree>
       <p:nvGrpSpPr>
-        <p:cNvPr id="28" name="Shape 28"/>
+        <p:cNvPr id="1" name="Shape 28"/>
         <p:cNvGrpSpPr/>
         <p:nvPr/>
       </p:nvGrpSpPr>
@@ -4425,7 +4581,9 @@
       <p:sp>
         <p:nvSpPr>
           <p:cNvPr id="29" name="Google Shape;29;p7"/>
-          <p:cNvSpPr txBox="1"/>
+          <p:cNvSpPr txBox="1">
+            <a:spLocks noGrp="1"/>
+          </p:cNvSpPr>
           <p:nvPr>
             <p:ph type="title"/>
           </p:nvPr>
@@ -4440,7 +4598,7 @@
           </a:prstGeom>
         </p:spPr>
         <p:txBody>
-          <a:bodyPr anchorCtr="0" anchor="b" bIns="91425" lIns="91425" spcFirstLastPara="1" rIns="91425" wrap="square" tIns="91425">
+          <a:bodyPr spcFirstLastPara="1" wrap="square" lIns="91425" tIns="91425" rIns="91425" bIns="91425" anchor="b" anchorCtr="0">
             <a:normAutofit/>
           </a:bodyPr>
           <a:lstStyle>
@@ -4544,15 +4702,19 @@
               <a:defRPr sz="2400"/>
             </a:lvl9pPr>
           </a:lstStyle>
-          <a:p/>
+          <a:p>
+            <a:endParaRPr/>
+          </a:p>
         </p:txBody>
       </p:sp>
       <p:sp>
         <p:nvSpPr>
           <p:cNvPr id="30" name="Google Shape;30;p7"/>
-          <p:cNvSpPr txBox="1"/>
+          <p:cNvSpPr txBox="1">
+            <a:spLocks noGrp="1"/>
+          </p:cNvSpPr>
           <p:nvPr>
-            <p:ph idx="1" type="body"/>
+            <p:ph type="body" idx="1"/>
           </p:nvPr>
         </p:nvSpPr>
         <p:spPr>
@@ -4565,11 +4727,11 @@
           </a:prstGeom>
         </p:spPr>
         <p:txBody>
-          <a:bodyPr anchorCtr="0" anchor="t" bIns="91425" lIns="91425" spcFirstLastPara="1" rIns="91425" wrap="square" tIns="91425">
+          <a:bodyPr spcFirstLastPara="1" wrap="square" lIns="91425" tIns="91425" rIns="91425" bIns="91425" anchor="t" anchorCtr="0">
             <a:normAutofit/>
           </a:bodyPr>
           <a:lstStyle>
-            <a:lvl1pPr indent="-304800" lvl="0" marL="457200">
+            <a:lvl1pPr marL="457200" lvl="0" indent="-304800">
               <a:spcBef>
                 <a:spcPts val="0"/>
               </a:spcBef>
@@ -4580,7 +4742,7 @@
               <a:buChar char="●"/>
               <a:defRPr sz="1200"/>
             </a:lvl1pPr>
-            <a:lvl2pPr indent="-304800" lvl="1" marL="914400">
+            <a:lvl2pPr marL="914400" lvl="1" indent="-304800">
               <a:spcBef>
                 <a:spcPts val="0"/>
               </a:spcBef>
@@ -4591,7 +4753,7 @@
               <a:buChar char="○"/>
               <a:defRPr sz="1200"/>
             </a:lvl2pPr>
-            <a:lvl3pPr indent="-304800" lvl="2" marL="1371600">
+            <a:lvl3pPr marL="1371600" lvl="2" indent="-304800">
               <a:spcBef>
                 <a:spcPts val="0"/>
               </a:spcBef>
@@ -4602,7 +4764,7 @@
               <a:buChar char="■"/>
               <a:defRPr sz="1200"/>
             </a:lvl3pPr>
-            <a:lvl4pPr indent="-304800" lvl="3" marL="1828800">
+            <a:lvl4pPr marL="1828800" lvl="3" indent="-304800">
               <a:spcBef>
                 <a:spcPts val="0"/>
               </a:spcBef>
@@ -4613,7 +4775,7 @@
               <a:buChar char="●"/>
               <a:defRPr sz="1200"/>
             </a:lvl4pPr>
-            <a:lvl5pPr indent="-304800" lvl="4" marL="2286000">
+            <a:lvl5pPr marL="2286000" lvl="4" indent="-304800">
               <a:spcBef>
                 <a:spcPts val="0"/>
               </a:spcBef>
@@ -4624,7 +4786,7 @@
               <a:buChar char="○"/>
               <a:defRPr sz="1200"/>
             </a:lvl5pPr>
-            <a:lvl6pPr indent="-304800" lvl="5" marL="2743200">
+            <a:lvl6pPr marL="2743200" lvl="5" indent="-304800">
               <a:spcBef>
                 <a:spcPts val="0"/>
               </a:spcBef>
@@ -4635,7 +4797,7 @@
               <a:buChar char="■"/>
               <a:defRPr sz="1200"/>
             </a:lvl6pPr>
-            <a:lvl7pPr indent="-304800" lvl="6" marL="3200400">
+            <a:lvl7pPr marL="3200400" lvl="6" indent="-304800">
               <a:spcBef>
                 <a:spcPts val="0"/>
               </a:spcBef>
@@ -4646,7 +4808,7 @@
               <a:buChar char="●"/>
               <a:defRPr sz="1200"/>
             </a:lvl7pPr>
-            <a:lvl8pPr indent="-304800" lvl="7" marL="3657600">
+            <a:lvl8pPr marL="3657600" lvl="7" indent="-304800">
               <a:spcBef>
                 <a:spcPts val="0"/>
               </a:spcBef>
@@ -4657,7 +4819,7 @@
               <a:buChar char="○"/>
               <a:defRPr sz="1200"/>
             </a:lvl8pPr>
-            <a:lvl9pPr indent="-304800" lvl="8" marL="4114800">
+            <a:lvl9pPr marL="4114800" lvl="8" indent="-304800">
               <a:spcBef>
                 <a:spcPts val="0"/>
               </a:spcBef>
@@ -4669,15 +4831,19 @@
               <a:defRPr sz="1200"/>
             </a:lvl9pPr>
           </a:lstStyle>
-          <a:p/>
+          <a:p>
+            <a:endParaRPr/>
+          </a:p>
         </p:txBody>
       </p:sp>
       <p:sp>
         <p:nvSpPr>
           <p:cNvPr id="31" name="Google Shape;31;p7"/>
-          <p:cNvSpPr txBox="1"/>
+          <p:cNvSpPr txBox="1">
+            <a:spLocks noGrp="1"/>
+          </p:cNvSpPr>
           <p:nvPr>
-            <p:ph idx="12" type="sldNum"/>
+            <p:ph type="sldNum" idx="12"/>
           </p:nvPr>
         </p:nvSpPr>
         <p:spPr>
@@ -4690,7 +4856,7 @@
           </a:prstGeom>
         </p:spPr>
         <p:txBody>
-          <a:bodyPr anchorCtr="0" anchor="ctr" bIns="91425" lIns="91425" spcFirstLastPara="1" rIns="91425" wrap="square" tIns="91425">
+          <a:bodyPr spcFirstLastPara="1" wrap="square" lIns="91425" tIns="91425" rIns="91425" bIns="91425" anchor="ctr" anchorCtr="0">
             <a:normAutofit/>
           </a:bodyPr>
           <a:lstStyle>
@@ -4732,7 +4898,7 @@
             </a:lvl9pPr>
           </a:lstStyle>
           <a:p>
-            <a:pPr indent="0" lvl="0" marL="0" rtl="0" algn="r">
+            <a:pPr marL="0" lvl="0" indent="0" algn="r" rtl="0">
               <a:spcBef>
                 <a:spcPts val="0"/>
               </a:spcBef>
@@ -4758,11 +4924,11 @@
 </file>
 
 <file path=ppt/slideLayouts/slideLayout7.xml><?xml version="1.0" encoding="utf-8"?>
-<p:sldLayout xmlns:a="http://schemas.openxmlformats.org/drawingml/2006/main" xmlns:r="http://schemas.openxmlformats.org/officeDocument/2006/relationships" xmlns:mc="http://schemas.openxmlformats.org/markup-compatibility/2006" xmlns:mv="urn:schemas-microsoft-com:mac:vml" xmlns:p="http://schemas.openxmlformats.org/presentationml/2006/main" xmlns:c="http://schemas.openxmlformats.org/drawingml/2006/chart" xmlns:dgm="http://schemas.openxmlformats.org/drawingml/2006/diagram" xmlns:o="urn:schemas-microsoft-com:office:office" xmlns:v="urn:schemas-microsoft-com:vml" xmlns:pvml="urn:schemas-microsoft-com:office:powerpoint" xmlns:com="http://schemas.openxmlformats.org/drawingml/2006/compatibility" xmlns:p14="http://schemas.microsoft.com/office/powerpoint/2010/main" xmlns:p15="http://schemas.microsoft.com/office/powerpoint/2012/main" xmlns:ahyp="http://schemas.microsoft.com/office/drawing/2018/hyperlinkcolor" matchingName="Main point">
+<p:sldLayout xmlns:a="http://schemas.openxmlformats.org/drawingml/2006/main" xmlns:r="http://schemas.openxmlformats.org/officeDocument/2006/relationships" xmlns:p="http://schemas.openxmlformats.org/presentationml/2006/main" matchingName="Main point">
   <p:cSld name="MAIN_POINT">
     <p:spTree>
       <p:nvGrpSpPr>
-        <p:cNvPr id="32" name="Shape 32"/>
+        <p:cNvPr id="1" name="Shape 32"/>
         <p:cNvGrpSpPr/>
         <p:nvPr/>
       </p:nvGrpSpPr>
@@ -4777,7 +4943,9 @@
       <p:sp>
         <p:nvSpPr>
           <p:cNvPr id="33" name="Google Shape;33;p8"/>
-          <p:cNvSpPr txBox="1"/>
+          <p:cNvSpPr txBox="1">
+            <a:spLocks noGrp="1"/>
+          </p:cNvSpPr>
           <p:nvPr>
             <p:ph type="title"/>
           </p:nvPr>
@@ -4792,7 +4960,7 @@
           </a:prstGeom>
         </p:spPr>
         <p:txBody>
-          <a:bodyPr anchorCtr="0" anchor="ctr" bIns="91425" lIns="91425" spcFirstLastPara="1" rIns="91425" wrap="square" tIns="91425">
+          <a:bodyPr spcFirstLastPara="1" wrap="square" lIns="91425" tIns="91425" rIns="91425" bIns="91425" anchor="ctr" anchorCtr="0">
             <a:normAutofit/>
           </a:bodyPr>
           <a:lstStyle>
@@ -4896,15 +5064,19 @@
               <a:defRPr sz="4800"/>
             </a:lvl9pPr>
           </a:lstStyle>
-          <a:p/>
+          <a:p>
+            <a:endParaRPr/>
+          </a:p>
         </p:txBody>
       </p:sp>
       <p:sp>
         <p:nvSpPr>
           <p:cNvPr id="34" name="Google Shape;34;p8"/>
-          <p:cNvSpPr txBox="1"/>
+          <p:cNvSpPr txBox="1">
+            <a:spLocks noGrp="1"/>
+          </p:cNvSpPr>
           <p:nvPr>
-            <p:ph idx="12" type="sldNum"/>
+            <p:ph type="sldNum" idx="12"/>
           </p:nvPr>
         </p:nvSpPr>
         <p:spPr>
@@ -4917,7 +5089,7 @@
           </a:prstGeom>
         </p:spPr>
         <p:txBody>
-          <a:bodyPr anchorCtr="0" anchor="ctr" bIns="91425" lIns="91425" spcFirstLastPara="1" rIns="91425" wrap="square" tIns="91425">
+          <a:bodyPr spcFirstLastPara="1" wrap="square" lIns="91425" tIns="91425" rIns="91425" bIns="91425" anchor="ctr" anchorCtr="0">
             <a:normAutofit/>
           </a:bodyPr>
           <a:lstStyle>
@@ -4959,7 +5131,7 @@
             </a:lvl9pPr>
           </a:lstStyle>
           <a:p>
-            <a:pPr indent="0" lvl="0" marL="0" rtl="0" algn="r">
+            <a:pPr marL="0" lvl="0" indent="0" algn="r" rtl="0">
               <a:spcBef>
                 <a:spcPts val="0"/>
               </a:spcBef>
@@ -4985,11 +5157,11 @@
 </file>
 
 <file path=ppt/slideLayouts/slideLayout8.xml><?xml version="1.0" encoding="utf-8"?>
-<p:sldLayout xmlns:a="http://schemas.openxmlformats.org/drawingml/2006/main" xmlns:r="http://schemas.openxmlformats.org/officeDocument/2006/relationships" xmlns:mc="http://schemas.openxmlformats.org/markup-compatibility/2006" xmlns:mv="urn:schemas-microsoft-com:mac:vml" xmlns:p="http://schemas.openxmlformats.org/presentationml/2006/main" xmlns:c="http://schemas.openxmlformats.org/drawingml/2006/chart" xmlns:dgm="http://schemas.openxmlformats.org/drawingml/2006/diagram" xmlns:o="urn:schemas-microsoft-com:office:office" xmlns:v="urn:schemas-microsoft-com:vml" xmlns:pvml="urn:schemas-microsoft-com:office:powerpoint" xmlns:com="http://schemas.openxmlformats.org/drawingml/2006/compatibility" xmlns:p14="http://schemas.microsoft.com/office/powerpoint/2010/main" xmlns:p15="http://schemas.microsoft.com/office/powerpoint/2012/main" xmlns:ahyp="http://schemas.microsoft.com/office/drawing/2018/hyperlinkcolor" matchingName="Section title and description">
+<p:sldLayout xmlns:a="http://schemas.openxmlformats.org/drawingml/2006/main" xmlns:r="http://schemas.openxmlformats.org/officeDocument/2006/relationships" xmlns:p="http://schemas.openxmlformats.org/presentationml/2006/main" matchingName="Section title and description">
   <p:cSld name="SECTION_TITLE_AND_DESCRIPTION">
     <p:spTree>
       <p:nvGrpSpPr>
-        <p:cNvPr id="35" name="Shape 35"/>
+        <p:cNvPr id="1" name="Shape 35"/>
         <p:cNvGrpSpPr/>
         <p:nvPr/>
       </p:nvGrpSpPr>
@@ -5023,12 +5195,12 @@
           </a:ln>
         </p:spPr>
         <p:txBody>
-          <a:bodyPr anchorCtr="0" anchor="ctr" bIns="91425" lIns="91425" spcFirstLastPara="1" rIns="91425" wrap="square" tIns="91425">
+          <a:bodyPr spcFirstLastPara="1" wrap="square" lIns="91425" tIns="91425" rIns="91425" bIns="91425" anchor="ctr" anchorCtr="0">
             <a:noAutofit/>
           </a:bodyPr>
           <a:lstStyle/>
           <a:p>
-            <a:pPr indent="0" lvl="0" marL="0" rtl="0" algn="l">
+            <a:pPr marL="0" lvl="0" indent="0" algn="l" rtl="0">
               <a:spcBef>
                 <a:spcPts val="0"/>
               </a:spcBef>
@@ -5037,9 +5209,6 @@
               </a:spcAft>
               <a:buNone/>
             </a:pPr>
-            <a:r>
-              <a:t/>
-            </a:r>
             <a:endParaRPr/>
           </a:p>
         </p:txBody>
@@ -5047,7 +5216,9 @@
       <p:sp>
         <p:nvSpPr>
           <p:cNvPr id="37" name="Google Shape;37;p9"/>
-          <p:cNvSpPr txBox="1"/>
+          <p:cNvSpPr txBox="1">
+            <a:spLocks noGrp="1"/>
+          </p:cNvSpPr>
           <p:nvPr>
             <p:ph type="title"/>
           </p:nvPr>
@@ -5062,7 +5233,7 @@
           </a:prstGeom>
         </p:spPr>
         <p:txBody>
-          <a:bodyPr anchorCtr="0" anchor="b" bIns="91425" lIns="91425" spcFirstLastPara="1" rIns="91425" wrap="square" tIns="91425">
+          <a:bodyPr spcFirstLastPara="1" wrap="square" lIns="91425" tIns="91425" rIns="91425" bIns="91425" anchor="b" anchorCtr="0">
             <a:normAutofit/>
           </a:bodyPr>
           <a:lstStyle>
@@ -5166,15 +5337,19 @@
               <a:defRPr sz="4200"/>
             </a:lvl9pPr>
           </a:lstStyle>
-          <a:p/>
+          <a:p>
+            <a:endParaRPr/>
+          </a:p>
         </p:txBody>
       </p:sp>
       <p:sp>
         <p:nvSpPr>
           <p:cNvPr id="38" name="Google Shape;38;p9"/>
-          <p:cNvSpPr txBox="1"/>
+          <p:cNvSpPr txBox="1">
+            <a:spLocks noGrp="1"/>
+          </p:cNvSpPr>
           <p:nvPr>
-            <p:ph idx="1" type="subTitle"/>
+            <p:ph type="subTitle" idx="1"/>
           </p:nvPr>
         </p:nvSpPr>
         <p:spPr>
@@ -5187,7 +5362,7 @@
           </a:prstGeom>
         </p:spPr>
         <p:txBody>
-          <a:bodyPr anchorCtr="0" anchor="t" bIns="91425" lIns="91425" spcFirstLastPara="1" rIns="91425" wrap="square" tIns="91425">
+          <a:bodyPr spcFirstLastPara="1" wrap="square" lIns="91425" tIns="91425" rIns="91425" bIns="91425" anchor="t" anchorCtr="0">
             <a:normAutofit/>
           </a:bodyPr>
           <a:lstStyle>
@@ -5318,15 +5493,19 @@
               <a:defRPr sz="2100"/>
             </a:lvl9pPr>
           </a:lstStyle>
-          <a:p/>
+          <a:p>
+            <a:endParaRPr/>
+          </a:p>
         </p:txBody>
       </p:sp>
       <p:sp>
         <p:nvSpPr>
           <p:cNvPr id="39" name="Google Shape;39;p9"/>
-          <p:cNvSpPr txBox="1"/>
+          <p:cNvSpPr txBox="1">
+            <a:spLocks noGrp="1"/>
+          </p:cNvSpPr>
           <p:nvPr>
-            <p:ph idx="2" type="body"/>
+            <p:ph type="body" idx="2"/>
           </p:nvPr>
         </p:nvSpPr>
         <p:spPr>
@@ -5339,11 +5518,11 @@
           </a:prstGeom>
         </p:spPr>
         <p:txBody>
-          <a:bodyPr anchorCtr="0" anchor="ctr" bIns="91425" lIns="91425" spcFirstLastPara="1" rIns="91425" wrap="square" tIns="91425">
+          <a:bodyPr spcFirstLastPara="1" wrap="square" lIns="91425" tIns="91425" rIns="91425" bIns="91425" anchor="ctr" anchorCtr="0">
             <a:normAutofit/>
           </a:bodyPr>
           <a:lstStyle>
-            <a:lvl1pPr indent="-342900" lvl="0" marL="457200">
+            <a:lvl1pPr marL="457200" lvl="0" indent="-342900">
               <a:spcBef>
                 <a:spcPts val="0"/>
               </a:spcBef>
@@ -5354,7 +5533,7 @@
               <a:buChar char="●"/>
               <a:defRPr/>
             </a:lvl1pPr>
-            <a:lvl2pPr indent="-317500" lvl="1" marL="914400">
+            <a:lvl2pPr marL="914400" lvl="1" indent="-317500">
               <a:spcBef>
                 <a:spcPts val="0"/>
               </a:spcBef>
@@ -5365,7 +5544,7 @@
               <a:buChar char="○"/>
               <a:defRPr/>
             </a:lvl2pPr>
-            <a:lvl3pPr indent="-317500" lvl="2" marL="1371600">
+            <a:lvl3pPr marL="1371600" lvl="2" indent="-317500">
               <a:spcBef>
                 <a:spcPts val="0"/>
               </a:spcBef>
@@ -5376,7 +5555,7 @@
               <a:buChar char="■"/>
               <a:defRPr/>
             </a:lvl3pPr>
-            <a:lvl4pPr indent="-317500" lvl="3" marL="1828800">
+            <a:lvl4pPr marL="1828800" lvl="3" indent="-317500">
               <a:spcBef>
                 <a:spcPts val="0"/>
               </a:spcBef>
@@ -5387,7 +5566,7 @@
               <a:buChar char="●"/>
               <a:defRPr/>
             </a:lvl4pPr>
-            <a:lvl5pPr indent="-317500" lvl="4" marL="2286000">
+            <a:lvl5pPr marL="2286000" lvl="4" indent="-317500">
               <a:spcBef>
                 <a:spcPts val="0"/>
               </a:spcBef>
@@ -5398,7 +5577,7 @@
               <a:buChar char="○"/>
               <a:defRPr/>
             </a:lvl5pPr>
-            <a:lvl6pPr indent="-317500" lvl="5" marL="2743200">
+            <a:lvl6pPr marL="2743200" lvl="5" indent="-317500">
               <a:spcBef>
                 <a:spcPts val="0"/>
               </a:spcBef>
@@ -5409,7 +5588,7 @@
               <a:buChar char="■"/>
               <a:defRPr/>
             </a:lvl6pPr>
-            <a:lvl7pPr indent="-317500" lvl="6" marL="3200400">
+            <a:lvl7pPr marL="3200400" lvl="6" indent="-317500">
               <a:spcBef>
                 <a:spcPts val="0"/>
               </a:spcBef>
@@ -5420,7 +5599,7 @@
               <a:buChar char="●"/>
               <a:defRPr/>
             </a:lvl7pPr>
-            <a:lvl8pPr indent="-317500" lvl="7" marL="3657600">
+            <a:lvl8pPr marL="3657600" lvl="7" indent="-317500">
               <a:spcBef>
                 <a:spcPts val="0"/>
               </a:spcBef>
@@ -5431,7 +5610,7 @@
               <a:buChar char="○"/>
               <a:defRPr/>
             </a:lvl8pPr>
-            <a:lvl9pPr indent="-317500" lvl="8" marL="4114800">
+            <a:lvl9pPr marL="4114800" lvl="8" indent="-317500">
               <a:spcBef>
                 <a:spcPts val="0"/>
               </a:spcBef>
@@ -5443,15 +5622,19 @@
               <a:defRPr/>
             </a:lvl9pPr>
           </a:lstStyle>
-          <a:p/>
+          <a:p>
+            <a:endParaRPr/>
+          </a:p>
         </p:txBody>
       </p:sp>
       <p:sp>
         <p:nvSpPr>
           <p:cNvPr id="40" name="Google Shape;40;p9"/>
-          <p:cNvSpPr txBox="1"/>
+          <p:cNvSpPr txBox="1">
+            <a:spLocks noGrp="1"/>
+          </p:cNvSpPr>
           <p:nvPr>
-            <p:ph idx="12" type="sldNum"/>
+            <p:ph type="sldNum" idx="12"/>
           </p:nvPr>
         </p:nvSpPr>
         <p:spPr>
@@ -5464,7 +5647,7 @@
           </a:prstGeom>
         </p:spPr>
         <p:txBody>
-          <a:bodyPr anchorCtr="0" anchor="ctr" bIns="91425" lIns="91425" spcFirstLastPara="1" rIns="91425" wrap="square" tIns="91425">
+          <a:bodyPr spcFirstLastPara="1" wrap="square" lIns="91425" tIns="91425" rIns="91425" bIns="91425" anchor="ctr" anchorCtr="0">
             <a:normAutofit/>
           </a:bodyPr>
           <a:lstStyle>
@@ -5506,7 +5689,7 @@
             </a:lvl9pPr>
           </a:lstStyle>
           <a:p>
-            <a:pPr indent="0" lvl="0" marL="0" rtl="0" algn="r">
+            <a:pPr marL="0" lvl="0" indent="0" algn="r" rtl="0">
               <a:spcBef>
                 <a:spcPts val="0"/>
               </a:spcBef>
@@ -5532,11 +5715,11 @@
 </file>
 
 <file path=ppt/slideLayouts/slideLayout9.xml><?xml version="1.0" encoding="utf-8"?>
-<p:sldLayout xmlns:a="http://schemas.openxmlformats.org/drawingml/2006/main" xmlns:r="http://schemas.openxmlformats.org/officeDocument/2006/relationships" xmlns:mc="http://schemas.openxmlformats.org/markup-compatibility/2006" xmlns:mv="urn:schemas-microsoft-com:mac:vml" xmlns:p="http://schemas.openxmlformats.org/presentationml/2006/main" xmlns:c="http://schemas.openxmlformats.org/drawingml/2006/chart" xmlns:dgm="http://schemas.openxmlformats.org/drawingml/2006/diagram" xmlns:o="urn:schemas-microsoft-com:office:office" xmlns:v="urn:schemas-microsoft-com:vml" xmlns:pvml="urn:schemas-microsoft-com:office:powerpoint" xmlns:com="http://schemas.openxmlformats.org/drawingml/2006/compatibility" xmlns:p14="http://schemas.microsoft.com/office/powerpoint/2010/main" xmlns:p15="http://schemas.microsoft.com/office/powerpoint/2012/main" xmlns:ahyp="http://schemas.microsoft.com/office/drawing/2018/hyperlinkcolor" matchingName="Caption">
+<p:sldLayout xmlns:a="http://schemas.openxmlformats.org/drawingml/2006/main" xmlns:r="http://schemas.openxmlformats.org/officeDocument/2006/relationships" xmlns:p="http://schemas.openxmlformats.org/presentationml/2006/main" matchingName="Caption">
   <p:cSld name="CAPTION_ONLY">
     <p:spTree>
       <p:nvGrpSpPr>
-        <p:cNvPr id="41" name="Shape 41"/>
+        <p:cNvPr id="1" name="Shape 41"/>
         <p:cNvGrpSpPr/>
         <p:nvPr/>
       </p:nvGrpSpPr>
@@ -5551,9 +5734,11 @@
       <p:sp>
         <p:nvSpPr>
           <p:cNvPr id="42" name="Google Shape;42;p10"/>
-          <p:cNvSpPr txBox="1"/>
+          <p:cNvSpPr txBox="1">
+            <a:spLocks noGrp="1"/>
+          </p:cNvSpPr>
           <p:nvPr>
-            <p:ph idx="1" type="body"/>
+            <p:ph type="body" idx="1"/>
           </p:nvPr>
         </p:nvSpPr>
         <p:spPr>
@@ -5566,11 +5751,11 @@
           </a:prstGeom>
         </p:spPr>
         <p:txBody>
-          <a:bodyPr anchorCtr="0" anchor="ctr" bIns="91425" lIns="91425" spcFirstLastPara="1" rIns="91425" wrap="square" tIns="91425">
+          <a:bodyPr spcFirstLastPara="1" wrap="square" lIns="91425" tIns="91425" rIns="91425" bIns="91425" anchor="ctr" anchorCtr="0">
             <a:normAutofit/>
           </a:bodyPr>
           <a:lstStyle>
-            <a:lvl1pPr indent="-228600" lvl="0" marL="457200">
+            <a:lvl1pPr marL="457200" lvl="0" indent="-228600">
               <a:lnSpc>
                 <a:spcPct val="100000"/>
               </a:lnSpc>
@@ -5585,15 +5770,19 @@
               <a:defRPr/>
             </a:lvl1pPr>
           </a:lstStyle>
-          <a:p/>
+          <a:p>
+            <a:endParaRPr/>
+          </a:p>
         </p:txBody>
       </p:sp>
       <p:sp>
         <p:nvSpPr>
           <p:cNvPr id="43" name="Google Shape;43;p10"/>
-          <p:cNvSpPr txBox="1"/>
+          <p:cNvSpPr txBox="1">
+            <a:spLocks noGrp="1"/>
+          </p:cNvSpPr>
           <p:nvPr>
-            <p:ph idx="12" type="sldNum"/>
+            <p:ph type="sldNum" idx="12"/>
           </p:nvPr>
         </p:nvSpPr>
         <p:spPr>
@@ -5606,7 +5795,7 @@
           </a:prstGeom>
         </p:spPr>
         <p:txBody>
-          <a:bodyPr anchorCtr="0" anchor="ctr" bIns="91425" lIns="91425" spcFirstLastPara="1" rIns="91425" wrap="square" tIns="91425">
+          <a:bodyPr spcFirstLastPara="1" wrap="square" lIns="91425" tIns="91425" rIns="91425" bIns="91425" anchor="ctr" anchorCtr="0">
             <a:normAutofit/>
           </a:bodyPr>
           <a:lstStyle>
@@ -5648,7 +5837,7 @@
             </a:lvl9pPr>
           </a:lstStyle>
           <a:p>
-            <a:pPr indent="0" lvl="0" marL="0" rtl="0" algn="r">
+            <a:pPr marL="0" lvl="0" indent="0" algn="r" rtl="0">
               <a:spcBef>
                 <a:spcPts val="0"/>
               </a:spcBef>
@@ -5674,18 +5863,19 @@
 </file>
 
 <file path=ppt/slideMasters/slideMaster1.xml><?xml version="1.0" encoding="utf-8"?>
-<p:sldMaster xmlns:a="http://schemas.openxmlformats.org/drawingml/2006/main" xmlns:r="http://schemas.openxmlformats.org/officeDocument/2006/relationships" xmlns:mc="http://schemas.openxmlformats.org/markup-compatibility/2006" xmlns:mv="urn:schemas-microsoft-com:mac:vml" xmlns:p="http://schemas.openxmlformats.org/presentationml/2006/main" xmlns:c="http://schemas.openxmlformats.org/drawingml/2006/chart" xmlns:dgm="http://schemas.openxmlformats.org/drawingml/2006/diagram" xmlns:o="urn:schemas-microsoft-com:office:office" xmlns:v="urn:schemas-microsoft-com:vml" xmlns:pvml="urn:schemas-microsoft-com:office:powerpoint" xmlns:com="http://schemas.openxmlformats.org/drawingml/2006/compatibility" xmlns:p14="http://schemas.microsoft.com/office/powerpoint/2010/main" xmlns:p15="http://schemas.microsoft.com/office/powerpoint/2012/main" xmlns:ahyp="http://schemas.microsoft.com/office/drawing/2018/hyperlinkcolor">
+<p:sldMaster xmlns:a="http://schemas.openxmlformats.org/drawingml/2006/main" xmlns:r="http://schemas.openxmlformats.org/officeDocument/2006/relationships" xmlns:p="http://schemas.openxmlformats.org/presentationml/2006/main">
   <p:cSld name="simple-light-2">
     <p:bg>
       <p:bgPr>
         <a:solidFill>
           <a:schemeClr val="lt1"/>
         </a:solidFill>
+        <a:effectLst/>
       </p:bgPr>
     </p:bg>
     <p:spTree>
       <p:nvGrpSpPr>
-        <p:cNvPr id="5" name="Shape 5"/>
+        <p:cNvPr id="1" name="Shape 5"/>
         <p:cNvGrpSpPr/>
         <p:nvPr/>
       </p:nvGrpSpPr>
@@ -5700,7 +5890,9 @@
       <p:sp>
         <p:nvSpPr>
           <p:cNvPr id="6" name="Google Shape;6;p1"/>
-          <p:cNvSpPr txBox="1"/>
+          <p:cNvSpPr txBox="1">
+            <a:spLocks noGrp="1"/>
+          </p:cNvSpPr>
           <p:nvPr>
             <p:ph type="title"/>
           </p:nvPr>
@@ -5719,7 +5911,7 @@
           </a:ln>
         </p:spPr>
         <p:txBody>
-          <a:bodyPr anchorCtr="0" anchor="t" bIns="91425" lIns="91425" spcFirstLastPara="1" rIns="91425" wrap="square" tIns="91425">
+          <a:bodyPr spcFirstLastPara="1" wrap="square" lIns="91425" tIns="91425" rIns="91425" bIns="91425" anchor="t" anchorCtr="0">
             <a:normAutofit/>
           </a:bodyPr>
           <a:lstStyle>
@@ -5886,15 +6078,19 @@
               </a:defRPr>
             </a:lvl9pPr>
           </a:lstStyle>
-          <a:p/>
+          <a:p>
+            <a:endParaRPr/>
+          </a:p>
         </p:txBody>
       </p:sp>
       <p:sp>
         <p:nvSpPr>
           <p:cNvPr id="7" name="Google Shape;7;p1"/>
-          <p:cNvSpPr txBox="1"/>
+          <p:cNvSpPr txBox="1">
+            <a:spLocks noGrp="1"/>
+          </p:cNvSpPr>
           <p:nvPr>
-            <p:ph idx="1" type="body"/>
+            <p:ph type="body" idx="1"/>
           </p:nvPr>
         </p:nvSpPr>
         <p:spPr>
@@ -5911,11 +6107,11 @@
           </a:ln>
         </p:spPr>
         <p:txBody>
-          <a:bodyPr anchorCtr="0" anchor="t" bIns="91425" lIns="91425" spcFirstLastPara="1" rIns="91425" wrap="square" tIns="91425">
+          <a:bodyPr spcFirstLastPara="1" wrap="square" lIns="91425" tIns="91425" rIns="91425" bIns="91425" anchor="t" anchorCtr="0">
             <a:normAutofit/>
           </a:bodyPr>
           <a:lstStyle>
-            <a:lvl1pPr indent="-342900" lvl="0" marL="457200">
+            <a:lvl1pPr marL="457200" lvl="0" indent="-342900">
               <a:lnSpc>
                 <a:spcPct val="115000"/>
               </a:lnSpc>
@@ -5936,7 +6132,7 @@
                 </a:solidFill>
               </a:defRPr>
             </a:lvl1pPr>
-            <a:lvl2pPr indent="-317500" lvl="1" marL="914400">
+            <a:lvl2pPr marL="914400" lvl="1" indent="-317500">
               <a:lnSpc>
                 <a:spcPct val="115000"/>
               </a:lnSpc>
@@ -5957,7 +6153,7 @@
                 </a:solidFill>
               </a:defRPr>
             </a:lvl2pPr>
-            <a:lvl3pPr indent="-317500" lvl="2" marL="1371600">
+            <a:lvl3pPr marL="1371600" lvl="2" indent="-317500">
               <a:lnSpc>
                 <a:spcPct val="115000"/>
               </a:lnSpc>
@@ -5978,7 +6174,7 @@
                 </a:solidFill>
               </a:defRPr>
             </a:lvl3pPr>
-            <a:lvl4pPr indent="-317500" lvl="3" marL="1828800">
+            <a:lvl4pPr marL="1828800" lvl="3" indent="-317500">
               <a:lnSpc>
                 <a:spcPct val="115000"/>
               </a:lnSpc>
@@ -5999,7 +6195,7 @@
                 </a:solidFill>
               </a:defRPr>
             </a:lvl4pPr>
-            <a:lvl5pPr indent="-317500" lvl="4" marL="2286000">
+            <a:lvl5pPr marL="2286000" lvl="4" indent="-317500">
               <a:lnSpc>
                 <a:spcPct val="115000"/>
               </a:lnSpc>
@@ -6020,7 +6216,7 @@
                 </a:solidFill>
               </a:defRPr>
             </a:lvl5pPr>
-            <a:lvl6pPr indent="-317500" lvl="5" marL="2743200">
+            <a:lvl6pPr marL="2743200" lvl="5" indent="-317500">
               <a:lnSpc>
                 <a:spcPct val="115000"/>
               </a:lnSpc>
@@ -6041,7 +6237,7 @@
                 </a:solidFill>
               </a:defRPr>
             </a:lvl6pPr>
-            <a:lvl7pPr indent="-317500" lvl="6" marL="3200400">
+            <a:lvl7pPr marL="3200400" lvl="6" indent="-317500">
               <a:lnSpc>
                 <a:spcPct val="115000"/>
               </a:lnSpc>
@@ -6062,7 +6258,7 @@
                 </a:solidFill>
               </a:defRPr>
             </a:lvl7pPr>
-            <a:lvl8pPr indent="-317500" lvl="7" marL="3657600">
+            <a:lvl8pPr marL="3657600" lvl="7" indent="-317500">
               <a:lnSpc>
                 <a:spcPct val="115000"/>
               </a:lnSpc>
@@ -6083,7 +6279,7 @@
                 </a:solidFill>
               </a:defRPr>
             </a:lvl8pPr>
-            <a:lvl9pPr indent="-317500" lvl="8" marL="4114800">
+            <a:lvl9pPr marL="4114800" lvl="8" indent="-317500">
               <a:lnSpc>
                 <a:spcPct val="115000"/>
               </a:lnSpc>
@@ -6105,15 +6301,19 @@
               </a:defRPr>
             </a:lvl9pPr>
           </a:lstStyle>
-          <a:p/>
+          <a:p>
+            <a:endParaRPr/>
+          </a:p>
         </p:txBody>
       </p:sp>
       <p:sp>
         <p:nvSpPr>
           <p:cNvPr id="8" name="Google Shape;8;p1"/>
-          <p:cNvSpPr txBox="1"/>
+          <p:cNvSpPr txBox="1">
+            <a:spLocks noGrp="1"/>
+          </p:cNvSpPr>
           <p:nvPr>
-            <p:ph idx="12" type="sldNum"/>
+            <p:ph type="sldNum" idx="12"/>
           </p:nvPr>
         </p:nvSpPr>
         <p:spPr>
@@ -6130,7 +6330,7 @@
           </a:ln>
         </p:spPr>
         <p:txBody>
-          <a:bodyPr anchorCtr="0" anchor="ctr" bIns="91425" lIns="91425" spcFirstLastPara="1" rIns="91425" wrap="square" tIns="91425">
+          <a:bodyPr spcFirstLastPara="1" wrap="square" lIns="91425" tIns="91425" rIns="91425" bIns="91425" anchor="ctr" anchorCtr="0">
             <a:normAutofit/>
           </a:bodyPr>
           <a:lstStyle>
@@ -6208,7 +6408,7 @@
             </a:lvl9pPr>
           </a:lstStyle>
           <a:p>
-            <a:pPr indent="0" lvl="0" marL="0" rtl="0" algn="r">
+            <a:pPr marL="0" lvl="0" indent="0" algn="r" rtl="0">
               <a:spcBef>
                 <a:spcPts val="0"/>
               </a:spcBef>
@@ -6227,7 +6427,7 @@
       </p:sp>
     </p:spTree>
   </p:cSld>
-  <p:clrMap accent1="accent1" accent2="accent2" accent3="accent3" accent4="accent4" accent5="accent5" accent6="accent6" bg1="lt1" bg2="dk2" tx1="dk1" tx2="lt2" folHlink="folHlink" hlink="hlink"/>
+  <p:clrMap bg1="lt1" tx1="dk1" bg2="dk2" tx2="lt2" accent1="accent1" accent2="accent2" accent3="accent3" accent4="accent4" accent5="accent5" accent6="accent6" hlink="hlink" folHlink="folHlink"/>
   <p:sldLayoutIdLst>
     <p:sldLayoutId id="2147483648" r:id="rId1"/>
     <p:sldLayoutId id="2147483649" r:id="rId2"/>
@@ -6241,10 +6441,10 @@
     <p:sldLayoutId id="2147483657" r:id="rId10"/>
     <p:sldLayoutId id="2147483658" r:id="rId11"/>
   </p:sldLayoutIdLst>
-  <p:hf dt="0" ftr="0" hdr="0" sldNum="0"/>
+  <p:hf sldNum="0" hdr="0" ftr="0" dt="0"/>
   <p:txStyles>
     <p:titleStyle>
-      <a:defPPr lvl="0" marR="0" rtl="0" algn="l">
+      <a:defPPr marR="0" lvl="0" algn="l" rtl="0">
         <a:lnSpc>
           <a:spcPct val="100000"/>
         </a:lnSpc>
@@ -6255,7 +6455,7 @@
           <a:spcPts val="0"/>
         </a:spcAft>
       </a:defPPr>
-      <a:lvl1pPr lvl="0" marR="0" rtl="0" algn="l">
+      <a:lvl1pPr marR="0" lvl="0" algn="l" rtl="0">
         <a:lnSpc>
           <a:spcPct val="100000"/>
         </a:lnSpc>
@@ -6269,7 +6469,7 @@
           <a:srgbClr val="000000"/>
         </a:buClr>
         <a:buFont typeface="Arial"/>
-        <a:defRPr b="0" i="0" sz="1400" u="none" cap="none" strike="noStrike">
+        <a:defRPr sz="1400" b="0" i="0" u="none" strike="noStrike" cap="none">
           <a:solidFill>
             <a:srgbClr val="000000"/>
           </a:solidFill>
@@ -6279,7 +6479,7 @@
           <a:sym typeface="Arial"/>
         </a:defRPr>
       </a:lvl1pPr>
-      <a:lvl2pPr lvl="1" marR="0" rtl="0" algn="l">
+      <a:lvl2pPr marR="0" lvl="1" algn="l" rtl="0">
         <a:lnSpc>
           <a:spcPct val="100000"/>
         </a:lnSpc>
@@ -6293,7 +6493,7 @@
           <a:srgbClr val="000000"/>
         </a:buClr>
         <a:buFont typeface="Arial"/>
-        <a:defRPr b="0" i="0" sz="1400" u="none" cap="none" strike="noStrike">
+        <a:defRPr sz="1400" b="0" i="0" u="none" strike="noStrike" cap="none">
           <a:solidFill>
             <a:srgbClr val="000000"/>
           </a:solidFill>
@@ -6303,7 +6503,7 @@
           <a:sym typeface="Arial"/>
         </a:defRPr>
       </a:lvl2pPr>
-      <a:lvl3pPr lvl="2" marR="0" rtl="0" algn="l">
+      <a:lvl3pPr marR="0" lvl="2" algn="l" rtl="0">
         <a:lnSpc>
           <a:spcPct val="100000"/>
         </a:lnSpc>
@@ -6317,7 +6517,7 @@
           <a:srgbClr val="000000"/>
         </a:buClr>
         <a:buFont typeface="Arial"/>
-        <a:defRPr b="0" i="0" sz="1400" u="none" cap="none" strike="noStrike">
+        <a:defRPr sz="1400" b="0" i="0" u="none" strike="noStrike" cap="none">
           <a:solidFill>
             <a:srgbClr val="000000"/>
           </a:solidFill>
@@ -6327,7 +6527,7 @@
           <a:sym typeface="Arial"/>
         </a:defRPr>
       </a:lvl3pPr>
-      <a:lvl4pPr lvl="3" marR="0" rtl="0" algn="l">
+      <a:lvl4pPr marR="0" lvl="3" algn="l" rtl="0">
         <a:lnSpc>
           <a:spcPct val="100000"/>
         </a:lnSpc>
@@ -6341,7 +6541,7 @@
           <a:srgbClr val="000000"/>
         </a:buClr>
         <a:buFont typeface="Arial"/>
-        <a:defRPr b="0" i="0" sz="1400" u="none" cap="none" strike="noStrike">
+        <a:defRPr sz="1400" b="0" i="0" u="none" strike="noStrike" cap="none">
           <a:solidFill>
             <a:srgbClr val="000000"/>
           </a:solidFill>
@@ -6351,7 +6551,7 @@
           <a:sym typeface="Arial"/>
         </a:defRPr>
       </a:lvl4pPr>
-      <a:lvl5pPr lvl="4" marR="0" rtl="0" algn="l">
+      <a:lvl5pPr marR="0" lvl="4" algn="l" rtl="0">
         <a:lnSpc>
           <a:spcPct val="100000"/>
         </a:lnSpc>
@@ -6365,7 +6565,7 @@
           <a:srgbClr val="000000"/>
         </a:buClr>
         <a:buFont typeface="Arial"/>
-        <a:defRPr b="0" i="0" sz="1400" u="none" cap="none" strike="noStrike">
+        <a:defRPr sz="1400" b="0" i="0" u="none" strike="noStrike" cap="none">
           <a:solidFill>
             <a:srgbClr val="000000"/>
           </a:solidFill>
@@ -6375,7 +6575,7 @@
           <a:sym typeface="Arial"/>
         </a:defRPr>
       </a:lvl5pPr>
-      <a:lvl6pPr lvl="5" marR="0" rtl="0" algn="l">
+      <a:lvl6pPr marR="0" lvl="5" algn="l" rtl="0">
         <a:lnSpc>
           <a:spcPct val="100000"/>
         </a:lnSpc>
@@ -6389,7 +6589,7 @@
           <a:srgbClr val="000000"/>
         </a:buClr>
         <a:buFont typeface="Arial"/>
-        <a:defRPr b="0" i="0" sz="1400" u="none" cap="none" strike="noStrike">
+        <a:defRPr sz="1400" b="0" i="0" u="none" strike="noStrike" cap="none">
           <a:solidFill>
             <a:srgbClr val="000000"/>
           </a:solidFill>
@@ -6399,7 +6599,7 @@
           <a:sym typeface="Arial"/>
         </a:defRPr>
       </a:lvl6pPr>
-      <a:lvl7pPr lvl="6" marR="0" rtl="0" algn="l">
+      <a:lvl7pPr marR="0" lvl="6" algn="l" rtl="0">
         <a:lnSpc>
           <a:spcPct val="100000"/>
         </a:lnSpc>
@@ -6413,7 +6613,7 @@
           <a:srgbClr val="000000"/>
         </a:buClr>
         <a:buFont typeface="Arial"/>
-        <a:defRPr b="0" i="0" sz="1400" u="none" cap="none" strike="noStrike">
+        <a:defRPr sz="1400" b="0" i="0" u="none" strike="noStrike" cap="none">
           <a:solidFill>
             <a:srgbClr val="000000"/>
           </a:solidFill>
@@ -6423,7 +6623,7 @@
           <a:sym typeface="Arial"/>
         </a:defRPr>
       </a:lvl7pPr>
-      <a:lvl8pPr lvl="7" marR="0" rtl="0" algn="l">
+      <a:lvl8pPr marR="0" lvl="7" algn="l" rtl="0">
         <a:lnSpc>
           <a:spcPct val="100000"/>
         </a:lnSpc>
@@ -6437,7 +6637,7 @@
           <a:srgbClr val="000000"/>
         </a:buClr>
         <a:buFont typeface="Arial"/>
-        <a:defRPr b="0" i="0" sz="1400" u="none" cap="none" strike="noStrike">
+        <a:defRPr sz="1400" b="0" i="0" u="none" strike="noStrike" cap="none">
           <a:solidFill>
             <a:srgbClr val="000000"/>
           </a:solidFill>
@@ -6447,7 +6647,7 @@
           <a:sym typeface="Arial"/>
         </a:defRPr>
       </a:lvl8pPr>
-      <a:lvl9pPr lvl="8" marR="0" rtl="0" algn="l">
+      <a:lvl9pPr marR="0" lvl="8" algn="l" rtl="0">
         <a:lnSpc>
           <a:spcPct val="100000"/>
         </a:lnSpc>
@@ -6461,7 +6661,7 @@
           <a:srgbClr val="000000"/>
         </a:buClr>
         <a:buFont typeface="Arial"/>
-        <a:defRPr b="0" i="0" sz="1400" u="none" cap="none" strike="noStrike">
+        <a:defRPr sz="1400" b="0" i="0" u="none" strike="noStrike" cap="none">
           <a:solidFill>
             <a:srgbClr val="000000"/>
           </a:solidFill>
@@ -6473,7 +6673,7 @@
       </a:lvl9pPr>
     </p:titleStyle>
     <p:bodyStyle>
-      <a:defPPr lvl="0" marR="0" rtl="0" algn="l">
+      <a:defPPr marR="0" lvl="0" algn="l" rtl="0">
         <a:lnSpc>
           <a:spcPct val="100000"/>
         </a:lnSpc>
@@ -6484,7 +6684,7 @@
           <a:spcPts val="0"/>
         </a:spcAft>
       </a:defPPr>
-      <a:lvl1pPr lvl="0" marR="0" rtl="0" algn="l">
+      <a:lvl1pPr marR="0" lvl="0" algn="l" rtl="0">
         <a:lnSpc>
           <a:spcPct val="100000"/>
         </a:lnSpc>
@@ -6498,7 +6698,7 @@
           <a:srgbClr val="000000"/>
         </a:buClr>
         <a:buFont typeface="Arial"/>
-        <a:defRPr b="0" i="0" sz="1400" u="none" cap="none" strike="noStrike">
+        <a:defRPr sz="1400" b="0" i="0" u="none" strike="noStrike" cap="none">
           <a:solidFill>
             <a:srgbClr val="000000"/>
           </a:solidFill>
@@ -6508,7 +6708,7 @@
           <a:sym typeface="Arial"/>
         </a:defRPr>
       </a:lvl1pPr>
-      <a:lvl2pPr lvl="1" marR="0" rtl="0" algn="l">
+      <a:lvl2pPr marR="0" lvl="1" algn="l" rtl="0">
         <a:lnSpc>
           <a:spcPct val="100000"/>
         </a:lnSpc>
@@ -6522,7 +6722,7 @@
           <a:srgbClr val="000000"/>
         </a:buClr>
         <a:buFont typeface="Arial"/>
-        <a:defRPr b="0" i="0" sz="1400" u="none" cap="none" strike="noStrike">
+        <a:defRPr sz="1400" b="0" i="0" u="none" strike="noStrike" cap="none">
           <a:solidFill>
             <a:srgbClr val="000000"/>
           </a:solidFill>
@@ -6532,7 +6732,7 @@
           <a:sym typeface="Arial"/>
         </a:defRPr>
       </a:lvl2pPr>
-      <a:lvl3pPr lvl="2" marR="0" rtl="0" algn="l">
+      <a:lvl3pPr marR="0" lvl="2" algn="l" rtl="0">
         <a:lnSpc>
           <a:spcPct val="100000"/>
         </a:lnSpc>
@@ -6546,7 +6746,7 @@
           <a:srgbClr val="000000"/>
         </a:buClr>
         <a:buFont typeface="Arial"/>
-        <a:defRPr b="0" i="0" sz="1400" u="none" cap="none" strike="noStrike">
+        <a:defRPr sz="1400" b="0" i="0" u="none" strike="noStrike" cap="none">
           <a:solidFill>
             <a:srgbClr val="000000"/>
           </a:solidFill>
@@ -6556,7 +6756,7 @@
           <a:sym typeface="Arial"/>
         </a:defRPr>
       </a:lvl3pPr>
-      <a:lvl4pPr lvl="3" marR="0" rtl="0" algn="l">
+      <a:lvl4pPr marR="0" lvl="3" algn="l" rtl="0">
         <a:lnSpc>
           <a:spcPct val="100000"/>
         </a:lnSpc>
@@ -6570,7 +6770,7 @@
           <a:srgbClr val="000000"/>
         </a:buClr>
         <a:buFont typeface="Arial"/>
-        <a:defRPr b="0" i="0" sz="1400" u="none" cap="none" strike="noStrike">
+        <a:defRPr sz="1400" b="0" i="0" u="none" strike="noStrike" cap="none">
           <a:solidFill>
             <a:srgbClr val="000000"/>
           </a:solidFill>
@@ -6580,7 +6780,7 @@
           <a:sym typeface="Arial"/>
         </a:defRPr>
       </a:lvl4pPr>
-      <a:lvl5pPr lvl="4" marR="0" rtl="0" algn="l">
+      <a:lvl5pPr marR="0" lvl="4" algn="l" rtl="0">
         <a:lnSpc>
           <a:spcPct val="100000"/>
         </a:lnSpc>
@@ -6594,7 +6794,7 @@
           <a:srgbClr val="000000"/>
         </a:buClr>
         <a:buFont typeface="Arial"/>
-        <a:defRPr b="0" i="0" sz="1400" u="none" cap="none" strike="noStrike">
+        <a:defRPr sz="1400" b="0" i="0" u="none" strike="noStrike" cap="none">
           <a:solidFill>
             <a:srgbClr val="000000"/>
           </a:solidFill>
@@ -6604,7 +6804,7 @@
           <a:sym typeface="Arial"/>
         </a:defRPr>
       </a:lvl5pPr>
-      <a:lvl6pPr lvl="5" marR="0" rtl="0" algn="l">
+      <a:lvl6pPr marR="0" lvl="5" algn="l" rtl="0">
         <a:lnSpc>
           <a:spcPct val="100000"/>
         </a:lnSpc>
@@ -6618,7 +6818,7 @@
           <a:srgbClr val="000000"/>
         </a:buClr>
         <a:buFont typeface="Arial"/>
-        <a:defRPr b="0" i="0" sz="1400" u="none" cap="none" strike="noStrike">
+        <a:defRPr sz="1400" b="0" i="0" u="none" strike="noStrike" cap="none">
           <a:solidFill>
             <a:srgbClr val="000000"/>
           </a:solidFill>
@@ -6628,7 +6828,7 @@
           <a:sym typeface="Arial"/>
         </a:defRPr>
       </a:lvl6pPr>
-      <a:lvl7pPr lvl="6" marR="0" rtl="0" algn="l">
+      <a:lvl7pPr marR="0" lvl="6" algn="l" rtl="0">
         <a:lnSpc>
           <a:spcPct val="100000"/>
         </a:lnSpc>
@@ -6642,7 +6842,7 @@
           <a:srgbClr val="000000"/>
         </a:buClr>
         <a:buFont typeface="Arial"/>
-        <a:defRPr b="0" i="0" sz="1400" u="none" cap="none" strike="noStrike">
+        <a:defRPr sz="1400" b="0" i="0" u="none" strike="noStrike" cap="none">
           <a:solidFill>
             <a:srgbClr val="000000"/>
           </a:solidFill>
@@ -6652,7 +6852,7 @@
           <a:sym typeface="Arial"/>
         </a:defRPr>
       </a:lvl7pPr>
-      <a:lvl8pPr lvl="7" marR="0" rtl="0" algn="l">
+      <a:lvl8pPr marR="0" lvl="7" algn="l" rtl="0">
         <a:lnSpc>
           <a:spcPct val="100000"/>
         </a:lnSpc>
@@ -6666,7 +6866,7 @@
           <a:srgbClr val="000000"/>
         </a:buClr>
         <a:buFont typeface="Arial"/>
-        <a:defRPr b="0" i="0" sz="1400" u="none" cap="none" strike="noStrike">
+        <a:defRPr sz="1400" b="0" i="0" u="none" strike="noStrike" cap="none">
           <a:solidFill>
             <a:srgbClr val="000000"/>
           </a:solidFill>
@@ -6676,7 +6876,7 @@
           <a:sym typeface="Arial"/>
         </a:defRPr>
       </a:lvl8pPr>
-      <a:lvl9pPr lvl="8" marR="0" rtl="0" algn="l">
+      <a:lvl9pPr marR="0" lvl="8" algn="l" rtl="0">
         <a:lnSpc>
           <a:spcPct val="100000"/>
         </a:lnSpc>
@@ -6690,7 +6890,7 @@
           <a:srgbClr val="000000"/>
         </a:buClr>
         <a:buFont typeface="Arial"/>
-        <a:defRPr b="0" i="0" sz="1400" u="none" cap="none" strike="noStrike">
+        <a:defRPr sz="1400" b="0" i="0" u="none" strike="noStrike" cap="none">
           <a:solidFill>
             <a:srgbClr val="000000"/>
           </a:solidFill>
@@ -6702,7 +6902,7 @@
       </a:lvl9pPr>
     </p:bodyStyle>
     <p:otherStyle>
-      <a:defPPr lvl="0" marR="0" rtl="0" algn="l">
+      <a:defPPr marR="0" lvl="0" algn="l" rtl="0">
         <a:lnSpc>
           <a:spcPct val="100000"/>
         </a:lnSpc>
@@ -6713,7 +6913,7 @@
           <a:spcPts val="0"/>
         </a:spcAft>
       </a:defPPr>
-      <a:lvl1pPr lvl="0" marR="0" rtl="0" algn="l">
+      <a:lvl1pPr marR="0" lvl="0" algn="l" rtl="0">
         <a:lnSpc>
           <a:spcPct val="100000"/>
         </a:lnSpc>
@@ -6727,7 +6927,7 @@
           <a:srgbClr val="000000"/>
         </a:buClr>
         <a:buFont typeface="Arial"/>
-        <a:defRPr b="0" i="0" sz="1400" u="none" cap="none" strike="noStrike">
+        <a:defRPr sz="1400" b="0" i="0" u="none" strike="noStrike" cap="none">
           <a:solidFill>
             <a:srgbClr val="000000"/>
           </a:solidFill>
@@ -6737,7 +6937,7 @@
           <a:sym typeface="Arial"/>
         </a:defRPr>
       </a:lvl1pPr>
-      <a:lvl2pPr lvl="1" marR="0" rtl="0" algn="l">
+      <a:lvl2pPr marR="0" lvl="1" algn="l" rtl="0">
         <a:lnSpc>
           <a:spcPct val="100000"/>
         </a:lnSpc>
@@ -6751,7 +6951,7 @@
           <a:srgbClr val="000000"/>
         </a:buClr>
         <a:buFont typeface="Arial"/>
-        <a:defRPr b="0" i="0" sz="1400" u="none" cap="none" strike="noStrike">
+        <a:defRPr sz="1400" b="0" i="0" u="none" strike="noStrike" cap="none">
           <a:solidFill>
             <a:srgbClr val="000000"/>
           </a:solidFill>
@@ -6761,7 +6961,7 @@
           <a:sym typeface="Arial"/>
         </a:defRPr>
       </a:lvl2pPr>
-      <a:lvl3pPr lvl="2" marR="0" rtl="0" algn="l">
+      <a:lvl3pPr marR="0" lvl="2" algn="l" rtl="0">
         <a:lnSpc>
           <a:spcPct val="100000"/>
         </a:lnSpc>
@@ -6775,7 +6975,7 @@
           <a:srgbClr val="000000"/>
         </a:buClr>
         <a:buFont typeface="Arial"/>
-        <a:defRPr b="0" i="0" sz="1400" u="none" cap="none" strike="noStrike">
+        <a:defRPr sz="1400" b="0" i="0" u="none" strike="noStrike" cap="none">
           <a:solidFill>
             <a:srgbClr val="000000"/>
           </a:solidFill>
@@ -6785,7 +6985,7 @@
           <a:sym typeface="Arial"/>
         </a:defRPr>
       </a:lvl3pPr>
-      <a:lvl4pPr lvl="3" marR="0" rtl="0" algn="l">
+      <a:lvl4pPr marR="0" lvl="3" algn="l" rtl="0">
         <a:lnSpc>
           <a:spcPct val="100000"/>
         </a:lnSpc>
@@ -6799,7 +6999,7 @@
           <a:srgbClr val="000000"/>
         </a:buClr>
         <a:buFont typeface="Arial"/>
-        <a:defRPr b="0" i="0" sz="1400" u="none" cap="none" strike="noStrike">
+        <a:defRPr sz="1400" b="0" i="0" u="none" strike="noStrike" cap="none">
           <a:solidFill>
             <a:srgbClr val="000000"/>
           </a:solidFill>
@@ -6809,7 +7009,7 @@
           <a:sym typeface="Arial"/>
         </a:defRPr>
       </a:lvl4pPr>
-      <a:lvl5pPr lvl="4" marR="0" rtl="0" algn="l">
+      <a:lvl5pPr marR="0" lvl="4" algn="l" rtl="0">
         <a:lnSpc>
           <a:spcPct val="100000"/>
         </a:lnSpc>
@@ -6823,7 +7023,7 @@
           <a:srgbClr val="000000"/>
         </a:buClr>
         <a:buFont typeface="Arial"/>
-        <a:defRPr b="0" i="0" sz="1400" u="none" cap="none" strike="noStrike">
+        <a:defRPr sz="1400" b="0" i="0" u="none" strike="noStrike" cap="none">
           <a:solidFill>
             <a:srgbClr val="000000"/>
           </a:solidFill>
@@ -6833,7 +7033,7 @@
           <a:sym typeface="Arial"/>
         </a:defRPr>
       </a:lvl5pPr>
-      <a:lvl6pPr lvl="5" marR="0" rtl="0" algn="l">
+      <a:lvl6pPr marR="0" lvl="5" algn="l" rtl="0">
         <a:lnSpc>
           <a:spcPct val="100000"/>
         </a:lnSpc>
@@ -6847,7 +7047,7 @@
           <a:srgbClr val="000000"/>
         </a:buClr>
         <a:buFont typeface="Arial"/>
-        <a:defRPr b="0" i="0" sz="1400" u="none" cap="none" strike="noStrike">
+        <a:defRPr sz="1400" b="0" i="0" u="none" strike="noStrike" cap="none">
           <a:solidFill>
             <a:srgbClr val="000000"/>
           </a:solidFill>
@@ -6857,7 +7057,7 @@
           <a:sym typeface="Arial"/>
         </a:defRPr>
       </a:lvl6pPr>
-      <a:lvl7pPr lvl="6" marR="0" rtl="0" algn="l">
+      <a:lvl7pPr marR="0" lvl="6" algn="l" rtl="0">
         <a:lnSpc>
           <a:spcPct val="100000"/>
         </a:lnSpc>
@@ -6871,7 +7071,7 @@
           <a:srgbClr val="000000"/>
         </a:buClr>
         <a:buFont typeface="Arial"/>
-        <a:defRPr b="0" i="0" sz="1400" u="none" cap="none" strike="noStrike">
+        <a:defRPr sz="1400" b="0" i="0" u="none" strike="noStrike" cap="none">
           <a:solidFill>
             <a:srgbClr val="000000"/>
           </a:solidFill>
@@ -6881,7 +7081,7 @@
           <a:sym typeface="Arial"/>
         </a:defRPr>
       </a:lvl7pPr>
-      <a:lvl8pPr lvl="7" marR="0" rtl="0" algn="l">
+      <a:lvl8pPr marR="0" lvl="7" algn="l" rtl="0">
         <a:lnSpc>
           <a:spcPct val="100000"/>
         </a:lnSpc>
@@ -6895,7 +7095,7 @@
           <a:srgbClr val="000000"/>
         </a:buClr>
         <a:buFont typeface="Arial"/>
-        <a:defRPr b="0" i="0" sz="1400" u="none" cap="none" strike="noStrike">
+        <a:defRPr sz="1400" b="0" i="0" u="none" strike="noStrike" cap="none">
           <a:solidFill>
             <a:srgbClr val="000000"/>
           </a:solidFill>
@@ -6905,7 +7105,7 @@
           <a:sym typeface="Arial"/>
         </a:defRPr>
       </a:lvl8pPr>
-      <a:lvl9pPr lvl="8" marR="0" rtl="0" algn="l">
+      <a:lvl9pPr marR="0" lvl="8" algn="l" rtl="0">
         <a:lnSpc>
           <a:spcPct val="100000"/>
         </a:lnSpc>
@@ -6919,7 +7119,7 @@
           <a:srgbClr val="000000"/>
         </a:buClr>
         <a:buFont typeface="Arial"/>
-        <a:defRPr b="0" i="0" sz="1400" u="none" cap="none" strike="noStrike">
+        <a:defRPr sz="1400" b="0" i="0" u="none" strike="noStrike" cap="none">
           <a:solidFill>
             <a:srgbClr val="000000"/>
           </a:solidFill>
@@ -6935,11 +7135,11 @@
 </file>
 
 <file path=ppt/slides/slide1.xml><?xml version="1.0" encoding="utf-8"?>
-<p:sld xmlns:a="http://schemas.openxmlformats.org/drawingml/2006/main" xmlns:r="http://schemas.openxmlformats.org/officeDocument/2006/relationships" xmlns:mc="http://schemas.openxmlformats.org/markup-compatibility/2006" xmlns:mv="urn:schemas-microsoft-com:mac:vml" xmlns:p="http://schemas.openxmlformats.org/presentationml/2006/main" xmlns:c="http://schemas.openxmlformats.org/drawingml/2006/chart" xmlns:dgm="http://schemas.openxmlformats.org/drawingml/2006/diagram" xmlns:o="urn:schemas-microsoft-com:office:office" xmlns:v="urn:schemas-microsoft-com:vml" xmlns:pvml="urn:schemas-microsoft-com:office:powerpoint" xmlns:com="http://schemas.openxmlformats.org/drawingml/2006/compatibility" xmlns:p14="http://schemas.microsoft.com/office/powerpoint/2010/main" xmlns:p15="http://schemas.microsoft.com/office/powerpoint/2012/main" xmlns:ahyp="http://schemas.microsoft.com/office/drawing/2018/hyperlinkcolor">
+<p:sld xmlns:a="http://schemas.openxmlformats.org/drawingml/2006/main" xmlns:r="http://schemas.openxmlformats.org/officeDocument/2006/relationships" xmlns:p="http://schemas.openxmlformats.org/presentationml/2006/main">
   <p:cSld>
     <p:spTree>
       <p:nvGrpSpPr>
-        <p:cNvPr id="53" name="Shape 53"/>
+        <p:cNvPr id="1" name="Shape 53"/>
         <p:cNvGrpSpPr/>
         <p:nvPr/>
       </p:nvGrpSpPr>
@@ -6954,7 +7154,9 @@
       <p:sp>
         <p:nvSpPr>
           <p:cNvPr id="54" name="Google Shape;54;p13"/>
-          <p:cNvSpPr txBox="1"/>
+          <p:cNvSpPr txBox="1">
+            <a:spLocks noGrp="1"/>
+          </p:cNvSpPr>
           <p:nvPr>
             <p:ph type="ctrTitle"/>
           </p:nvPr>
@@ -6969,12 +7171,12 @@
           </a:prstGeom>
         </p:spPr>
         <p:txBody>
-          <a:bodyPr anchorCtr="0" anchor="b" bIns="91425" lIns="91425" spcFirstLastPara="1" rIns="91425" wrap="square" tIns="91425">
+          <a:bodyPr spcFirstLastPara="1" wrap="square" lIns="91425" tIns="91425" rIns="91425" bIns="91425" anchor="b" anchorCtr="0">
             <a:normAutofit/>
           </a:bodyPr>
           <a:lstStyle/>
           <a:p>
-            <a:pPr indent="0" lvl="0" marL="0" rtl="0" algn="ctr">
+            <a:pPr marL="0" lvl="0" indent="0" algn="ctr" rtl="0">
               <a:spcBef>
                 <a:spcPts val="0"/>
               </a:spcBef>
@@ -6994,9 +7196,11 @@
       <p:sp>
         <p:nvSpPr>
           <p:cNvPr id="55" name="Google Shape;55;p13"/>
-          <p:cNvSpPr txBox="1"/>
+          <p:cNvSpPr txBox="1">
+            <a:spLocks noGrp="1"/>
+          </p:cNvSpPr>
           <p:nvPr>
-            <p:ph idx="1" type="subTitle"/>
+            <p:ph type="subTitle" idx="1"/>
           </p:nvPr>
         </p:nvSpPr>
         <p:spPr>
@@ -7009,12 +7213,12 @@
           </a:prstGeom>
         </p:spPr>
         <p:txBody>
-          <a:bodyPr anchorCtr="0" anchor="t" bIns="91425" lIns="91425" spcFirstLastPara="1" rIns="91425" wrap="square" tIns="91425">
+          <a:bodyPr spcFirstLastPara="1" wrap="square" lIns="91425" tIns="91425" rIns="91425" bIns="91425" anchor="t" anchorCtr="0">
             <a:normAutofit/>
           </a:bodyPr>
           <a:lstStyle/>
           <a:p>
-            <a:pPr indent="0" lvl="0" marL="0" rtl="0" algn="ctr">
+            <a:pPr marL="0" lvl="0" indent="0" algn="ctr" rtl="0">
               <a:lnSpc>
                 <a:spcPct val="80000"/>
               </a:lnSpc>
@@ -7034,7 +7238,7 @@
             <a:endParaRPr sz="1580"/>
           </a:p>
           <a:p>
-            <a:pPr indent="0" lvl="0" marL="0" rtl="0" algn="ctr">
+            <a:pPr marL="0" lvl="0" indent="0" algn="ctr" rtl="0">
               <a:lnSpc>
                 <a:spcPct val="80000"/>
               </a:lnSpc>
@@ -7047,13 +7251,10 @@
               <a:buSzPts val="935"/>
               <a:buNone/>
             </a:pPr>
-            <a:r>
-              <a:t/>
-            </a:r>
             <a:endParaRPr sz="1679"/>
           </a:p>
           <a:p>
-            <a:pPr indent="0" lvl="0" marL="0" rtl="0" algn="ctr">
+            <a:pPr marL="0" lvl="0" indent="0" algn="ctr" rtl="0">
               <a:spcBef>
                 <a:spcPts val="0"/>
               </a:spcBef>
@@ -7074,7 +7275,7 @@
             <a:endParaRPr sz="1400"/>
           </a:p>
           <a:p>
-            <a:pPr indent="0" lvl="0" marL="0" rtl="0" algn="ctr">
+            <a:pPr marL="0" lvl="0" indent="0" algn="ctr" rtl="0">
               <a:lnSpc>
                 <a:spcPct val="80000"/>
               </a:lnSpc>
@@ -7087,9 +7288,6 @@
               <a:buSzPts val="935"/>
               <a:buNone/>
             </a:pPr>
-            <a:r>
-              <a:t/>
-            </a:r>
             <a:endParaRPr sz="1679"/>
           </a:p>
         </p:txBody>
@@ -7103,11 +7301,11 @@
 </file>
 
 <file path=ppt/slides/slide10.xml><?xml version="1.0" encoding="utf-8"?>
-<p:sld xmlns:a="http://schemas.openxmlformats.org/drawingml/2006/main" xmlns:r="http://schemas.openxmlformats.org/officeDocument/2006/relationships" xmlns:mc="http://schemas.openxmlformats.org/markup-compatibility/2006" xmlns:mv="urn:schemas-microsoft-com:mac:vml" xmlns:p="http://schemas.openxmlformats.org/presentationml/2006/main" xmlns:c="http://schemas.openxmlformats.org/drawingml/2006/chart" xmlns:dgm="http://schemas.openxmlformats.org/drawingml/2006/diagram" xmlns:o="urn:schemas-microsoft-com:office:office" xmlns:v="urn:schemas-microsoft-com:vml" xmlns:pvml="urn:schemas-microsoft-com:office:powerpoint" xmlns:com="http://schemas.openxmlformats.org/drawingml/2006/compatibility" xmlns:p14="http://schemas.microsoft.com/office/powerpoint/2010/main" xmlns:p15="http://schemas.microsoft.com/office/powerpoint/2012/main" xmlns:ahyp="http://schemas.microsoft.com/office/drawing/2018/hyperlinkcolor">
+<p:sld xmlns:a="http://schemas.openxmlformats.org/drawingml/2006/main" xmlns:r="http://schemas.openxmlformats.org/officeDocument/2006/relationships" xmlns:p="http://schemas.openxmlformats.org/presentationml/2006/main">
   <p:cSld>
     <p:spTree>
       <p:nvGrpSpPr>
-        <p:cNvPr id="111" name="Shape 111"/>
+        <p:cNvPr id="1" name="Shape 111"/>
         <p:cNvGrpSpPr/>
         <p:nvPr/>
       </p:nvGrpSpPr>
@@ -7122,7 +7320,9 @@
       <p:sp>
         <p:nvSpPr>
           <p:cNvPr id="112" name="Google Shape;112;p22"/>
-          <p:cNvSpPr txBox="1"/>
+          <p:cNvSpPr txBox="1">
+            <a:spLocks noGrp="1"/>
+          </p:cNvSpPr>
           <p:nvPr>
             <p:ph type="title"/>
           </p:nvPr>
@@ -7137,12 +7337,12 @@
           </a:prstGeom>
         </p:spPr>
         <p:txBody>
-          <a:bodyPr anchorCtr="0" anchor="t" bIns="91425" lIns="91425" spcFirstLastPara="1" rIns="91425" wrap="square" tIns="91425">
+          <a:bodyPr spcFirstLastPara="1" wrap="square" lIns="91425" tIns="91425" rIns="91425" bIns="91425" anchor="t" anchorCtr="0">
             <a:normAutofit fontScale="90000"/>
           </a:bodyPr>
           <a:lstStyle/>
           <a:p>
-            <a:pPr indent="0" lvl="0" marL="0" rtl="0" algn="l">
+            <a:pPr marL="0" lvl="0" indent="0" algn="l" rtl="0">
               <a:spcBef>
                 <a:spcPts val="0"/>
               </a:spcBef>
@@ -7224,11 +7424,11 @@
 </file>
 
 <file path=ppt/slides/slide11.xml><?xml version="1.0" encoding="utf-8"?>
-<p:sld xmlns:a="http://schemas.openxmlformats.org/drawingml/2006/main" xmlns:r="http://schemas.openxmlformats.org/officeDocument/2006/relationships" xmlns:mc="http://schemas.openxmlformats.org/markup-compatibility/2006" xmlns:mv="urn:schemas-microsoft-com:mac:vml" xmlns:p="http://schemas.openxmlformats.org/presentationml/2006/main" xmlns:c="http://schemas.openxmlformats.org/drawingml/2006/chart" xmlns:dgm="http://schemas.openxmlformats.org/drawingml/2006/diagram" xmlns:o="urn:schemas-microsoft-com:office:office" xmlns:v="urn:schemas-microsoft-com:vml" xmlns:pvml="urn:schemas-microsoft-com:office:powerpoint" xmlns:com="http://schemas.openxmlformats.org/drawingml/2006/compatibility" xmlns:p14="http://schemas.microsoft.com/office/powerpoint/2010/main" xmlns:p15="http://schemas.microsoft.com/office/powerpoint/2012/main" xmlns:ahyp="http://schemas.microsoft.com/office/drawing/2018/hyperlinkcolor">
+<p:sld xmlns:a="http://schemas.openxmlformats.org/drawingml/2006/main" xmlns:r="http://schemas.openxmlformats.org/officeDocument/2006/relationships" xmlns:p="http://schemas.openxmlformats.org/presentationml/2006/main">
   <p:cSld>
     <p:spTree>
       <p:nvGrpSpPr>
-        <p:cNvPr id="118" name="Shape 118"/>
+        <p:cNvPr id="1" name="Shape 118"/>
         <p:cNvGrpSpPr/>
         <p:nvPr/>
       </p:nvGrpSpPr>
@@ -7243,7 +7443,9 @@
       <p:sp>
         <p:nvSpPr>
           <p:cNvPr id="119" name="Google Shape;119;p23"/>
-          <p:cNvSpPr txBox="1"/>
+          <p:cNvSpPr txBox="1">
+            <a:spLocks noGrp="1"/>
+          </p:cNvSpPr>
           <p:nvPr>
             <p:ph type="title"/>
           </p:nvPr>
@@ -7258,12 +7460,12 @@
           </a:prstGeom>
         </p:spPr>
         <p:txBody>
-          <a:bodyPr anchorCtr="0" anchor="t" bIns="91425" lIns="91425" spcFirstLastPara="1" rIns="91425" wrap="square" tIns="91425">
+          <a:bodyPr spcFirstLastPara="1" wrap="square" lIns="91425" tIns="91425" rIns="91425" bIns="91425" anchor="t" anchorCtr="0">
             <a:normAutofit fontScale="90000"/>
           </a:bodyPr>
           <a:lstStyle/>
           <a:p>
-            <a:pPr indent="0" lvl="0" marL="0" rtl="0" algn="l">
+            <a:pPr marL="0" lvl="0" indent="0" algn="l" rtl="0">
               <a:spcBef>
                 <a:spcPts val="0"/>
               </a:spcBef>
@@ -7345,11 +7547,11 @@
 </file>
 
 <file path=ppt/slides/slide12.xml><?xml version="1.0" encoding="utf-8"?>
-<p:sld xmlns:a="http://schemas.openxmlformats.org/drawingml/2006/main" xmlns:r="http://schemas.openxmlformats.org/officeDocument/2006/relationships" xmlns:mc="http://schemas.openxmlformats.org/markup-compatibility/2006" xmlns:mv="urn:schemas-microsoft-com:mac:vml" xmlns:p="http://schemas.openxmlformats.org/presentationml/2006/main" xmlns:c="http://schemas.openxmlformats.org/drawingml/2006/chart" xmlns:dgm="http://schemas.openxmlformats.org/drawingml/2006/diagram" xmlns:o="urn:schemas-microsoft-com:office:office" xmlns:v="urn:schemas-microsoft-com:vml" xmlns:pvml="urn:schemas-microsoft-com:office:powerpoint" xmlns:com="http://schemas.openxmlformats.org/drawingml/2006/compatibility" xmlns:p14="http://schemas.microsoft.com/office/powerpoint/2010/main" xmlns:p15="http://schemas.microsoft.com/office/powerpoint/2012/main" xmlns:ahyp="http://schemas.microsoft.com/office/drawing/2018/hyperlinkcolor">
+<p:sld xmlns:a="http://schemas.openxmlformats.org/drawingml/2006/main" xmlns:r="http://schemas.openxmlformats.org/officeDocument/2006/relationships" xmlns:p="http://schemas.openxmlformats.org/presentationml/2006/main">
   <p:cSld>
     <p:spTree>
       <p:nvGrpSpPr>
-        <p:cNvPr id="125" name="Shape 125"/>
+        <p:cNvPr id="1" name="Shape 125"/>
         <p:cNvGrpSpPr/>
         <p:nvPr/>
       </p:nvGrpSpPr>
@@ -7364,7 +7566,9 @@
       <p:sp>
         <p:nvSpPr>
           <p:cNvPr id="126" name="Google Shape;126;p24"/>
-          <p:cNvSpPr txBox="1"/>
+          <p:cNvSpPr txBox="1">
+            <a:spLocks noGrp="1"/>
+          </p:cNvSpPr>
           <p:nvPr>
             <p:ph type="title"/>
           </p:nvPr>
@@ -7379,12 +7583,12 @@
           </a:prstGeom>
         </p:spPr>
         <p:txBody>
-          <a:bodyPr anchorCtr="0" anchor="t" bIns="91425" lIns="91425" spcFirstLastPara="1" rIns="91425" wrap="square" tIns="91425">
+          <a:bodyPr spcFirstLastPara="1" wrap="square" lIns="91425" tIns="91425" rIns="91425" bIns="91425" anchor="t" anchorCtr="0">
             <a:normAutofit fontScale="90000"/>
           </a:bodyPr>
           <a:lstStyle/>
           <a:p>
-            <a:pPr indent="0" lvl="0" marL="0" rtl="0" algn="l">
+            <a:pPr marL="0" lvl="0" indent="0" algn="l" rtl="0">
               <a:spcBef>
                 <a:spcPts val="0"/>
               </a:spcBef>
@@ -7466,11 +7670,11 @@
 </file>
 
 <file path=ppt/slides/slide13.xml><?xml version="1.0" encoding="utf-8"?>
-<p:sld xmlns:a="http://schemas.openxmlformats.org/drawingml/2006/main" xmlns:r="http://schemas.openxmlformats.org/officeDocument/2006/relationships" xmlns:mc="http://schemas.openxmlformats.org/markup-compatibility/2006" xmlns:mv="urn:schemas-microsoft-com:mac:vml" xmlns:p="http://schemas.openxmlformats.org/presentationml/2006/main" xmlns:c="http://schemas.openxmlformats.org/drawingml/2006/chart" xmlns:dgm="http://schemas.openxmlformats.org/drawingml/2006/diagram" xmlns:o="urn:schemas-microsoft-com:office:office" xmlns:v="urn:schemas-microsoft-com:vml" xmlns:pvml="urn:schemas-microsoft-com:office:powerpoint" xmlns:com="http://schemas.openxmlformats.org/drawingml/2006/compatibility" xmlns:p14="http://schemas.microsoft.com/office/powerpoint/2010/main" xmlns:p15="http://schemas.microsoft.com/office/powerpoint/2012/main" xmlns:ahyp="http://schemas.microsoft.com/office/drawing/2018/hyperlinkcolor">
+<p:sld xmlns:a="http://schemas.openxmlformats.org/drawingml/2006/main" xmlns:r="http://schemas.openxmlformats.org/officeDocument/2006/relationships" xmlns:p="http://schemas.openxmlformats.org/presentationml/2006/main">
   <p:cSld>
     <p:spTree>
       <p:nvGrpSpPr>
-        <p:cNvPr id="132" name="Shape 132"/>
+        <p:cNvPr id="1" name="Shape 132"/>
         <p:cNvGrpSpPr/>
         <p:nvPr/>
       </p:nvGrpSpPr>
@@ -7485,7 +7689,9 @@
       <p:sp>
         <p:nvSpPr>
           <p:cNvPr id="133" name="Google Shape;133;p25"/>
-          <p:cNvSpPr txBox="1"/>
+          <p:cNvSpPr txBox="1">
+            <a:spLocks noGrp="1"/>
+          </p:cNvSpPr>
           <p:nvPr>
             <p:ph type="title"/>
           </p:nvPr>
@@ -7500,12 +7706,12 @@
           </a:prstGeom>
         </p:spPr>
         <p:txBody>
-          <a:bodyPr anchorCtr="0" anchor="t" bIns="91425" lIns="91425" spcFirstLastPara="1" rIns="91425" wrap="square" tIns="91425">
+          <a:bodyPr spcFirstLastPara="1" wrap="square" lIns="91425" tIns="91425" rIns="91425" bIns="91425" anchor="t" anchorCtr="0">
             <a:normAutofit fontScale="90000"/>
           </a:bodyPr>
           <a:lstStyle/>
           <a:p>
-            <a:pPr indent="0" lvl="0" marL="0" rtl="0" algn="l">
+            <a:pPr marL="0" lvl="0" indent="0" algn="l" rtl="0">
               <a:spcBef>
                 <a:spcPts val="0"/>
               </a:spcBef>
@@ -7587,11 +7793,11 @@
 </file>
 
 <file path=ppt/slides/slide14.xml><?xml version="1.0" encoding="utf-8"?>
-<p:sld xmlns:a="http://schemas.openxmlformats.org/drawingml/2006/main" xmlns:r="http://schemas.openxmlformats.org/officeDocument/2006/relationships" xmlns:mc="http://schemas.openxmlformats.org/markup-compatibility/2006" xmlns:mv="urn:schemas-microsoft-com:mac:vml" xmlns:p="http://schemas.openxmlformats.org/presentationml/2006/main" xmlns:c="http://schemas.openxmlformats.org/drawingml/2006/chart" xmlns:dgm="http://schemas.openxmlformats.org/drawingml/2006/diagram" xmlns:o="urn:schemas-microsoft-com:office:office" xmlns:v="urn:schemas-microsoft-com:vml" xmlns:pvml="urn:schemas-microsoft-com:office:powerpoint" xmlns:com="http://schemas.openxmlformats.org/drawingml/2006/compatibility" xmlns:p14="http://schemas.microsoft.com/office/powerpoint/2010/main" xmlns:p15="http://schemas.microsoft.com/office/powerpoint/2012/main" xmlns:ahyp="http://schemas.microsoft.com/office/drawing/2018/hyperlinkcolor">
+<p:sld xmlns:a="http://schemas.openxmlformats.org/drawingml/2006/main" xmlns:r="http://schemas.openxmlformats.org/officeDocument/2006/relationships" xmlns:p="http://schemas.openxmlformats.org/presentationml/2006/main">
   <p:cSld>
     <p:spTree>
       <p:nvGrpSpPr>
-        <p:cNvPr id="139" name="Shape 139"/>
+        <p:cNvPr id="1" name="Shape 139"/>
         <p:cNvGrpSpPr/>
         <p:nvPr/>
       </p:nvGrpSpPr>
@@ -7606,7 +7812,9 @@
       <p:sp>
         <p:nvSpPr>
           <p:cNvPr id="140" name="Google Shape;140;p26"/>
-          <p:cNvSpPr txBox="1"/>
+          <p:cNvSpPr txBox="1">
+            <a:spLocks noGrp="1"/>
+          </p:cNvSpPr>
           <p:nvPr>
             <p:ph type="title"/>
           </p:nvPr>
@@ -7621,12 +7829,12 @@
           </a:prstGeom>
         </p:spPr>
         <p:txBody>
-          <a:bodyPr anchorCtr="0" anchor="t" bIns="91425" lIns="91425" spcFirstLastPara="1" rIns="91425" wrap="square" tIns="91425">
+          <a:bodyPr spcFirstLastPara="1" wrap="square" lIns="91425" tIns="91425" rIns="91425" bIns="91425" anchor="t" anchorCtr="0">
             <a:normAutofit fontScale="90000"/>
           </a:bodyPr>
           <a:lstStyle/>
           <a:p>
-            <a:pPr indent="0" lvl="0" marL="0" rtl="0" algn="l">
+            <a:pPr marL="0" lvl="0" indent="0" algn="l" rtl="0">
               <a:spcBef>
                 <a:spcPts val="0"/>
               </a:spcBef>
@@ -7708,11 +7916,11 @@
 </file>
 
 <file path=ppt/slides/slide15.xml><?xml version="1.0" encoding="utf-8"?>
-<p:sld xmlns:a="http://schemas.openxmlformats.org/drawingml/2006/main" xmlns:r="http://schemas.openxmlformats.org/officeDocument/2006/relationships" xmlns:mc="http://schemas.openxmlformats.org/markup-compatibility/2006" xmlns:mv="urn:schemas-microsoft-com:mac:vml" xmlns:p="http://schemas.openxmlformats.org/presentationml/2006/main" xmlns:c="http://schemas.openxmlformats.org/drawingml/2006/chart" xmlns:dgm="http://schemas.openxmlformats.org/drawingml/2006/diagram" xmlns:o="urn:schemas-microsoft-com:office:office" xmlns:v="urn:schemas-microsoft-com:vml" xmlns:pvml="urn:schemas-microsoft-com:office:powerpoint" xmlns:com="http://schemas.openxmlformats.org/drawingml/2006/compatibility" xmlns:p14="http://schemas.microsoft.com/office/powerpoint/2010/main" xmlns:p15="http://schemas.microsoft.com/office/powerpoint/2012/main" xmlns:ahyp="http://schemas.microsoft.com/office/drawing/2018/hyperlinkcolor">
+<p:sld xmlns:a="http://schemas.openxmlformats.org/drawingml/2006/main" xmlns:r="http://schemas.openxmlformats.org/officeDocument/2006/relationships" xmlns:p="http://schemas.openxmlformats.org/presentationml/2006/main">
   <p:cSld>
     <p:spTree>
       <p:nvGrpSpPr>
-        <p:cNvPr id="146" name="Shape 146"/>
+        <p:cNvPr id="1" name="Shape 146"/>
         <p:cNvGrpSpPr/>
         <p:nvPr/>
       </p:nvGrpSpPr>
@@ -7727,7 +7935,9 @@
       <p:sp>
         <p:nvSpPr>
           <p:cNvPr id="147" name="Google Shape;147;p27"/>
-          <p:cNvSpPr txBox="1"/>
+          <p:cNvSpPr txBox="1">
+            <a:spLocks noGrp="1"/>
+          </p:cNvSpPr>
           <p:nvPr>
             <p:ph type="title"/>
           </p:nvPr>
@@ -7742,12 +7952,12 @@
           </a:prstGeom>
         </p:spPr>
         <p:txBody>
-          <a:bodyPr anchorCtr="0" anchor="t" bIns="91425" lIns="91425" spcFirstLastPara="1" rIns="91425" wrap="square" tIns="91425">
+          <a:bodyPr spcFirstLastPara="1" wrap="square" lIns="91425" tIns="91425" rIns="91425" bIns="91425" anchor="t" anchorCtr="0">
             <a:normAutofit fontScale="90000"/>
           </a:bodyPr>
           <a:lstStyle/>
           <a:p>
-            <a:pPr indent="0" lvl="0" marL="0" rtl="0" algn="l">
+            <a:pPr marL="0" lvl="0" indent="0" algn="l" rtl="0">
               <a:spcBef>
                 <a:spcPts val="0"/>
               </a:spcBef>
@@ -7767,9 +7977,11 @@
       <p:sp>
         <p:nvSpPr>
           <p:cNvPr id="148" name="Google Shape;148;p27"/>
-          <p:cNvSpPr txBox="1"/>
+          <p:cNvSpPr txBox="1">
+            <a:spLocks noGrp="1"/>
+          </p:cNvSpPr>
           <p:nvPr>
-            <p:ph idx="1" type="body"/>
+            <p:ph type="body" idx="1"/>
           </p:nvPr>
         </p:nvSpPr>
         <p:spPr>
@@ -7782,12 +7994,12 @@
           </a:prstGeom>
         </p:spPr>
         <p:txBody>
-          <a:bodyPr anchorCtr="0" anchor="t" bIns="91425" lIns="91425" spcFirstLastPara="1" rIns="91425" wrap="square" tIns="91425">
+          <a:bodyPr spcFirstLastPara="1" wrap="square" lIns="91425" tIns="91425" rIns="91425" bIns="91425" anchor="t" anchorCtr="0">
             <a:normAutofit/>
           </a:bodyPr>
           <a:lstStyle/>
           <a:p>
-            <a:pPr indent="-342900" lvl="0" marL="457200" rtl="0" algn="l">
+            <a:pPr marL="457200" lvl="0" indent="-342900" algn="l" rtl="0">
               <a:spcBef>
                 <a:spcPts val="0"/>
               </a:spcBef>
@@ -7804,7 +8016,7 @@
             <a:endParaRPr/>
           </a:p>
           <a:p>
-            <a:pPr indent="-342900" lvl="0" marL="457200" rtl="0" algn="l">
+            <a:pPr marL="457200" lvl="0" indent="-342900" algn="l" rtl="0">
               <a:spcBef>
                 <a:spcPts val="0"/>
               </a:spcBef>
@@ -7821,7 +8033,7 @@
             <a:endParaRPr/>
           </a:p>
           <a:p>
-            <a:pPr indent="0" lvl="0" marL="457200" rtl="0" algn="l">
+            <a:pPr marL="457200" lvl="0" indent="0" algn="l" rtl="0">
               <a:spcBef>
                 <a:spcPts val="1200"/>
               </a:spcBef>
@@ -7830,13 +8042,10 @@
               </a:spcAft>
               <a:buNone/>
             </a:pPr>
-            <a:r>
-              <a:t/>
-            </a:r>
             <a:endParaRPr/>
           </a:p>
           <a:p>
-            <a:pPr indent="0" lvl="0" marL="0" rtl="0" algn="l">
+            <a:pPr marL="0" lvl="0" indent="0" algn="l" rtl="0">
               <a:spcBef>
                 <a:spcPts val="1200"/>
               </a:spcBef>
@@ -7862,11 +8071,11 @@
 </file>
 
 <file path=ppt/slides/slide16.xml><?xml version="1.0" encoding="utf-8"?>
-<p:sld xmlns:a="http://schemas.openxmlformats.org/drawingml/2006/main" xmlns:r="http://schemas.openxmlformats.org/officeDocument/2006/relationships" xmlns:mc="http://schemas.openxmlformats.org/markup-compatibility/2006" xmlns:mv="urn:schemas-microsoft-com:mac:vml" xmlns:p="http://schemas.openxmlformats.org/presentationml/2006/main" xmlns:c="http://schemas.openxmlformats.org/drawingml/2006/chart" xmlns:dgm="http://schemas.openxmlformats.org/drawingml/2006/diagram" xmlns:o="urn:schemas-microsoft-com:office:office" xmlns:v="urn:schemas-microsoft-com:vml" xmlns:pvml="urn:schemas-microsoft-com:office:powerpoint" xmlns:com="http://schemas.openxmlformats.org/drawingml/2006/compatibility" xmlns:p14="http://schemas.microsoft.com/office/powerpoint/2010/main" xmlns:p15="http://schemas.microsoft.com/office/powerpoint/2012/main" xmlns:ahyp="http://schemas.microsoft.com/office/drawing/2018/hyperlinkcolor">
+<p:sld xmlns:a="http://schemas.openxmlformats.org/drawingml/2006/main" xmlns:r="http://schemas.openxmlformats.org/officeDocument/2006/relationships" xmlns:p="http://schemas.openxmlformats.org/presentationml/2006/main">
   <p:cSld>
     <p:spTree>
       <p:nvGrpSpPr>
-        <p:cNvPr id="152" name="Shape 152"/>
+        <p:cNvPr id="1" name="Shape 152"/>
         <p:cNvGrpSpPr/>
         <p:nvPr/>
       </p:nvGrpSpPr>
@@ -7881,7 +8090,9 @@
       <p:sp>
         <p:nvSpPr>
           <p:cNvPr id="153" name="Google Shape;153;p28"/>
-          <p:cNvSpPr txBox="1"/>
+          <p:cNvSpPr txBox="1">
+            <a:spLocks noGrp="1"/>
+          </p:cNvSpPr>
           <p:nvPr>
             <p:ph type="title"/>
           </p:nvPr>
@@ -7896,12 +8107,12 @@
           </a:prstGeom>
         </p:spPr>
         <p:txBody>
-          <a:bodyPr anchorCtr="0" anchor="t" bIns="91425" lIns="91425" spcFirstLastPara="1" rIns="91425" wrap="square" tIns="91425">
+          <a:bodyPr spcFirstLastPara="1" wrap="square" lIns="91425" tIns="91425" rIns="91425" bIns="91425" anchor="t" anchorCtr="0">
             <a:normAutofit fontScale="90000"/>
           </a:bodyPr>
           <a:lstStyle/>
           <a:p>
-            <a:pPr indent="0" lvl="0" marL="0" rtl="0" algn="l">
+            <a:pPr marL="0" lvl="0" indent="0" algn="l" rtl="0">
               <a:spcBef>
                 <a:spcPts val="0"/>
               </a:spcBef>
@@ -7921,9 +8132,11 @@
       <p:sp>
         <p:nvSpPr>
           <p:cNvPr id="154" name="Google Shape;154;p28"/>
-          <p:cNvSpPr txBox="1"/>
+          <p:cNvSpPr txBox="1">
+            <a:spLocks noGrp="1"/>
+          </p:cNvSpPr>
           <p:nvPr>
-            <p:ph idx="1" type="body"/>
+            <p:ph type="body" idx="1"/>
           </p:nvPr>
         </p:nvSpPr>
         <p:spPr>
@@ -7936,12 +8149,12 @@
           </a:prstGeom>
         </p:spPr>
         <p:txBody>
-          <a:bodyPr anchorCtr="0" anchor="t" bIns="91425" lIns="91425" spcFirstLastPara="1" rIns="91425" wrap="square" tIns="91425">
+          <a:bodyPr spcFirstLastPara="1" wrap="square" lIns="91425" tIns="91425" rIns="91425" bIns="91425" anchor="t" anchorCtr="0">
             <a:normAutofit/>
           </a:bodyPr>
           <a:lstStyle/>
           <a:p>
-            <a:pPr indent="0" lvl="0" marL="0" rtl="0" algn="ctr">
+            <a:pPr marL="0" lvl="0" indent="0" algn="ctr" rtl="0">
               <a:spcBef>
                 <a:spcPts val="0"/>
               </a:spcBef>
@@ -7967,11 +8180,11 @@
 </file>
 
 <file path=ppt/slides/slide2.xml><?xml version="1.0" encoding="utf-8"?>
-<p:sld xmlns:a="http://schemas.openxmlformats.org/drawingml/2006/main" xmlns:r="http://schemas.openxmlformats.org/officeDocument/2006/relationships" xmlns:mc="http://schemas.openxmlformats.org/markup-compatibility/2006" xmlns:mv="urn:schemas-microsoft-com:mac:vml" xmlns:p="http://schemas.openxmlformats.org/presentationml/2006/main" xmlns:c="http://schemas.openxmlformats.org/drawingml/2006/chart" xmlns:dgm="http://schemas.openxmlformats.org/drawingml/2006/diagram" xmlns:o="urn:schemas-microsoft-com:office:office" xmlns:v="urn:schemas-microsoft-com:vml" xmlns:pvml="urn:schemas-microsoft-com:office:powerpoint" xmlns:com="http://schemas.openxmlformats.org/drawingml/2006/compatibility" xmlns:p14="http://schemas.microsoft.com/office/powerpoint/2010/main" xmlns:p15="http://schemas.microsoft.com/office/powerpoint/2012/main" xmlns:ahyp="http://schemas.microsoft.com/office/drawing/2018/hyperlinkcolor">
+<p:sld xmlns:a="http://schemas.openxmlformats.org/drawingml/2006/main" xmlns:r="http://schemas.openxmlformats.org/officeDocument/2006/relationships" xmlns:p="http://schemas.openxmlformats.org/presentationml/2006/main">
   <p:cSld>
     <p:spTree>
       <p:nvGrpSpPr>
-        <p:cNvPr id="59" name="Shape 59"/>
+        <p:cNvPr id="1" name="Shape 59"/>
         <p:cNvGrpSpPr/>
         <p:nvPr/>
       </p:nvGrpSpPr>
@@ -7986,7 +8199,9 @@
       <p:sp>
         <p:nvSpPr>
           <p:cNvPr id="60" name="Google Shape;60;p14"/>
-          <p:cNvSpPr txBox="1"/>
+          <p:cNvSpPr txBox="1">
+            <a:spLocks noGrp="1"/>
+          </p:cNvSpPr>
           <p:nvPr>
             <p:ph type="title"/>
           </p:nvPr>
@@ -8001,12 +8216,12 @@
           </a:prstGeom>
         </p:spPr>
         <p:txBody>
-          <a:bodyPr anchorCtr="0" anchor="t" bIns="91425" lIns="91425" spcFirstLastPara="1" rIns="91425" wrap="square" tIns="91425">
+          <a:bodyPr spcFirstLastPara="1" wrap="square" lIns="91425" tIns="91425" rIns="91425" bIns="91425" anchor="t" anchorCtr="0">
             <a:noAutofit/>
           </a:bodyPr>
           <a:lstStyle/>
           <a:p>
-            <a:pPr indent="0" lvl="0" marL="0" rtl="0" algn="l">
+            <a:pPr marL="0" lvl="0" indent="0" algn="l" rtl="0">
               <a:spcBef>
                 <a:spcPts val="0"/>
               </a:spcBef>
@@ -8017,19 +8232,21 @@
               <a:buNone/>
             </a:pPr>
             <a:r>
-              <a:rPr lang="en" sz="1820"/>
+              <a:rPr lang="en" sz="1820" dirty="0"/>
               <a:t>Trading WSB stocks using technical and macro indicators, and sentiment analysis</a:t>
             </a:r>
-            <a:endParaRPr sz="1820"/>
+            <a:endParaRPr sz="1820" dirty="0"/>
           </a:p>
         </p:txBody>
       </p:sp>
       <p:sp>
         <p:nvSpPr>
           <p:cNvPr id="61" name="Google Shape;61;p14"/>
-          <p:cNvSpPr txBox="1"/>
+          <p:cNvSpPr txBox="1">
+            <a:spLocks noGrp="1"/>
+          </p:cNvSpPr>
           <p:nvPr>
-            <p:ph idx="1" type="body"/>
+            <p:ph type="body" idx="1"/>
           </p:nvPr>
         </p:nvSpPr>
         <p:spPr>
@@ -8042,12 +8259,12 @@
           </a:prstGeom>
         </p:spPr>
         <p:txBody>
-          <a:bodyPr anchorCtr="0" anchor="t" bIns="91425" lIns="91425" spcFirstLastPara="1" rIns="91425" wrap="square" tIns="91425">
+          <a:bodyPr spcFirstLastPara="1" wrap="square" lIns="91425" tIns="91425" rIns="91425" bIns="91425" anchor="t" anchorCtr="0">
             <a:normAutofit/>
           </a:bodyPr>
           <a:lstStyle/>
           <a:p>
-            <a:pPr indent="0" lvl="0" marL="0" rtl="0" algn="l">
+            <a:pPr marL="0" lvl="0" indent="0" algn="l" rtl="0">
               <a:lnSpc>
                 <a:spcPct val="200000"/>
               </a:lnSpc>
@@ -8060,25 +8277,13 @@
               <a:buNone/>
             </a:pPr>
             <a:r>
-              <a:rPr lang="en"/>
-              <a:t>1.	</a:t>
+              <a:rPr lang="en" sz="1400" dirty="0"/>
+              <a:t>1.	Technical indicators: William’s R%, RSI, on-balance volume, beta, and AR(1)</a:t>
             </a:r>
-            <a:r>
-              <a:rPr lang="en"/>
-              <a:t>Technical </a:t>
-            </a:r>
-            <a:r>
-              <a:rPr lang="en"/>
-              <a:t>indicators</a:t>
-            </a:r>
-            <a:r>
-              <a:rPr lang="en"/>
-              <a:t>: William’s R%, RSI, on-balance volume, beta, and AR(1)</a:t>
-            </a:r>
-            <a:endParaRPr/>
-          </a:p>
-          <a:p>
-            <a:pPr indent="0" lvl="0" marL="0" rtl="0" algn="l">
+            <a:endParaRPr sz="1400" dirty="0"/>
+          </a:p>
+          <a:p>
+            <a:pPr marL="0" lvl="0" indent="0" algn="l" rtl="0">
               <a:lnSpc>
                 <a:spcPct val="200000"/>
               </a:lnSpc>
@@ -8091,13 +8296,13 @@
               <a:buNone/>
             </a:pPr>
             <a:r>
-              <a:rPr lang="en"/>
+              <a:rPr lang="en" sz="1400" dirty="0"/>
               <a:t>2.	Macro indicators: 2s10s yield curve, VIX index, USDJPY	</a:t>
             </a:r>
-            <a:endParaRPr/>
-          </a:p>
-          <a:p>
-            <a:pPr indent="0" lvl="0" marL="0" rtl="0" algn="l">
+            <a:endParaRPr sz="1400" dirty="0"/>
+          </a:p>
+          <a:p>
+            <a:pPr marL="0" lvl="0" indent="0" algn="l" rtl="0">
               <a:lnSpc>
                 <a:spcPct val="200000"/>
               </a:lnSpc>
@@ -8110,13 +8315,13 @@
               <a:buNone/>
             </a:pPr>
             <a:r>
-              <a:rPr lang="en"/>
+              <a:rPr lang="en" sz="1400" dirty="0"/>
               <a:t>3.	Sentiment analysis: NLTK Vader and custom RNN LSTM</a:t>
             </a:r>
-            <a:endParaRPr/>
-          </a:p>
-          <a:p>
-            <a:pPr indent="0" lvl="0" marL="0" rtl="0" algn="l">
+            <a:endParaRPr sz="1400" dirty="0"/>
+          </a:p>
+          <a:p>
+            <a:pPr marL="0" lvl="0" indent="0" algn="l" rtl="0">
               <a:lnSpc>
                 <a:spcPct val="200000"/>
               </a:lnSpc>
@@ -8129,13 +8334,13 @@
               <a:buNone/>
             </a:pPr>
             <a:r>
-              <a:rPr lang="en"/>
+              <a:rPr lang="en" sz="1400" dirty="0"/>
               <a:t>4.	XGBoost regression to forecast next minute returns</a:t>
             </a:r>
-            <a:endParaRPr/>
-          </a:p>
-          <a:p>
-            <a:pPr indent="0" lvl="0" marL="0" rtl="0" algn="l">
+            <a:endParaRPr sz="1400" dirty="0"/>
+          </a:p>
+          <a:p>
+            <a:pPr marL="0" lvl="0" indent="0" algn="l" rtl="0">
               <a:lnSpc>
                 <a:spcPct val="200000"/>
               </a:lnSpc>
@@ -8148,18 +8353,10 @@
               <a:buNone/>
             </a:pPr>
             <a:r>
-              <a:rPr lang="en"/>
-              <a:t>5.	Trade sizing </a:t>
+              <a:rPr lang="en" sz="1400" dirty="0"/>
+              <a:t>5.	Trade sizing based on historical returns and standard deviation</a:t>
             </a:r>
-            <a:r>
-              <a:rPr lang="en"/>
-              <a:t>based</a:t>
-            </a:r>
-            <a:r>
-              <a:rPr lang="en"/>
-              <a:t> on historical returns and standard deviation</a:t>
-            </a:r>
-            <a:endParaRPr/>
+            <a:endParaRPr sz="1400" dirty="0"/>
           </a:p>
         </p:txBody>
       </p:sp>
@@ -8172,11 +8369,11 @@
 </file>
 
 <file path=ppt/slides/slide3.xml><?xml version="1.0" encoding="utf-8"?>
-<p:sld xmlns:a="http://schemas.openxmlformats.org/drawingml/2006/main" xmlns:r="http://schemas.openxmlformats.org/officeDocument/2006/relationships" xmlns:mc="http://schemas.openxmlformats.org/markup-compatibility/2006" xmlns:mv="urn:schemas-microsoft-com:mac:vml" xmlns:p="http://schemas.openxmlformats.org/presentationml/2006/main" xmlns:c="http://schemas.openxmlformats.org/drawingml/2006/chart" xmlns:dgm="http://schemas.openxmlformats.org/drawingml/2006/diagram" xmlns:o="urn:schemas-microsoft-com:office:office" xmlns:v="urn:schemas-microsoft-com:vml" xmlns:pvml="urn:schemas-microsoft-com:office:powerpoint" xmlns:com="http://schemas.openxmlformats.org/drawingml/2006/compatibility" xmlns:p14="http://schemas.microsoft.com/office/powerpoint/2010/main" xmlns:p15="http://schemas.microsoft.com/office/powerpoint/2012/main" xmlns:ahyp="http://schemas.microsoft.com/office/drawing/2018/hyperlinkcolor">
+<p:sld xmlns:a="http://schemas.openxmlformats.org/drawingml/2006/main" xmlns:r="http://schemas.openxmlformats.org/officeDocument/2006/relationships" xmlns:p="http://schemas.openxmlformats.org/presentationml/2006/main">
   <p:cSld>
     <p:spTree>
       <p:nvGrpSpPr>
-        <p:cNvPr id="65" name="Shape 65"/>
+        <p:cNvPr id="1" name="Shape 65"/>
         <p:cNvGrpSpPr/>
         <p:nvPr/>
       </p:nvGrpSpPr>
@@ -8191,7 +8388,9 @@
       <p:sp>
         <p:nvSpPr>
           <p:cNvPr id="66" name="Google Shape;66;p15"/>
-          <p:cNvSpPr txBox="1"/>
+          <p:cNvSpPr txBox="1">
+            <a:spLocks noGrp="1"/>
+          </p:cNvSpPr>
           <p:nvPr>
             <p:ph type="title"/>
           </p:nvPr>
@@ -8206,12 +8405,12 @@
           </a:prstGeom>
         </p:spPr>
         <p:txBody>
-          <a:bodyPr anchorCtr="0" anchor="t" bIns="91425" lIns="91425" spcFirstLastPara="1" rIns="91425" wrap="square" tIns="91425">
+          <a:bodyPr spcFirstLastPara="1" wrap="square" lIns="91425" tIns="91425" rIns="91425" bIns="91425" anchor="t" anchorCtr="0">
             <a:normAutofit fontScale="90000"/>
           </a:bodyPr>
           <a:lstStyle/>
           <a:p>
-            <a:pPr indent="0" lvl="0" marL="0" rtl="0" algn="l">
+            <a:pPr marL="0" lvl="0" indent="0" algn="l" rtl="0">
               <a:spcBef>
                 <a:spcPts val="0"/>
               </a:spcBef>
@@ -8231,9 +8430,11 @@
       <p:sp>
         <p:nvSpPr>
           <p:cNvPr id="67" name="Google Shape;67;p15"/>
-          <p:cNvSpPr txBox="1"/>
+          <p:cNvSpPr txBox="1">
+            <a:spLocks noGrp="1"/>
+          </p:cNvSpPr>
           <p:nvPr>
-            <p:ph idx="1" type="body"/>
+            <p:ph type="body" idx="1"/>
           </p:nvPr>
         </p:nvSpPr>
         <p:spPr>
@@ -8246,12 +8447,12 @@
           </a:prstGeom>
         </p:spPr>
         <p:txBody>
-          <a:bodyPr anchorCtr="0" anchor="t" bIns="91425" lIns="91425" spcFirstLastPara="1" rIns="91425" wrap="square" tIns="91425">
+          <a:bodyPr spcFirstLastPara="1" wrap="square" lIns="91425" tIns="91425" rIns="91425" bIns="91425" anchor="t" anchorCtr="0">
             <a:normAutofit/>
           </a:bodyPr>
           <a:lstStyle/>
           <a:p>
-            <a:pPr indent="-342900" lvl="0" marL="457200" rtl="0" algn="l">
+            <a:pPr marL="457200" lvl="0" indent="-342900" algn="l" rtl="0">
               <a:spcBef>
                 <a:spcPts val="0"/>
               </a:spcBef>
@@ -8268,7 +8469,7 @@
             <a:endParaRPr/>
           </a:p>
           <a:p>
-            <a:pPr indent="-342900" lvl="0" marL="457200" rtl="0" algn="l">
+            <a:pPr marL="457200" lvl="0" indent="-342900" algn="l" rtl="0">
               <a:spcBef>
                 <a:spcPts val="0"/>
               </a:spcBef>
@@ -8285,7 +8486,7 @@
             <a:endParaRPr/>
           </a:p>
           <a:p>
-            <a:pPr indent="-342900" lvl="0" marL="457200" rtl="0" algn="l">
+            <a:pPr marL="457200" lvl="0" indent="-342900" algn="l" rtl="0">
               <a:spcBef>
                 <a:spcPts val="0"/>
               </a:spcBef>
@@ -8302,7 +8503,7 @@
             <a:endParaRPr/>
           </a:p>
           <a:p>
-            <a:pPr indent="0" lvl="0" marL="0" rtl="0" algn="l">
+            <a:pPr marL="0" lvl="0" indent="0" algn="l" rtl="0">
               <a:spcBef>
                 <a:spcPts val="1200"/>
               </a:spcBef>
@@ -8328,11 +8529,11 @@
 </file>
 
 <file path=ppt/slides/slide4.xml><?xml version="1.0" encoding="utf-8"?>
-<p:sld xmlns:a="http://schemas.openxmlformats.org/drawingml/2006/main" xmlns:r="http://schemas.openxmlformats.org/officeDocument/2006/relationships" xmlns:mc="http://schemas.openxmlformats.org/markup-compatibility/2006" xmlns:mv="urn:schemas-microsoft-com:mac:vml" xmlns:p="http://schemas.openxmlformats.org/presentationml/2006/main" xmlns:c="http://schemas.openxmlformats.org/drawingml/2006/chart" xmlns:dgm="http://schemas.openxmlformats.org/drawingml/2006/diagram" xmlns:o="urn:schemas-microsoft-com:office:office" xmlns:v="urn:schemas-microsoft-com:vml" xmlns:pvml="urn:schemas-microsoft-com:office:powerpoint" xmlns:com="http://schemas.openxmlformats.org/drawingml/2006/compatibility" xmlns:p14="http://schemas.microsoft.com/office/powerpoint/2010/main" xmlns:p15="http://schemas.microsoft.com/office/powerpoint/2012/main" xmlns:ahyp="http://schemas.microsoft.com/office/drawing/2018/hyperlinkcolor">
+<p:sld xmlns:a="http://schemas.openxmlformats.org/drawingml/2006/main" xmlns:r="http://schemas.openxmlformats.org/officeDocument/2006/relationships" xmlns:p="http://schemas.openxmlformats.org/presentationml/2006/main">
   <p:cSld>
     <p:spTree>
       <p:nvGrpSpPr>
-        <p:cNvPr id="71" name="Shape 71"/>
+        <p:cNvPr id="1" name="Shape 71"/>
         <p:cNvGrpSpPr/>
         <p:nvPr/>
       </p:nvGrpSpPr>
@@ -8381,11 +8582,11 @@
 </file>
 
 <file path=ppt/slides/slide5.xml><?xml version="1.0" encoding="utf-8"?>
-<p:sld xmlns:a="http://schemas.openxmlformats.org/drawingml/2006/main" xmlns:r="http://schemas.openxmlformats.org/officeDocument/2006/relationships" xmlns:mc="http://schemas.openxmlformats.org/markup-compatibility/2006" xmlns:mv="urn:schemas-microsoft-com:mac:vml" xmlns:p="http://schemas.openxmlformats.org/presentationml/2006/main" xmlns:c="http://schemas.openxmlformats.org/drawingml/2006/chart" xmlns:dgm="http://schemas.openxmlformats.org/drawingml/2006/diagram" xmlns:o="urn:schemas-microsoft-com:office:office" xmlns:v="urn:schemas-microsoft-com:vml" xmlns:pvml="urn:schemas-microsoft-com:office:powerpoint" xmlns:com="http://schemas.openxmlformats.org/drawingml/2006/compatibility" xmlns:p14="http://schemas.microsoft.com/office/powerpoint/2010/main" xmlns:p15="http://schemas.microsoft.com/office/powerpoint/2012/main" xmlns:ahyp="http://schemas.microsoft.com/office/drawing/2018/hyperlinkcolor">
+<p:sld xmlns:a="http://schemas.openxmlformats.org/drawingml/2006/main" xmlns:r="http://schemas.openxmlformats.org/officeDocument/2006/relationships" xmlns:p="http://schemas.openxmlformats.org/presentationml/2006/main">
   <p:cSld>
     <p:spTree>
       <p:nvGrpSpPr>
-        <p:cNvPr id="76" name="Shape 76"/>
+        <p:cNvPr id="1" name="Shape 76"/>
         <p:cNvGrpSpPr/>
         <p:nvPr/>
       </p:nvGrpSpPr>
@@ -8400,7 +8601,9 @@
       <p:sp>
         <p:nvSpPr>
           <p:cNvPr id="77" name="Google Shape;77;p17"/>
-          <p:cNvSpPr txBox="1"/>
+          <p:cNvSpPr txBox="1">
+            <a:spLocks noGrp="1"/>
+          </p:cNvSpPr>
           <p:nvPr>
             <p:ph type="title"/>
           </p:nvPr>
@@ -8415,12 +8618,12 @@
           </a:prstGeom>
         </p:spPr>
         <p:txBody>
-          <a:bodyPr anchorCtr="0" anchor="t" bIns="91425" lIns="91425" spcFirstLastPara="1" rIns="91425" wrap="square" tIns="91425">
+          <a:bodyPr spcFirstLastPara="1" wrap="square" lIns="91425" tIns="91425" rIns="91425" bIns="91425" anchor="t" anchorCtr="0">
             <a:normAutofit fontScale="90000"/>
           </a:bodyPr>
           <a:lstStyle/>
           <a:p>
-            <a:pPr indent="0" lvl="0" marL="0" rtl="0" algn="l">
+            <a:pPr marL="0" lvl="0" indent="0" algn="l" rtl="0">
               <a:spcBef>
                 <a:spcPts val="0"/>
               </a:spcBef>
@@ -8440,9 +8643,11 @@
       <p:sp>
         <p:nvSpPr>
           <p:cNvPr id="78" name="Google Shape;78;p17"/>
-          <p:cNvSpPr txBox="1"/>
+          <p:cNvSpPr txBox="1">
+            <a:spLocks noGrp="1"/>
+          </p:cNvSpPr>
           <p:nvPr>
-            <p:ph idx="1" type="body"/>
+            <p:ph type="body" idx="1"/>
           </p:nvPr>
         </p:nvSpPr>
         <p:spPr>
@@ -8455,12 +8660,12 @@
           </a:prstGeom>
         </p:spPr>
         <p:txBody>
-          <a:bodyPr anchorCtr="0" anchor="t" bIns="91425" lIns="91425" spcFirstLastPara="1" rIns="91425" wrap="square" tIns="91425">
+          <a:bodyPr spcFirstLastPara="1" wrap="square" lIns="91425" tIns="91425" rIns="91425" bIns="91425" anchor="t" anchorCtr="0">
             <a:normAutofit fontScale="92500" lnSpcReduction="20000"/>
           </a:bodyPr>
           <a:lstStyle/>
           <a:p>
-            <a:pPr indent="0" lvl="0" marL="0" rtl="0" algn="l">
+            <a:pPr marL="0" lvl="0" indent="0" algn="l" rtl="0">
               <a:spcBef>
                 <a:spcPts val="0"/>
               </a:spcBef>
@@ -8470,7 +8675,7 @@
               <a:buNone/>
             </a:pPr>
             <a:r>
-              <a:rPr b="1" lang="en"/>
+              <a:rPr lang="en" b="1"/>
               <a:t>William %R</a:t>
             </a:r>
             <a:r>
@@ -8480,7 +8685,7 @@
             <a:endParaRPr/>
           </a:p>
           <a:p>
-            <a:pPr indent="0" lvl="0" marL="0" rtl="0" algn="ctr">
+            <a:pPr marL="0" lvl="0" indent="0" algn="ctr" rtl="0">
               <a:spcBef>
                 <a:spcPts val="0"/>
               </a:spcBef>
@@ -8536,7 +8741,7 @@
             <a:endParaRPr/>
           </a:p>
           <a:p>
-            <a:pPr indent="0" lvl="0" marL="0" rtl="0" algn="ctr">
+            <a:pPr marL="0" lvl="0" indent="0" algn="ctr" rtl="0">
               <a:spcBef>
                 <a:spcPts val="0"/>
               </a:spcBef>
@@ -8550,13 +8755,10 @@
               <a:buFont typeface="Arial"/>
               <a:buNone/>
             </a:pPr>
-            <a:r>
-              <a:t/>
-            </a:r>
             <a:endParaRPr/>
           </a:p>
           <a:p>
-            <a:pPr indent="0" lvl="0" marL="0" rtl="0" algn="l">
+            <a:pPr marL="0" lvl="0" indent="0" algn="l" rtl="0">
               <a:spcBef>
                 <a:spcPts val="0"/>
               </a:spcBef>
@@ -8566,7 +8768,7 @@
               <a:buNone/>
             </a:pPr>
             <a:r>
-              <a:rPr b="1" lang="en"/>
+              <a:rPr lang="en" b="1"/>
               <a:t>Relative Strength Index (RSI)</a:t>
             </a:r>
             <a:r>
@@ -8576,7 +8778,7 @@
             <a:endParaRPr/>
           </a:p>
           <a:p>
-            <a:pPr indent="0" lvl="0" marL="0" rtl="0" algn="ctr">
+            <a:pPr marL="0" lvl="0" indent="0" algn="ctr" rtl="0">
               <a:spcBef>
                 <a:spcPts val="0"/>
               </a:spcBef>
@@ -8613,7 +8815,7 @@
             <a:endParaRPr/>
           </a:p>
           <a:p>
-            <a:pPr indent="0" lvl="0" marL="0" rtl="0" algn="l">
+            <a:pPr marL="0" lvl="0" indent="0" algn="l" rtl="0">
               <a:spcBef>
                 <a:spcPts val="0"/>
               </a:spcBef>
@@ -8637,7 +8839,7 @@
             <a:endParaRPr sz="1700"/>
           </a:p>
           <a:p>
-            <a:pPr indent="0" lvl="0" marL="0" rtl="0" algn="l">
+            <a:pPr marL="0" lvl="0" indent="0" algn="l" rtl="0">
               <a:spcBef>
                 <a:spcPts val="0"/>
               </a:spcBef>
@@ -8651,13 +8853,10 @@
               <a:buFont typeface="Arial"/>
               <a:buNone/>
             </a:pPr>
-            <a:r>
-              <a:t/>
-            </a:r>
             <a:endParaRPr sz="1700"/>
           </a:p>
           <a:p>
-            <a:pPr indent="0" lvl="0" marL="0" rtl="0" algn="l">
+            <a:pPr marL="0" lvl="0" indent="0" algn="l" rtl="0">
               <a:spcBef>
                 <a:spcPts val="0"/>
               </a:spcBef>
@@ -8667,7 +8866,7 @@
               <a:buNone/>
             </a:pPr>
             <a:r>
-              <a:rPr b="1" lang="en"/>
+              <a:rPr lang="en" b="1"/>
               <a:t>On-Balance Value: </a:t>
             </a:r>
             <a:r>
@@ -8677,7 +8876,7 @@
             <a:endParaRPr/>
           </a:p>
           <a:p>
-            <a:pPr indent="0" lvl="0" marL="0" rtl="0" algn="l">
+            <a:pPr marL="0" lvl="0" indent="0" algn="l" rtl="0">
               <a:spcBef>
                 <a:spcPts val="0"/>
               </a:spcBef>
@@ -8697,7 +8896,7 @@
             </a:endParaRPr>
           </a:p>
           <a:p>
-            <a:pPr indent="0" lvl="0" marL="0" marR="0" rtl="0" algn="l">
+            <a:pPr marL="0" marR="0" lvl="0" indent="0" algn="l" rtl="0">
               <a:lnSpc>
                 <a:spcPct val="115000"/>
               </a:lnSpc>
@@ -8709,9 +8908,6 @@
               </a:spcAft>
               <a:buNone/>
             </a:pPr>
-            <a:r>
-              <a:t/>
-            </a:r>
             <a:endParaRPr/>
           </a:p>
         </p:txBody>
@@ -8753,11 +8949,11 @@
 </file>
 
 <file path=ppt/slides/slide6.xml><?xml version="1.0" encoding="utf-8"?>
-<p:sld xmlns:a="http://schemas.openxmlformats.org/drawingml/2006/main" xmlns:r="http://schemas.openxmlformats.org/officeDocument/2006/relationships" xmlns:mc="http://schemas.openxmlformats.org/markup-compatibility/2006" xmlns:mv="urn:schemas-microsoft-com:mac:vml" xmlns:p="http://schemas.openxmlformats.org/presentationml/2006/main" xmlns:c="http://schemas.openxmlformats.org/drawingml/2006/chart" xmlns:dgm="http://schemas.openxmlformats.org/drawingml/2006/diagram" xmlns:o="urn:schemas-microsoft-com:office:office" xmlns:v="urn:schemas-microsoft-com:vml" xmlns:pvml="urn:schemas-microsoft-com:office:powerpoint" xmlns:com="http://schemas.openxmlformats.org/drawingml/2006/compatibility" xmlns:p14="http://schemas.microsoft.com/office/powerpoint/2010/main" xmlns:p15="http://schemas.microsoft.com/office/powerpoint/2012/main" xmlns:ahyp="http://schemas.microsoft.com/office/drawing/2018/hyperlinkcolor">
+<p:sld xmlns:a="http://schemas.openxmlformats.org/drawingml/2006/main" xmlns:r="http://schemas.openxmlformats.org/officeDocument/2006/relationships" xmlns:p="http://schemas.openxmlformats.org/presentationml/2006/main">
   <p:cSld>
     <p:spTree>
       <p:nvGrpSpPr>
-        <p:cNvPr id="83" name="Shape 83"/>
+        <p:cNvPr id="1" name="Shape 83"/>
         <p:cNvGrpSpPr/>
         <p:nvPr/>
       </p:nvGrpSpPr>
@@ -8772,7 +8968,9 @@
       <p:sp>
         <p:nvSpPr>
           <p:cNvPr id="84" name="Google Shape;84;p18"/>
-          <p:cNvSpPr txBox="1"/>
+          <p:cNvSpPr txBox="1">
+            <a:spLocks noGrp="1"/>
+          </p:cNvSpPr>
           <p:nvPr>
             <p:ph type="title"/>
           </p:nvPr>
@@ -8787,12 +8985,12 @@
           </a:prstGeom>
         </p:spPr>
         <p:txBody>
-          <a:bodyPr anchorCtr="0" anchor="t" bIns="91425" lIns="91425" spcFirstLastPara="1" rIns="91425" wrap="square" tIns="91425">
+          <a:bodyPr spcFirstLastPara="1" wrap="square" lIns="91425" tIns="91425" rIns="91425" bIns="91425" anchor="t" anchorCtr="0">
             <a:normAutofit fontScale="90000"/>
           </a:bodyPr>
           <a:lstStyle/>
           <a:p>
-            <a:pPr indent="0" lvl="0" marL="0" rtl="0" algn="l">
+            <a:pPr marL="0" lvl="0" indent="0" algn="l" rtl="0">
               <a:spcBef>
                 <a:spcPts val="0"/>
               </a:spcBef>
@@ -8812,9 +9010,11 @@
       <p:sp>
         <p:nvSpPr>
           <p:cNvPr id="85" name="Google Shape;85;p18"/>
-          <p:cNvSpPr txBox="1"/>
+          <p:cNvSpPr txBox="1">
+            <a:spLocks noGrp="1"/>
+          </p:cNvSpPr>
           <p:nvPr>
-            <p:ph idx="1" type="body"/>
+            <p:ph type="body" idx="1"/>
           </p:nvPr>
         </p:nvSpPr>
         <p:spPr>
@@ -8827,12 +9027,12 @@
           </a:prstGeom>
         </p:spPr>
         <p:txBody>
-          <a:bodyPr anchorCtr="0" anchor="t" bIns="91425" lIns="91425" spcFirstLastPara="1" rIns="91425" wrap="square" tIns="91425">
+          <a:bodyPr spcFirstLastPara="1" wrap="square" lIns="91425" tIns="91425" rIns="91425" bIns="91425" anchor="t" anchorCtr="0">
             <a:normAutofit/>
           </a:bodyPr>
           <a:lstStyle/>
           <a:p>
-            <a:pPr indent="0" lvl="0" marL="0" marR="0" rtl="0" algn="l">
+            <a:pPr marL="0" marR="0" lvl="0" indent="0" algn="l" rtl="0">
               <a:lnSpc>
                 <a:spcPct val="115000"/>
               </a:lnSpc>
@@ -8845,17 +9045,17 @@
               <a:buNone/>
             </a:pPr>
             <a:r>
-              <a:rPr b="1" lang="en"/>
+              <a:rPr lang="en" b="1" dirty="0"/>
               <a:t>US 2 year/10 year yield spread:  </a:t>
             </a:r>
             <a:r>
-              <a:rPr lang="en"/>
+              <a:rPr lang="en" dirty="0"/>
               <a:t>general tendency to signal the market’s expectation of an upcoming recession or general downturn in growth</a:t>
             </a:r>
-            <a:endParaRPr/>
-          </a:p>
-          <a:p>
-            <a:pPr indent="0" lvl="0" marL="0" marR="0" rtl="0" algn="l">
+            <a:endParaRPr dirty="0"/>
+          </a:p>
+          <a:p>
+            <a:pPr marL="0" marR="0" lvl="0" indent="0" algn="l" rtl="0">
               <a:lnSpc>
                 <a:spcPct val="115000"/>
               </a:lnSpc>
@@ -8867,13 +9067,10 @@
               </a:spcAft>
               <a:buNone/>
             </a:pPr>
-            <a:r>
-              <a:t/>
-            </a:r>
-            <a:endParaRPr b="1"/>
-          </a:p>
-          <a:p>
-            <a:pPr indent="0" lvl="0" marL="0" marR="0" rtl="0" algn="l">
+            <a:endParaRPr b="1" dirty="0"/>
+          </a:p>
+          <a:p>
+            <a:pPr marL="0" marR="0" lvl="0" indent="0" algn="l" rtl="0">
               <a:lnSpc>
                 <a:spcPct val="115000"/>
               </a:lnSpc>
@@ -8886,65 +9083,76 @@
               <a:buNone/>
             </a:pPr>
             <a:r>
-              <a:rPr b="1" lang="en"/>
+              <a:rPr lang="en" b="1" dirty="0"/>
               <a:t>VIX: </a:t>
             </a:r>
             <a:r>
-              <a:rPr lang="en"/>
+              <a:rPr lang="en" dirty="0">
+                <a:solidFill>
+                  <a:srgbClr val="595959"/>
+                </a:solidFill>
+              </a:rPr>
               <a:t>a measure of the </a:t>
             </a:r>
             <a:r>
-              <a:rPr lang="en">
+              <a:rPr lang="en" dirty="0" smtClean="0">
+                <a:solidFill>
+                  <a:srgbClr val="595959"/>
+                </a:solidFill>
+              </a:rPr>
+              <a:t>stock market's </a:t>
+            </a:r>
+            <a:r>
+              <a:rPr lang="en" dirty="0">
+                <a:solidFill>
+                  <a:srgbClr val="595959"/>
+                </a:solidFill>
+              </a:rPr>
+              <a:t>expectation of </a:t>
+            </a:r>
+            <a:r>
+              <a:rPr lang="en" dirty="0" smtClean="0">
+                <a:solidFill>
+                  <a:srgbClr val="595959"/>
+                </a:solidFill>
                 <a:uFill>
                   <a:noFill/>
                 </a:uFill>
-                <a:hlinkClick r:id="rId3"/>
               </a:rPr>
-              <a:t>stock market</a:t>
+              <a:t>volatility </a:t>
             </a:r>
             <a:r>
-              <a:rPr lang="en"/>
-              <a:t>'s expectation of </a:t>
+              <a:rPr lang="en" dirty="0" smtClean="0">
+                <a:solidFill>
+                  <a:srgbClr val="595959"/>
+                </a:solidFill>
+              </a:rPr>
+              <a:t>based </a:t>
             </a:r>
             <a:r>
-              <a:rPr lang="en">
-                <a:uFill>
-                  <a:noFill/>
-                </a:uFill>
-                <a:hlinkClick r:id="rId4"/>
+              <a:rPr lang="en" dirty="0">
+                <a:solidFill>
+                  <a:srgbClr val="595959"/>
+                </a:solidFill>
               </a:rPr>
-              <a:t>volatility</a:t>
+              <a:t>on </a:t>
             </a:r>
             <a:r>
-              <a:rPr lang="en"/>
-              <a:t> based on </a:t>
+              <a:rPr lang="en" dirty="0" smtClean="0">
+                <a:solidFill>
+                  <a:srgbClr val="595959"/>
+                </a:solidFill>
+              </a:rPr>
+              <a:t>S&amp;P 500 index options</a:t>
             </a:r>
-            <a:r>
-              <a:rPr lang="en">
-                <a:uFill>
-                  <a:noFill/>
-                </a:uFill>
-                <a:hlinkClick r:id="rId5"/>
-              </a:rPr>
-              <a:t>S&amp;P 500</a:t>
-            </a:r>
-            <a:r>
-              <a:rPr lang="en"/>
-              <a:t> index </a:t>
-            </a:r>
-            <a:r>
-              <a:rPr lang="en">
-                <a:uFill>
-                  <a:noFill/>
-                </a:uFill>
-                <a:hlinkClick r:id="rId6"/>
-              </a:rPr>
-              <a:t>options</a:t>
-            </a:r>
-            <a:endParaRPr/>
-          </a:p>
-          <a:p>
-            <a:pPr indent="0" lvl="0" marL="0" marR="0" rtl="0" algn="l">
+            <a:endParaRPr dirty="0">
+              <a:solidFill>
+                <a:srgbClr val="595959"/>
+              </a:solidFill>
+            </a:endParaRPr>
+          </a:p>
+          <a:p>
+            <a:pPr marL="0" marR="0" lvl="0" indent="0" algn="l" rtl="0">
               <a:lnSpc>
                 <a:spcPct val="115000"/>
               </a:lnSpc>
@@ -8956,13 +9164,10 @@
               </a:spcAft>
               <a:buNone/>
             </a:pPr>
-            <a:r>
-              <a:t/>
-            </a:r>
-            <a:endParaRPr b="1"/>
-          </a:p>
-          <a:p>
-            <a:pPr indent="0" lvl="0" marL="0" rtl="0" algn="l">
+            <a:endParaRPr b="1" dirty="0"/>
+          </a:p>
+          <a:p>
+            <a:pPr marL="0" lvl="0" indent="0" algn="l" rtl="0">
               <a:spcBef>
                 <a:spcPts val="0"/>
               </a:spcBef>
@@ -8972,21 +9177,21 @@
               <a:buNone/>
             </a:pPr>
             <a:r>
-              <a:rPr b="1" lang="en"/>
+              <a:rPr lang="en" b="1" dirty="0"/>
               <a:t>USD/JYP exchange rate: </a:t>
             </a:r>
             <a:r>
-              <a:rPr lang="en"/>
+              <a:rPr lang="en" dirty="0"/>
               <a:t>Japanese Yen is considered a safe currency </a:t>
             </a:r>
-            <a:endParaRPr>
+            <a:endParaRPr dirty="0">
               <a:solidFill>
                 <a:srgbClr val="413839"/>
               </a:solidFill>
             </a:endParaRPr>
           </a:p>
           <a:p>
-            <a:pPr indent="0" lvl="0" marL="0" rtl="0" algn="l">
+            <a:pPr marL="0" lvl="0" indent="0" algn="l" rtl="0">
               <a:spcBef>
                 <a:spcPts val="0"/>
               </a:spcBef>
@@ -9000,13 +9205,10 @@
               <a:buFont typeface="Arial"/>
               <a:buNone/>
             </a:pPr>
-            <a:r>
-              <a:t/>
-            </a:r>
-            <a:endParaRPr b="1"/>
-          </a:p>
-          <a:p>
-            <a:pPr indent="0" lvl="0" marL="0" marR="0" rtl="0" algn="l">
+            <a:endParaRPr b="1" dirty="0"/>
+          </a:p>
+          <a:p>
+            <a:pPr marL="0" marR="0" lvl="0" indent="0" algn="l" rtl="0">
               <a:lnSpc>
                 <a:spcPct val="115000"/>
               </a:lnSpc>
@@ -9018,10 +9220,7 @@
               </a:spcAft>
               <a:buNone/>
             </a:pPr>
-            <a:r>
-              <a:t/>
-            </a:r>
-            <a:endParaRPr>
+            <a:endParaRPr dirty="0">
               <a:solidFill>
                 <a:schemeClr val="dk1"/>
               </a:solidFill>
@@ -9041,11 +9240,11 @@
 </file>
 
 <file path=ppt/slides/slide7.xml><?xml version="1.0" encoding="utf-8"?>
-<p:sld xmlns:a="http://schemas.openxmlformats.org/drawingml/2006/main" xmlns:r="http://schemas.openxmlformats.org/officeDocument/2006/relationships" xmlns:mc="http://schemas.openxmlformats.org/markup-compatibility/2006" xmlns:mv="urn:schemas-microsoft-com:mac:vml" xmlns:p="http://schemas.openxmlformats.org/presentationml/2006/main" xmlns:c="http://schemas.openxmlformats.org/drawingml/2006/chart" xmlns:dgm="http://schemas.openxmlformats.org/drawingml/2006/diagram" xmlns:o="urn:schemas-microsoft-com:office:office" xmlns:v="urn:schemas-microsoft-com:vml" xmlns:pvml="urn:schemas-microsoft-com:office:powerpoint" xmlns:com="http://schemas.openxmlformats.org/drawingml/2006/compatibility" xmlns:p14="http://schemas.microsoft.com/office/powerpoint/2010/main" xmlns:p15="http://schemas.microsoft.com/office/powerpoint/2012/main" xmlns:ahyp="http://schemas.microsoft.com/office/drawing/2018/hyperlinkcolor">
+<p:sld xmlns:a="http://schemas.openxmlformats.org/drawingml/2006/main" xmlns:r="http://schemas.openxmlformats.org/officeDocument/2006/relationships" xmlns:p="http://schemas.openxmlformats.org/presentationml/2006/main">
   <p:cSld>
     <p:spTree>
       <p:nvGrpSpPr>
-        <p:cNvPr id="89" name="Shape 89"/>
+        <p:cNvPr id="1" name="Shape 89"/>
         <p:cNvGrpSpPr/>
         <p:nvPr/>
       </p:nvGrpSpPr>
@@ -9060,7 +9259,9 @@
       <p:sp>
         <p:nvSpPr>
           <p:cNvPr id="90" name="Google Shape;90;p19"/>
-          <p:cNvSpPr txBox="1"/>
+          <p:cNvSpPr txBox="1">
+            <a:spLocks noGrp="1"/>
+          </p:cNvSpPr>
           <p:nvPr>
             <p:ph type="title"/>
           </p:nvPr>
@@ -9075,12 +9276,12 @@
           </a:prstGeom>
         </p:spPr>
         <p:txBody>
-          <a:bodyPr anchorCtr="0" anchor="t" bIns="91425" lIns="91425" spcFirstLastPara="1" rIns="91425" wrap="square" tIns="91425">
+          <a:bodyPr spcFirstLastPara="1" wrap="square" lIns="91425" tIns="91425" rIns="91425" bIns="91425" anchor="t" anchorCtr="0">
             <a:normAutofit fontScale="90000"/>
           </a:bodyPr>
           <a:lstStyle/>
           <a:p>
-            <a:pPr indent="0" lvl="0" marL="0" rtl="0" algn="l">
+            <a:pPr marL="0" lvl="0" indent="0" algn="l" rtl="0">
               <a:spcBef>
                 <a:spcPts val="0"/>
               </a:spcBef>
@@ -9100,9 +9301,11 @@
       <p:sp>
         <p:nvSpPr>
           <p:cNvPr id="91" name="Google Shape;91;p19"/>
-          <p:cNvSpPr txBox="1"/>
+          <p:cNvSpPr txBox="1">
+            <a:spLocks noGrp="1"/>
+          </p:cNvSpPr>
           <p:nvPr>
-            <p:ph idx="1" type="body"/>
+            <p:ph type="body" idx="1"/>
           </p:nvPr>
         </p:nvSpPr>
         <p:spPr>
@@ -9115,12 +9318,12 @@
           </a:prstGeom>
         </p:spPr>
         <p:txBody>
-          <a:bodyPr anchorCtr="0" anchor="t" bIns="91425" lIns="91425" spcFirstLastPara="1" rIns="91425" wrap="square" tIns="91425">
+          <a:bodyPr spcFirstLastPara="1" wrap="square" lIns="91425" tIns="91425" rIns="91425" bIns="91425" anchor="t" anchorCtr="0">
             <a:noAutofit/>
           </a:bodyPr>
           <a:lstStyle/>
           <a:p>
-            <a:pPr indent="0" lvl="0" marL="0" rtl="0" algn="l">
+            <a:pPr marL="0" lvl="0" indent="0" algn="l" rtl="0">
               <a:lnSpc>
                 <a:spcPct val="95000"/>
               </a:lnSpc>
@@ -9140,7 +9343,7 @@
             <a:endParaRPr sz="1350"/>
           </a:p>
           <a:p>
-            <a:pPr indent="0" lvl="0" marL="0" rtl="0" algn="l">
+            <a:pPr marL="0" lvl="0" indent="0" algn="l" rtl="0">
               <a:lnSpc>
                 <a:spcPct val="95000"/>
               </a:lnSpc>
@@ -9160,7 +9363,7 @@
             <a:endParaRPr sz="1350"/>
           </a:p>
           <a:p>
-            <a:pPr indent="0" lvl="0" marL="0" rtl="0" algn="l">
+            <a:pPr marL="0" lvl="0" indent="0" algn="l" rtl="0">
               <a:lnSpc>
                 <a:spcPct val="95000"/>
               </a:lnSpc>
@@ -9173,13 +9376,10 @@
               <a:buSzPts val="275"/>
               <a:buNone/>
             </a:pPr>
-            <a:r>
-              <a:t/>
-            </a:r>
             <a:endParaRPr sz="1350"/>
           </a:p>
           <a:p>
-            <a:pPr indent="0" lvl="0" marL="0" rtl="0" algn="l">
+            <a:pPr marL="0" lvl="0" indent="0" algn="l" rtl="0">
               <a:lnSpc>
                 <a:spcPct val="95000"/>
               </a:lnSpc>
@@ -9192,13 +9392,10 @@
               <a:buSzPts val="275"/>
               <a:buNone/>
             </a:pPr>
-            <a:r>
-              <a:t/>
-            </a:r>
             <a:endParaRPr sz="1350"/>
           </a:p>
           <a:p>
-            <a:pPr indent="0" lvl="0" marL="0" rtl="0" algn="l">
+            <a:pPr marL="0" lvl="0" indent="0" algn="l" rtl="0">
               <a:lnSpc>
                 <a:spcPct val="95000"/>
               </a:lnSpc>
@@ -9211,9 +9408,6 @@
               <a:buSzPts val="275"/>
               <a:buNone/>
             </a:pPr>
-            <a:r>
-              <a:t/>
-            </a:r>
             <a:endParaRPr sz="1350"/>
           </a:p>
         </p:txBody>
@@ -9277,9 +9471,11 @@
       <p:sp>
         <p:nvSpPr>
           <p:cNvPr id="94" name="Google Shape;94;p19"/>
-          <p:cNvSpPr txBox="1"/>
+          <p:cNvSpPr txBox="1">
+            <a:spLocks noGrp="1"/>
+          </p:cNvSpPr>
           <p:nvPr>
-            <p:ph idx="1" type="body"/>
+            <p:ph type="body" idx="1"/>
           </p:nvPr>
         </p:nvSpPr>
         <p:spPr>
@@ -9292,12 +9488,12 @@
           </a:prstGeom>
         </p:spPr>
         <p:txBody>
-          <a:bodyPr anchorCtr="0" anchor="t" bIns="91425" lIns="91425" spcFirstLastPara="1" rIns="91425" wrap="square" tIns="91425">
+          <a:bodyPr spcFirstLastPara="1" wrap="square" lIns="91425" tIns="91425" rIns="91425" bIns="91425" anchor="t" anchorCtr="0">
             <a:noAutofit/>
           </a:bodyPr>
           <a:lstStyle/>
           <a:p>
-            <a:pPr indent="0" lvl="0" marL="0" rtl="0" algn="l">
+            <a:pPr marL="0" lvl="0" indent="0" algn="l" rtl="0">
               <a:lnSpc>
                 <a:spcPct val="95000"/>
               </a:lnSpc>
@@ -9311,13 +9507,13 @@
               <a:buNone/>
             </a:pPr>
             <a:r>
-              <a:rPr lang="en" sz="1650"/>
-              <a:t> Vader Accuracy: 93.71%					RNN LSTM Accuracy: 77.81%</a:t>
+              <a:rPr lang="en" sz="1650" dirty="0"/>
+              <a:t> Vader Accuracy: 93.71%			RNN LSTM Accuracy: 77.81%</a:t>
             </a:r>
-            <a:endParaRPr sz="1650"/>
-          </a:p>
-          <a:p>
-            <a:pPr indent="0" lvl="0" marL="0" rtl="0" algn="l">
+            <a:endParaRPr sz="1650" dirty="0"/>
+          </a:p>
+          <a:p>
+            <a:pPr marL="0" lvl="0" indent="0" algn="l" rtl="0">
               <a:lnSpc>
                 <a:spcPct val="95000"/>
               </a:lnSpc>
@@ -9330,10 +9526,7 @@
               <a:buSzPts val="275"/>
               <a:buNone/>
             </a:pPr>
-            <a:r>
-              <a:t/>
-            </a:r>
-            <a:endParaRPr sz="1650"/>
+            <a:endParaRPr sz="1650" dirty="0"/>
           </a:p>
         </p:txBody>
       </p:sp>
@@ -9346,11 +9539,11 @@
 </file>
 
 <file path=ppt/slides/slide8.xml><?xml version="1.0" encoding="utf-8"?>
-<p:sld xmlns:a="http://schemas.openxmlformats.org/drawingml/2006/main" xmlns:r="http://schemas.openxmlformats.org/officeDocument/2006/relationships" xmlns:mc="http://schemas.openxmlformats.org/markup-compatibility/2006" xmlns:mv="urn:schemas-microsoft-com:mac:vml" xmlns:p="http://schemas.openxmlformats.org/presentationml/2006/main" xmlns:c="http://schemas.openxmlformats.org/drawingml/2006/chart" xmlns:dgm="http://schemas.openxmlformats.org/drawingml/2006/diagram" xmlns:o="urn:schemas-microsoft-com:office:office" xmlns:v="urn:schemas-microsoft-com:vml" xmlns:pvml="urn:schemas-microsoft-com:office:powerpoint" xmlns:com="http://schemas.openxmlformats.org/drawingml/2006/compatibility" xmlns:p14="http://schemas.microsoft.com/office/powerpoint/2010/main" xmlns:p15="http://schemas.microsoft.com/office/powerpoint/2012/main" xmlns:ahyp="http://schemas.microsoft.com/office/drawing/2018/hyperlinkcolor">
+<p:sld xmlns:a="http://schemas.openxmlformats.org/drawingml/2006/main" xmlns:r="http://schemas.openxmlformats.org/officeDocument/2006/relationships" xmlns:p="http://schemas.openxmlformats.org/presentationml/2006/main">
   <p:cSld>
     <p:spTree>
       <p:nvGrpSpPr>
-        <p:cNvPr id="98" name="Shape 98"/>
+        <p:cNvPr id="1" name="Shape 98"/>
         <p:cNvGrpSpPr/>
         <p:nvPr/>
       </p:nvGrpSpPr>
@@ -9365,7 +9558,9 @@
       <p:sp>
         <p:nvSpPr>
           <p:cNvPr id="99" name="Google Shape;99;p20"/>
-          <p:cNvSpPr txBox="1"/>
+          <p:cNvSpPr txBox="1">
+            <a:spLocks noGrp="1"/>
+          </p:cNvSpPr>
           <p:nvPr>
             <p:ph type="title"/>
           </p:nvPr>
@@ -9380,12 +9575,12 @@
           </a:prstGeom>
         </p:spPr>
         <p:txBody>
-          <a:bodyPr anchorCtr="0" anchor="t" bIns="91425" lIns="91425" spcFirstLastPara="1" rIns="91425" wrap="square" tIns="91425">
+          <a:bodyPr spcFirstLastPara="1" wrap="square" lIns="91425" tIns="91425" rIns="91425" bIns="91425" anchor="t" anchorCtr="0">
             <a:normAutofit fontScale="90000"/>
           </a:bodyPr>
           <a:lstStyle/>
           <a:p>
-            <a:pPr indent="0" lvl="0" marL="0" rtl="0" algn="l">
+            <a:pPr marL="0" lvl="0" indent="0" algn="l" rtl="0">
               <a:spcBef>
                 <a:spcPts val="0"/>
               </a:spcBef>
@@ -9405,9 +9600,11 @@
       <p:sp>
         <p:nvSpPr>
           <p:cNvPr id="100" name="Google Shape;100;p20"/>
-          <p:cNvSpPr txBox="1"/>
+          <p:cNvSpPr txBox="1">
+            <a:spLocks noGrp="1"/>
+          </p:cNvSpPr>
           <p:nvPr>
-            <p:ph idx="1" type="body"/>
+            <p:ph type="body" idx="1"/>
           </p:nvPr>
         </p:nvSpPr>
         <p:spPr>
@@ -9420,12 +9617,12 @@
           </a:prstGeom>
         </p:spPr>
         <p:txBody>
-          <a:bodyPr anchorCtr="0" anchor="t" bIns="91425" lIns="91425" spcFirstLastPara="1" rIns="91425" wrap="square" tIns="91425">
+          <a:bodyPr spcFirstLastPara="1" wrap="square" lIns="91425" tIns="91425" rIns="91425" bIns="91425" anchor="t" anchorCtr="0">
             <a:normAutofit/>
           </a:bodyPr>
           <a:lstStyle/>
           <a:p>
-            <a:pPr indent="0" lvl="0" marL="0" rtl="0" algn="l">
+            <a:pPr marL="0" lvl="0" indent="0" algn="l" rtl="0">
               <a:spcBef>
                 <a:spcPts val="0"/>
               </a:spcBef>
@@ -9436,20 +9633,12 @@
             </a:pPr>
             <a:r>
               <a:rPr lang="en"/>
-              <a:t>n</a:t>
-            </a:r>
-            <a:r>
-              <a:rPr lang="en"/>
-              <a:t>_</a:t>
-            </a:r>
-            <a:r>
-              <a:rPr lang="en"/>
-              <a:t>estimators = 1000</a:t>
+              <a:t>n_estimators = 1000</a:t>
             </a:r>
             <a:endParaRPr/>
           </a:p>
           <a:p>
-            <a:pPr indent="0" lvl="0" marL="0" rtl="0" algn="l">
+            <a:pPr marL="0" lvl="0" indent="0" algn="l" rtl="0">
               <a:spcBef>
                 <a:spcPts val="1200"/>
               </a:spcBef>
@@ -9470,7 +9659,7 @@
             <a:endParaRPr/>
           </a:p>
           <a:p>
-            <a:pPr indent="0" lvl="0" marL="0" rtl="0" algn="l">
+            <a:pPr marL="0" lvl="0" indent="0" algn="l" rtl="0">
               <a:spcBef>
                 <a:spcPts val="1200"/>
               </a:spcBef>
@@ -9486,7 +9675,7 @@
             <a:endParaRPr/>
           </a:p>
           <a:p>
-            <a:pPr indent="0" lvl="0" marL="0" rtl="0" algn="l">
+            <a:pPr marL="0" lvl="0" indent="0" algn="l" rtl="0">
               <a:spcBef>
                 <a:spcPts val="1200"/>
               </a:spcBef>
@@ -9502,7 +9691,7 @@
             <a:endParaRPr/>
           </a:p>
           <a:p>
-            <a:pPr indent="0" lvl="0" marL="0" rtl="0" algn="l">
+            <a:pPr marL="0" lvl="0" indent="0" algn="l" rtl="0">
               <a:spcBef>
                 <a:spcPts val="1200"/>
               </a:spcBef>
@@ -9518,7 +9707,7 @@
             <a:endParaRPr/>
           </a:p>
           <a:p>
-            <a:pPr indent="0" lvl="0" marL="0" rtl="0" algn="l">
+            <a:pPr marL="0" lvl="0" indent="0" algn="l" rtl="0">
               <a:spcBef>
                 <a:spcPts val="1200"/>
               </a:spcBef>
@@ -9527,9 +9716,6 @@
               </a:spcAft>
               <a:buNone/>
             </a:pPr>
-            <a:r>
-              <a:t/>
-            </a:r>
             <a:endParaRPr/>
           </a:p>
         </p:txBody>
@@ -9571,11 +9757,11 @@
 </file>
 
 <file path=ppt/slides/slide9.xml><?xml version="1.0" encoding="utf-8"?>
-<p:sld xmlns:a="http://schemas.openxmlformats.org/drawingml/2006/main" xmlns:r="http://schemas.openxmlformats.org/officeDocument/2006/relationships" xmlns:mc="http://schemas.openxmlformats.org/markup-compatibility/2006" xmlns:mv="urn:schemas-microsoft-com:mac:vml" xmlns:p="http://schemas.openxmlformats.org/presentationml/2006/main" xmlns:c="http://schemas.openxmlformats.org/drawingml/2006/chart" xmlns:dgm="http://schemas.openxmlformats.org/drawingml/2006/diagram" xmlns:o="urn:schemas-microsoft-com:office:office" xmlns:v="urn:schemas-microsoft-com:vml" xmlns:pvml="urn:schemas-microsoft-com:office:powerpoint" xmlns:com="http://schemas.openxmlformats.org/drawingml/2006/compatibility" xmlns:p14="http://schemas.microsoft.com/office/powerpoint/2010/main" xmlns:p15="http://schemas.microsoft.com/office/powerpoint/2012/main" xmlns:ahyp="http://schemas.microsoft.com/office/drawing/2018/hyperlinkcolor">
+<p:sld xmlns:a="http://schemas.openxmlformats.org/drawingml/2006/main" xmlns:r="http://schemas.openxmlformats.org/officeDocument/2006/relationships" xmlns:p="http://schemas.openxmlformats.org/presentationml/2006/main">
   <p:cSld>
     <p:spTree>
       <p:nvGrpSpPr>
-        <p:cNvPr id="105" name="Shape 105"/>
+        <p:cNvPr id="1" name="Shape 105"/>
         <p:cNvGrpSpPr/>
         <p:nvPr/>
       </p:nvGrpSpPr>
@@ -9590,7 +9776,9 @@
       <p:sp>
         <p:nvSpPr>
           <p:cNvPr id="106" name="Google Shape;106;p21"/>
-          <p:cNvSpPr txBox="1"/>
+          <p:cNvSpPr txBox="1">
+            <a:spLocks noGrp="1"/>
+          </p:cNvSpPr>
           <p:nvPr>
             <p:ph type="title"/>
           </p:nvPr>
@@ -9605,12 +9793,12 @@
           </a:prstGeom>
         </p:spPr>
         <p:txBody>
-          <a:bodyPr anchorCtr="0" anchor="t" bIns="91425" lIns="91425" spcFirstLastPara="1" rIns="91425" wrap="square" tIns="91425">
+          <a:bodyPr spcFirstLastPara="1" wrap="square" lIns="91425" tIns="91425" rIns="91425" bIns="91425" anchor="t" anchorCtr="0">
             <a:normAutofit fontScale="90000"/>
           </a:bodyPr>
           <a:lstStyle/>
           <a:p>
-            <a:pPr indent="0" lvl="0" marL="0" rtl="0" algn="l">
+            <a:pPr marL="0" lvl="0" indent="0" algn="l" rtl="0">
               <a:spcBef>
                 <a:spcPts val="0"/>
               </a:spcBef>
@@ -9630,9 +9818,11 @@
       <p:sp>
         <p:nvSpPr>
           <p:cNvPr id="107" name="Google Shape;107;p21"/>
-          <p:cNvSpPr txBox="1"/>
+          <p:cNvSpPr txBox="1">
+            <a:spLocks noGrp="1"/>
+          </p:cNvSpPr>
           <p:nvPr>
-            <p:ph idx="1" type="body"/>
+            <p:ph type="body" idx="1"/>
           </p:nvPr>
         </p:nvSpPr>
         <p:spPr>
@@ -9645,12 +9835,12 @@
           </a:prstGeom>
         </p:spPr>
         <p:txBody>
-          <a:bodyPr anchorCtr="0" anchor="t" bIns="91425" lIns="91425" spcFirstLastPara="1" rIns="91425" wrap="square" tIns="91425">
+          <a:bodyPr spcFirstLastPara="1" wrap="square" lIns="91425" tIns="91425" rIns="91425" bIns="91425" anchor="t" anchorCtr="0">
             <a:normAutofit/>
           </a:bodyPr>
           <a:lstStyle/>
           <a:p>
-            <a:pPr indent="0" lvl="0" marL="0" rtl="0" algn="l">
+            <a:pPr marL="0" lvl="0" indent="0" algn="l" rtl="0">
               <a:spcBef>
                 <a:spcPts val="0"/>
               </a:spcBef>
@@ -9666,7 +9856,7 @@
             <a:endParaRPr/>
           </a:p>
           <a:p>
-            <a:pPr indent="0" lvl="0" marL="0" rtl="0" algn="l">
+            <a:pPr marL="0" lvl="0" indent="0" algn="l" rtl="0">
               <a:spcBef>
                 <a:spcPts val="1200"/>
               </a:spcBef>
@@ -9682,7 +9872,7 @@
             <a:endParaRPr/>
           </a:p>
           <a:p>
-            <a:pPr indent="0" lvl="0" marL="0" rtl="0" algn="l">
+            <a:pPr marL="0" lvl="0" indent="0" algn="l" rtl="0">
               <a:spcBef>
                 <a:spcPts val="1200"/>
               </a:spcBef>
@@ -9702,7 +9892,7 @@
             <a:endParaRPr/>
           </a:p>
           <a:p>
-            <a:pPr indent="0" lvl="0" marL="0" rtl="0" algn="l">
+            <a:pPr marL="0" lvl="0" indent="0" algn="l" rtl="0">
               <a:spcBef>
                 <a:spcPts val="1200"/>
               </a:spcBef>
@@ -9711,13 +9901,10 @@
               </a:spcAft>
               <a:buNone/>
             </a:pPr>
-            <a:r>
-              <a:t/>
-            </a:r>
             <a:endParaRPr/>
           </a:p>
           <a:p>
-            <a:pPr indent="0" lvl="0" marL="0" rtl="0" algn="l">
+            <a:pPr marL="0" lvl="0" indent="0" algn="l" rtl="0">
               <a:spcBef>
                 <a:spcPts val="1200"/>
               </a:spcBef>
@@ -9733,7 +9920,7 @@
             <a:endParaRPr/>
           </a:p>
           <a:p>
-            <a:pPr indent="0" lvl="0" marL="0" rtl="0" algn="l">
+            <a:pPr marL="0" lvl="0" indent="0" algn="l" rtl="0">
               <a:spcBef>
                 <a:spcPts val="1200"/>
               </a:spcBef>
@@ -9742,9 +9929,6 @@
               </a:spcAft>
               <a:buNone/>
             </a:pPr>
-            <a:r>
-              <a:t/>
-            </a:r>
             <a:endParaRPr/>
           </a:p>
         </p:txBody>
@@ -9758,7 +9942,7 @@
 </file>
 
 <file path=ppt/theme/theme1.xml><?xml version="1.0" encoding="utf-8"?>
-<a:theme xmlns:a="http://schemas.openxmlformats.org/drawingml/2006/main" xmlns:r="http://schemas.openxmlformats.org/officeDocument/2006/relationships" name="Simple Light">
+<a:theme xmlns:a="http://schemas.openxmlformats.org/drawingml/2006/main" name="Simple Light">
   <a:themeElements>
     <a:clrScheme name="Simple Light">
       <a:dk1>
@@ -10033,11 +10217,13 @@
       </a:bgFillStyleLst>
     </a:fmtScheme>
   </a:themeElements>
+  <a:objectDefaults/>
+  <a:extraClrSchemeLst/>
 </a:theme>
 </file>
 
 <file path=ppt/theme/theme2.xml><?xml version="1.0" encoding="utf-8"?>
-<a:theme xmlns:a="http://schemas.openxmlformats.org/drawingml/2006/main" xmlns:r="http://schemas.openxmlformats.org/officeDocument/2006/relationships">
+<a:theme xmlns:a="http://schemas.openxmlformats.org/drawingml/2006/main">
   <a:themeElements>
     <a:clrScheme name="Default">
       <a:dk1>
@@ -10312,5 +10498,7 @@
       </a:bgFillStyleLst>
     </a:fmtScheme>
   </a:themeElements>
+  <a:objectDefaults/>
+  <a:extraClrSchemeLst/>
 </a:theme>
 </file>
--- a/CF-Project2.pptx
+++ b/CF-Project2.pptx
@@ -5,7 +5,7 @@
     <p:sldMasterId id="2147483659" r:id="rId1"/>
   </p:sldMasterIdLst>
   <p:notesMasterIdLst>
-    <p:notesMasterId r:id="rId18"/>
+    <p:notesMasterId r:id="rId19"/>
   </p:notesMasterIdLst>
   <p:sldIdLst>
     <p:sldId id="256" r:id="rId2"/>
@@ -24,6 +24,7 @@
     <p:sldId id="269" r:id="rId15"/>
     <p:sldId id="270" r:id="rId16"/>
     <p:sldId id="271" r:id="rId17"/>
+    <p:sldId id="272" r:id="rId18"/>
   </p:sldIdLst>
   <p:sldSz cx="9144000" cy="5143500" type="screen16x9"/>
   <p:notesSz cx="6858000" cy="9144000"/>
@@ -484,7 +485,7 @@
     </p:spTree>
     <p:extLst>
       <p:ext uri="{BB962C8B-B14F-4D97-AF65-F5344CB8AC3E}">
-        <p14:creationId xmlns:p14="http://schemas.microsoft.com/office/powerpoint/2010/main" val="259374733"/>
+        <p14:creationId xmlns:p14="http://schemas.microsoft.com/office/powerpoint/2010/main" val="286264164"/>
       </p:ext>
     </p:extLst>
   </p:cSld>
@@ -1468,7 +1469,7 @@
       </p:grpSpPr>
       <p:sp>
         <p:nvSpPr>
-          <p:cNvPr id="150" name="Google Shape;150;gd20d51a75e_0_101:notes"/>
+          <p:cNvPr id="150" name="Google Shape;150;gcdb87e9a20_0_0:notes"/>
           <p:cNvSpPr>
             <a:spLocks noGrp="1" noRot="1" noChangeAspect="1"/>
           </p:cNvSpPr>
@@ -1509,7 +1510,111 @@
       </p:sp>
       <p:sp>
         <p:nvSpPr>
-          <p:cNvPr id="151" name="Google Shape;151;gd20d51a75e_0_101:notes"/>
+          <p:cNvPr id="151" name="Google Shape;151;gcdb87e9a20_0_0:notes"/>
+          <p:cNvSpPr txBox="1">
+            <a:spLocks noGrp="1"/>
+          </p:cNvSpPr>
+          <p:nvPr>
+            <p:ph type="body" idx="1"/>
+          </p:nvPr>
+        </p:nvSpPr>
+        <p:spPr>
+          <a:xfrm>
+            <a:off x="685800" y="4343400"/>
+            <a:ext cx="5486400" cy="4114800"/>
+          </a:xfrm>
+          <a:prstGeom prst="rect">
+            <a:avLst/>
+          </a:prstGeom>
+        </p:spPr>
+        <p:txBody>
+          <a:bodyPr spcFirstLastPara="1" wrap="square" lIns="91425" tIns="91425" rIns="91425" bIns="91425" anchor="t" anchorCtr="0">
+            <a:noAutofit/>
+          </a:bodyPr>
+          <a:lstStyle/>
+          <a:p>
+            <a:pPr marL="0" lvl="0" indent="0" algn="l" rtl="0">
+              <a:spcBef>
+                <a:spcPts val="0"/>
+              </a:spcBef>
+              <a:spcAft>
+                <a:spcPts val="0"/>
+              </a:spcAft>
+              <a:buNone/>
+            </a:pPr>
+            <a:endParaRPr/>
+          </a:p>
+        </p:txBody>
+      </p:sp>
+    </p:spTree>
+  </p:cSld>
+  <p:clrMapOvr>
+    <a:masterClrMapping/>
+  </p:clrMapOvr>
+</p:notes>
+</file>
+
+<file path=ppt/notesSlides/notesSlide17.xml><?xml version="1.0" encoding="utf-8"?>
+<p:notes xmlns:a="http://schemas.openxmlformats.org/drawingml/2006/main" xmlns:r="http://schemas.openxmlformats.org/officeDocument/2006/relationships" xmlns:p="http://schemas.openxmlformats.org/presentationml/2006/main" showMasterSp="0" showMasterPhAnim="0">
+  <p:cSld>
+    <p:spTree>
+      <p:nvGrpSpPr>
+        <p:cNvPr id="1" name="Shape 155"/>
+        <p:cNvGrpSpPr/>
+        <p:nvPr/>
+      </p:nvGrpSpPr>
+      <p:grpSpPr>
+        <a:xfrm>
+          <a:off x="0" y="0"/>
+          <a:ext cx="0" cy="0"/>
+          <a:chOff x="0" y="0"/>
+          <a:chExt cx="0" cy="0"/>
+        </a:xfrm>
+      </p:grpSpPr>
+      <p:sp>
+        <p:nvSpPr>
+          <p:cNvPr id="156" name="Google Shape;156;gd20d51a75e_0_101:notes"/>
+          <p:cNvSpPr>
+            <a:spLocks noGrp="1" noRot="1" noChangeAspect="1"/>
+          </p:cNvSpPr>
+          <p:nvPr>
+            <p:ph type="sldImg" idx="2"/>
+          </p:nvPr>
+        </p:nvSpPr>
+        <p:spPr>
+          <a:xfrm>
+            <a:off x="381000" y="685800"/>
+            <a:ext cx="6096000" cy="3429000"/>
+          </a:xfrm>
+          <a:custGeom>
+            <a:avLst/>
+            <a:gdLst/>
+            <a:ahLst/>
+            <a:cxnLst/>
+            <a:rect l="l" t="t" r="r" b="b"/>
+            <a:pathLst>
+              <a:path w="120000" h="120000" extrusionOk="0">
+                <a:moveTo>
+                  <a:pt x="0" y="0"/>
+                </a:moveTo>
+                <a:lnTo>
+                  <a:pt x="120000" y="0"/>
+                </a:lnTo>
+                <a:lnTo>
+                  <a:pt x="120000" y="120000"/>
+                </a:lnTo>
+                <a:lnTo>
+                  <a:pt x="0" y="120000"/>
+                </a:lnTo>
+                <a:close/>
+              </a:path>
+            </a:pathLst>
+          </a:custGeom>
+        </p:spPr>
+      </p:sp>
+      <p:sp>
+        <p:nvSpPr>
+          <p:cNvPr id="157" name="Google Shape;157;gd20d51a75e_0_101:notes"/>
           <p:cNvSpPr txBox="1">
             <a:spLocks noGrp="1"/>
           </p:cNvSpPr>
@@ -7526,8 +7631,8 @@
         </p:blipFill>
         <p:spPr>
           <a:xfrm>
-            <a:off x="407250" y="1017725"/>
-            <a:ext cx="2809875" cy="1285875"/>
+            <a:off x="508000" y="1017725"/>
+            <a:ext cx="2709125" cy="1285875"/>
           </a:xfrm>
           <a:prstGeom prst="rect">
             <a:avLst/>
@@ -8123,6 +8228,101 @@
             </a:pPr>
             <a:r>
               <a:rPr lang="en"/>
+              <a:t>Risk Parity Strat Portfolio vs Equal Weighted Long Only</a:t>
+            </a:r>
+            <a:endParaRPr/>
+          </a:p>
+        </p:txBody>
+      </p:sp>
+      <p:pic>
+        <p:nvPicPr>
+          <p:cNvPr id="154" name="Google Shape;154;p28"/>
+          <p:cNvPicPr preferRelativeResize="0"/>
+          <p:nvPr/>
+        </p:nvPicPr>
+        <p:blipFill>
+          <a:blip r:embed="rId3">
+            <a:alphaModFix/>
+          </a:blip>
+          <a:stretch>
+            <a:fillRect/>
+          </a:stretch>
+        </p:blipFill>
+        <p:spPr>
+          <a:xfrm>
+            <a:off x="895875" y="1058050"/>
+            <a:ext cx="7375425" cy="3871274"/>
+          </a:xfrm>
+          <a:prstGeom prst="rect">
+            <a:avLst/>
+          </a:prstGeom>
+          <a:noFill/>
+          <a:ln>
+            <a:noFill/>
+          </a:ln>
+        </p:spPr>
+      </p:pic>
+    </p:spTree>
+  </p:cSld>
+  <p:clrMapOvr>
+    <a:masterClrMapping/>
+  </p:clrMapOvr>
+</p:sld>
+</file>
+
+<file path=ppt/slides/slide17.xml><?xml version="1.0" encoding="utf-8"?>
+<p:sld xmlns:a="http://schemas.openxmlformats.org/drawingml/2006/main" xmlns:r="http://schemas.openxmlformats.org/officeDocument/2006/relationships" xmlns:p="http://schemas.openxmlformats.org/presentationml/2006/main">
+  <p:cSld>
+    <p:spTree>
+      <p:nvGrpSpPr>
+        <p:cNvPr id="1" name="Shape 158"/>
+        <p:cNvGrpSpPr/>
+        <p:nvPr/>
+      </p:nvGrpSpPr>
+      <p:grpSpPr>
+        <a:xfrm>
+          <a:off x="0" y="0"/>
+          <a:ext cx="0" cy="0"/>
+          <a:chOff x="0" y="0"/>
+          <a:chExt cx="0" cy="0"/>
+        </a:xfrm>
+      </p:grpSpPr>
+      <p:sp>
+        <p:nvSpPr>
+          <p:cNvPr id="159" name="Google Shape;159;p29"/>
+          <p:cNvSpPr txBox="1">
+            <a:spLocks noGrp="1"/>
+          </p:cNvSpPr>
+          <p:nvPr>
+            <p:ph type="title"/>
+          </p:nvPr>
+        </p:nvSpPr>
+        <p:spPr>
+          <a:xfrm>
+            <a:off x="311700" y="445025"/>
+            <a:ext cx="8520600" cy="572700"/>
+          </a:xfrm>
+          <a:prstGeom prst="rect">
+            <a:avLst/>
+          </a:prstGeom>
+        </p:spPr>
+        <p:txBody>
+          <a:bodyPr spcFirstLastPara="1" wrap="square" lIns="91425" tIns="91425" rIns="91425" bIns="91425" anchor="t" anchorCtr="0">
+            <a:normAutofit fontScale="90000"/>
+          </a:bodyPr>
+          <a:lstStyle/>
+          <a:p>
+            <a:pPr marL="0" lvl="0" indent="0" algn="l" rtl="0">
+              <a:spcBef>
+                <a:spcPts val="0"/>
+              </a:spcBef>
+              <a:spcAft>
+                <a:spcPts val="0"/>
+              </a:spcAft>
+              <a:buNone/>
+            </a:pPr>
+            <a:r>
+              <a:rPr lang="en"/>
               <a:t>   Q&amp;A</a:t>
             </a:r>
             <a:endParaRPr/>
@@ -8131,7 +8331,7 @@
       </p:sp>
       <p:sp>
         <p:nvSpPr>
-          <p:cNvPr id="154" name="Google Shape;154;p28"/>
+          <p:cNvPr id="160" name="Google Shape;160;p29"/>
           <p:cNvSpPr txBox="1">
             <a:spLocks noGrp="1"/>
           </p:cNvSpPr>
@@ -8232,10 +8432,10 @@
               <a:buNone/>
             </a:pPr>
             <a:r>
-              <a:rPr lang="en" sz="1820" dirty="0"/>
+              <a:rPr lang="en" sz="1820"/>
               <a:t>Trading WSB stocks using technical and macro indicators, and sentiment analysis</a:t>
             </a:r>
-            <a:endParaRPr sz="1820" dirty="0"/>
+            <a:endParaRPr sz="1820"/>
           </a:p>
         </p:txBody>
       </p:sp>
@@ -8260,7 +8460,7 @@
         </p:spPr>
         <p:txBody>
           <a:bodyPr spcFirstLastPara="1" wrap="square" lIns="91425" tIns="91425" rIns="91425" bIns="91425" anchor="t" anchorCtr="0">
-            <a:normAutofit/>
+            <a:normAutofit fontScale="77500" lnSpcReduction="20000"/>
           </a:bodyPr>
           <a:lstStyle/>
           <a:p>
@@ -8277,10 +8477,10 @@
               <a:buNone/>
             </a:pPr>
             <a:r>
-              <a:rPr lang="en" sz="1400" dirty="0"/>
+              <a:rPr lang="en"/>
               <a:t>1.	Technical indicators: William’s R%, RSI, on-balance volume, beta, and AR(1)</a:t>
             </a:r>
-            <a:endParaRPr sz="1400" dirty="0"/>
+            <a:endParaRPr/>
           </a:p>
           <a:p>
             <a:pPr marL="0" lvl="0" indent="0" algn="l" rtl="0">
@@ -8296,10 +8496,10 @@
               <a:buNone/>
             </a:pPr>
             <a:r>
-              <a:rPr lang="en" sz="1400" dirty="0"/>
+              <a:rPr lang="en"/>
               <a:t>2.	Macro indicators: 2s10s yield curve, VIX index, USDJPY	</a:t>
             </a:r>
-            <a:endParaRPr sz="1400" dirty="0"/>
+            <a:endParaRPr/>
           </a:p>
           <a:p>
             <a:pPr marL="0" lvl="0" indent="0" algn="l" rtl="0">
@@ -8315,10 +8515,10 @@
               <a:buNone/>
             </a:pPr>
             <a:r>
-              <a:rPr lang="en" sz="1400" dirty="0"/>
+              <a:rPr lang="en"/>
               <a:t>3.	Sentiment analysis: NLTK Vader and custom RNN LSTM</a:t>
             </a:r>
-            <a:endParaRPr sz="1400" dirty="0"/>
+            <a:endParaRPr/>
           </a:p>
           <a:p>
             <a:pPr marL="0" lvl="0" indent="0" algn="l" rtl="0">
@@ -8334,10 +8534,10 @@
               <a:buNone/>
             </a:pPr>
             <a:r>
-              <a:rPr lang="en" sz="1400" dirty="0"/>
-              <a:t>4.	XGBoost regression to forecast next minute returns</a:t>
+              <a:rPr lang="en"/>
+              <a:t>4.	GradientBoosting regression to forecast next minute returns</a:t>
             </a:r>
-            <a:endParaRPr sz="1400" dirty="0"/>
+            <a:endParaRPr/>
           </a:p>
           <a:p>
             <a:pPr marL="0" lvl="0" indent="0" algn="l" rtl="0">
@@ -8348,15 +8548,34 @@
                 <a:spcPts val="1200"/>
               </a:spcBef>
               <a:spcAft>
-                <a:spcPts val="1200"/>
+                <a:spcPts val="0"/>
               </a:spcAft>
               <a:buNone/>
             </a:pPr>
             <a:r>
-              <a:rPr lang="en" sz="1400" dirty="0"/>
+              <a:rPr lang="en"/>
               <a:t>5.	Trade sizing based on historical returns and standard deviation</a:t>
             </a:r>
-            <a:endParaRPr sz="1400" dirty="0"/>
+            <a:endParaRPr/>
+          </a:p>
+          <a:p>
+            <a:pPr marL="0" lvl="0" indent="0" algn="l" rtl="0">
+              <a:lnSpc>
+                <a:spcPct val="200000"/>
+              </a:lnSpc>
+              <a:spcBef>
+                <a:spcPts val="1200"/>
+              </a:spcBef>
+              <a:spcAft>
+                <a:spcPts val="1200"/>
+              </a:spcAft>
+              <a:buNone/>
+            </a:pPr>
+            <a:r>
+              <a:rPr lang="en"/>
+              <a:t>6.	Risk parity portfolio that weighs our trading strategy across stocks inversely proportional to risk</a:t>
+            </a:r>
+            <a:endParaRPr/>
           </a:p>
         </p:txBody>
       </p:sp>
@@ -8508,13 +8727,29 @@
                 <a:spcPts val="1200"/>
               </a:spcBef>
               <a:spcAft>
-                <a:spcPts val="1200"/>
+                <a:spcPts val="0"/>
               </a:spcAft>
               <a:buNone/>
             </a:pPr>
             <a:r>
               <a:rPr lang="en"/>
               <a:t>Stocks: AMC, BB, BBBY, GME, NOK</a:t>
+            </a:r>
+            <a:endParaRPr/>
+          </a:p>
+          <a:p>
+            <a:pPr marL="0" lvl="0" indent="0" algn="l" rtl="0">
+              <a:spcBef>
+                <a:spcPts val="1200"/>
+              </a:spcBef>
+              <a:spcAft>
+                <a:spcPts val="1200"/>
+              </a:spcAft>
+              <a:buNone/>
+            </a:pPr>
+            <a:r>
+              <a:rPr lang="en"/>
+              <a:t>Sources: Bloomberg, Kaggle, Reddit, Twitter</a:t>
             </a:r>
             <a:endParaRPr/>
           </a:p>
@@ -9087,69 +9322,18 @@
               <a:t>VIX: </a:t>
             </a:r>
             <a:r>
-              <a:rPr lang="en" dirty="0">
-                <a:solidFill>
-                  <a:srgbClr val="595959"/>
-                </a:solidFill>
-              </a:rPr>
+              <a:rPr lang="en" dirty="0"/>
               <a:t>a measure of the </a:t>
             </a:r>
             <a:r>
               <a:rPr lang="en" dirty="0" smtClean="0">
-                <a:solidFill>
-                  <a:srgbClr val="595959"/>
-                </a:solidFill>
-              </a:rPr>
-              <a:t>stock market's </a:t>
-            </a:r>
-            <a:r>
-              <a:rPr lang="en" dirty="0">
-                <a:solidFill>
-                  <a:srgbClr val="595959"/>
-                </a:solidFill>
-              </a:rPr>
-              <a:t>expectation of </a:t>
-            </a:r>
-            <a:r>
-              <a:rPr lang="en" dirty="0" smtClean="0">
-                <a:solidFill>
-                  <a:srgbClr val="595959"/>
-                </a:solidFill>
                 <a:uFill>
                   <a:noFill/>
                 </a:uFill>
               </a:rPr>
-              <a:t>volatility </a:t>
+              <a:t>stock market’s expection of volatility based on S&amp;P500 index options </a:t>
             </a:r>
-            <a:r>
-              <a:rPr lang="en" dirty="0" smtClean="0">
-                <a:solidFill>
-                  <a:srgbClr val="595959"/>
-                </a:solidFill>
-              </a:rPr>
-              <a:t>based </a:t>
-            </a:r>
-            <a:r>
-              <a:rPr lang="en" dirty="0">
-                <a:solidFill>
-                  <a:srgbClr val="595959"/>
-                </a:solidFill>
-              </a:rPr>
-              <a:t>on </a:t>
-            </a:r>
-            <a:r>
-              <a:rPr lang="en" dirty="0" smtClean="0">
-                <a:solidFill>
-                  <a:srgbClr val="595959"/>
-                </a:solidFill>
-              </a:rPr>
-              <a:t>S&amp;P 500 index options</a:t>
-            </a:r>
-            <a:endParaRPr dirty="0">
-              <a:solidFill>
-                <a:srgbClr val="595959"/>
-              </a:solidFill>
-            </a:endParaRPr>
+            <a:endParaRPr dirty="0"/>
           </a:p>
           <a:p>
             <a:pPr marL="0" marR="0" lvl="0" indent="0" algn="l" rtl="0">
@@ -9591,7 +9775,7 @@
             </a:pPr>
             <a:r>
               <a:rPr lang="en"/>
-              <a:t>XGBoost Regression</a:t>
+              <a:t>GradientBoosting Regression</a:t>
             </a:r>
             <a:endParaRPr/>
           </a:p>

--- a/CF-Project2.pptx
+++ b/CF-Project2.pptx
@@ -259,7 +259,7 @@
   </p:defaultTextStyle>
   <p:extLst>
     <p:ext uri="{EFAFB233-063F-42B5-8137-9DF3F51BA10A}">
-      <p15:sldGuideLst xmlns:ahyp="http://schemas.microsoft.com/office/drawing/2018/hyperlinkcolor" xmlns:p15="http://schemas.microsoft.com/office/powerpoint/2012/main" xmlns:p14="http://schemas.microsoft.com/office/powerpoint/2010/main" xmlns:com="http://schemas.openxmlformats.org/drawingml/2006/compatibility" xmlns:pvml="urn:schemas-microsoft-com:office:powerpoint" xmlns:v="urn:schemas-microsoft-com:vml" xmlns:o="urn:schemas-microsoft-com:office:office" xmlns:dgm="http://schemas.openxmlformats.org/drawingml/2006/diagram" xmlns:c="http://schemas.openxmlformats.org/drawingml/2006/chart" xmlns:mv="urn:schemas-microsoft-com:mac:vml" xmlns:mc="http://schemas.openxmlformats.org/markup-compatibility/2006" xmlns="">
+      <p15:sldGuideLst xmlns="" xmlns:mc="http://schemas.openxmlformats.org/markup-compatibility/2006" xmlns:mv="urn:schemas-microsoft-com:mac:vml" xmlns:c="http://schemas.openxmlformats.org/drawingml/2006/chart" xmlns:dgm="http://schemas.openxmlformats.org/drawingml/2006/diagram" xmlns:o="urn:schemas-microsoft-com:office:office" xmlns:v="urn:schemas-microsoft-com:vml" xmlns:pvml="urn:schemas-microsoft-com:office:powerpoint" xmlns:com="http://schemas.openxmlformats.org/drawingml/2006/compatibility" xmlns:p14="http://schemas.microsoft.com/office/powerpoint/2010/main" xmlns:p15="http://schemas.microsoft.com/office/powerpoint/2012/main" xmlns:ahyp="http://schemas.microsoft.com/office/drawing/2018/hyperlinkcolor">
         <p15:guide id="1" orient="horz" pos="1620">
           <p15:clr>
             <a:srgbClr val="A4A3A4"/>
@@ -8072,10 +8072,10 @@
               <a:buNone/>
             </a:pPr>
             <a:r>
-              <a:rPr lang="en"/>
+              <a:rPr lang="en" dirty="0"/>
               <a:t>Caveats </a:t>
             </a:r>
-            <a:endParaRPr/>
+            <a:endParaRPr dirty="0"/>
           </a:p>
         </p:txBody>
       </p:sp>
@@ -8115,10 +8115,13 @@
               <a:buChar char="-"/>
             </a:pPr>
             <a:r>
-              <a:rPr lang="en"/>
-              <a:t>No trading costs, taxes, fees on leverage, slippage</a:t>
+              <a:rPr lang="en" dirty="0"/>
+              <a:t>No trading costs, taxes, fees on leverage, </a:t>
             </a:r>
-            <a:endParaRPr/>
+            <a:r>
+              <a:rPr lang="en" dirty="0" smtClean="0"/>
+              <a:t>slippage</a:t>
+            </a:r>
           </a:p>
           <a:p>
             <a:pPr marL="457200" lvl="0" indent="-342900" algn="l" rtl="0">
@@ -8132,10 +8135,27 @@
               <a:buChar char="-"/>
             </a:pPr>
             <a:r>
-              <a:rPr lang="en"/>
+              <a:rPr lang="en" dirty="0" smtClean="0"/>
+              <a:t>Significant portfolio turnover</a:t>
+            </a:r>
+            <a:endParaRPr dirty="0"/>
+          </a:p>
+          <a:p>
+            <a:pPr marL="457200" lvl="0" indent="-342900" algn="l" rtl="0">
+              <a:spcBef>
+                <a:spcPts val="0"/>
+              </a:spcBef>
+              <a:spcAft>
+                <a:spcPts val="0"/>
+              </a:spcAft>
+              <a:buSzPts val="1800"/>
+              <a:buChar char="-"/>
+            </a:pPr>
+            <a:r>
+              <a:rPr lang="en" dirty="0"/>
               <a:t>Trading halts and overnight news</a:t>
             </a:r>
-            <a:endParaRPr/>
+            <a:endParaRPr dirty="0"/>
           </a:p>
           <a:p>
             <a:pPr marL="457200" lvl="0" indent="0" algn="l" rtl="0">
@@ -8147,7 +8167,7 @@
               </a:spcAft>
               <a:buNone/>
             </a:pPr>
-            <a:endParaRPr/>
+            <a:endParaRPr dirty="0"/>
           </a:p>
           <a:p>
             <a:pPr marL="0" lvl="0" indent="0" algn="l" rtl="0">
@@ -8160,10 +8180,10 @@
               <a:buNone/>
             </a:pPr>
             <a:r>
-              <a:rPr lang="en"/>
+              <a:rPr lang="en" dirty="0"/>
               <a:t>	</a:t>
             </a:r>
-            <a:endParaRPr/>
+            <a:endParaRPr dirty="0"/>
           </a:p>
         </p:txBody>
       </p:sp>

--- a/CF-Project2.pptx
+++ b/CF-Project2.pptx
@@ -259,7 +259,7 @@
   </p:defaultTextStyle>
   <p:extLst>
     <p:ext uri="{EFAFB233-063F-42B5-8137-9DF3F51BA10A}">
-      <p15:sldGuideLst xmlns="" xmlns:mc="http://schemas.openxmlformats.org/markup-compatibility/2006" xmlns:mv="urn:schemas-microsoft-com:mac:vml" xmlns:c="http://schemas.openxmlformats.org/drawingml/2006/chart" xmlns:dgm="http://schemas.openxmlformats.org/drawingml/2006/diagram" xmlns:o="urn:schemas-microsoft-com:office:office" xmlns:v="urn:schemas-microsoft-com:vml" xmlns:pvml="urn:schemas-microsoft-com:office:powerpoint" xmlns:com="http://schemas.openxmlformats.org/drawingml/2006/compatibility" xmlns:p14="http://schemas.microsoft.com/office/powerpoint/2010/main" xmlns:p15="http://schemas.microsoft.com/office/powerpoint/2012/main" xmlns:ahyp="http://schemas.microsoft.com/office/drawing/2018/hyperlinkcolor">
+      <p15:sldGuideLst xmlns:ahyp="http://schemas.microsoft.com/office/drawing/2018/hyperlinkcolor" xmlns:p15="http://schemas.microsoft.com/office/powerpoint/2012/main" xmlns:p14="http://schemas.microsoft.com/office/powerpoint/2010/main" xmlns:com="http://schemas.openxmlformats.org/drawingml/2006/compatibility" xmlns:pvml="urn:schemas-microsoft-com:office:powerpoint" xmlns:v="urn:schemas-microsoft-com:vml" xmlns:o="urn:schemas-microsoft-com:office:office" xmlns:dgm="http://schemas.openxmlformats.org/drawingml/2006/diagram" xmlns:c="http://schemas.openxmlformats.org/drawingml/2006/chart" xmlns:mv="urn:schemas-microsoft-com:mac:vml" xmlns:mc="http://schemas.openxmlformats.org/markup-compatibility/2006" xmlns="">
         <p15:guide id="1" orient="horz" pos="1620">
           <p15:clr>
             <a:srgbClr val="A4A3A4"/>
@@ -485,7 +485,7 @@
     </p:spTree>
     <p:extLst>
       <p:ext uri="{BB962C8B-B14F-4D97-AF65-F5344CB8AC3E}">
-        <p14:creationId xmlns:p14="http://schemas.microsoft.com/office/powerpoint/2010/main" val="286264164"/>
+        <p14:creationId xmlns:p14="http://schemas.microsoft.com/office/powerpoint/2010/main" val="1267697202"/>
       </p:ext>
     </p:extLst>
   </p:cSld>
@@ -8072,10 +8072,10 @@
               <a:buNone/>
             </a:pPr>
             <a:r>
-              <a:rPr lang="en" dirty="0"/>
+              <a:rPr lang="en"/>
               <a:t>Caveats </a:t>
             </a:r>
-            <a:endParaRPr dirty="0"/>
+            <a:endParaRPr/>
           </a:p>
         </p:txBody>
       </p:sp>
@@ -8115,13 +8115,10 @@
               <a:buChar char="-"/>
             </a:pPr>
             <a:r>
-              <a:rPr lang="en" dirty="0"/>
-              <a:t>No trading costs, taxes, fees on leverage, </a:t>
+              <a:rPr lang="en"/>
+              <a:t>No trading costs, taxes, fees on leverage, slippage</a:t>
             </a:r>
-            <a:r>
-              <a:rPr lang="en" dirty="0" smtClean="0"/>
-              <a:t>slippage</a:t>
-            </a:r>
+            <a:endParaRPr/>
           </a:p>
           <a:p>
             <a:pPr marL="457200" lvl="0" indent="-342900" algn="l" rtl="0">
@@ -8135,10 +8132,10 @@
               <a:buChar char="-"/>
             </a:pPr>
             <a:r>
-              <a:rPr lang="en" dirty="0" smtClean="0"/>
+              <a:rPr lang="en"/>
               <a:t>Significant portfolio turnover</a:t>
             </a:r>
-            <a:endParaRPr dirty="0"/>
+            <a:endParaRPr/>
           </a:p>
           <a:p>
             <a:pPr marL="457200" lvl="0" indent="-342900" algn="l" rtl="0">
@@ -8152,10 +8149,10 @@
               <a:buChar char="-"/>
             </a:pPr>
             <a:r>
-              <a:rPr lang="en" dirty="0"/>
+              <a:rPr lang="en"/>
               <a:t>Trading halts and overnight news</a:t>
             </a:r>
-            <a:endParaRPr dirty="0"/>
+            <a:endParaRPr/>
           </a:p>
           <a:p>
             <a:pPr marL="457200" lvl="0" indent="0" algn="l" rtl="0">
@@ -8167,7 +8164,7 @@
               </a:spcAft>
               <a:buNone/>
             </a:pPr>
-            <a:endParaRPr dirty="0"/>
+            <a:endParaRPr/>
           </a:p>
           <a:p>
             <a:pPr marL="0" lvl="0" indent="0" algn="l" rtl="0">
@@ -8180,10 +8177,10 @@
               <a:buNone/>
             </a:pPr>
             <a:r>
-              <a:rPr lang="en" dirty="0"/>
+              <a:rPr lang="en"/>
               <a:t>	</a:t>
             </a:r>
-            <a:endParaRPr dirty="0"/>
+            <a:endParaRPr/>
           </a:p>
         </p:txBody>
       </p:sp>
@@ -8816,7 +8813,7 @@
         </p:blipFill>
         <p:spPr>
           <a:xfrm>
-            <a:off x="703000" y="428625"/>
+            <a:off x="762000" y="350200"/>
             <a:ext cx="7620000" cy="4286250"/>
           </a:xfrm>
           <a:prstGeom prst="rect">
@@ -9346,12 +9343,36 @@
               <a:t>a measure of the </a:t>
             </a:r>
             <a:r>
+              <a:rPr lang="en" dirty="0" smtClean="0"/>
+              <a:t>stock market’s expectation </a:t>
+            </a:r>
+            <a:r>
+              <a:rPr lang="en" dirty="0"/>
+              <a:t>of </a:t>
+            </a:r>
+            <a:r>
+              <a:rPr lang="en" dirty="0" smtClean="0"/>
+              <a:t>volatility </a:t>
+            </a:r>
+            <a:r>
+              <a:rPr lang="en" dirty="0"/>
+              <a:t>based on </a:t>
+            </a:r>
+            <a:r>
+              <a:rPr lang="en" dirty="0" smtClean="0"/>
+              <a:t>S&amp;P 500 </a:t>
+            </a:r>
+            <a:r>
+              <a:rPr lang="en" dirty="0"/>
+              <a:t>index </a:t>
+            </a:r>
+            <a:r>
               <a:rPr lang="en" dirty="0" smtClean="0">
                 <a:uFill>
                   <a:noFill/>
                 </a:uFill>
               </a:rPr>
-              <a:t>stock market’s expection of volatility based on S&amp;P500 index options </a:t>
+              <a:t>options</a:t>
             </a:r>
             <a:endParaRPr dirty="0"/>
           </a:p>
